--- a/laporan.pptx
+++ b/laporan.pptx
@@ -1,89 +1,44 @@
 
 <file path=ppt/presentation.xml><?xml version="1.0" encoding="utf-8"?>
-<p:presentation xmlns:a="http://schemas.openxmlformats.org/drawingml/2006/main" xmlns:r="http://schemas.openxmlformats.org/officeDocument/2006/relationships" xmlns:p="http://schemas.openxmlformats.org/presentationml/2006/main" saveSubsetFonts="1" embedTrueTypeFonts="true">
+<p:presentation xmlns:a="http://schemas.openxmlformats.org/drawingml/2006/main" xmlns:r="http://schemas.openxmlformats.org/officeDocument/2006/relationships" xmlns:p="http://schemas.openxmlformats.org/presentationml/2006/main" embedTrueTypeFonts="1" saveSubsetFonts="1">
   <p:sldMasterIdLst>
     <p:sldMasterId id="2147483648" r:id="rId1"/>
   </p:sldMasterIdLst>
   <p:sldIdLst>
-    <p:sldId id="256" r:id="rId22"/>
-    <p:sldId id="257" r:id="rId23"/>
-    <p:sldId id="258" r:id="rId24"/>
-    <p:sldId id="259" r:id="rId25"/>
-    <p:sldId id="260" r:id="rId26"/>
-    <p:sldId id="261" r:id="rId27"/>
-    <p:sldId id="262" r:id="rId28"/>
-    <p:sldId id="263" r:id="rId29"/>
-    <p:sldId id="264" r:id="rId30"/>
-    <p:sldId id="265" r:id="rId31"/>
-    <p:sldId id="266" r:id="rId32"/>
-    <p:sldId id="267" r:id="rId33"/>
+    <p:sldId id="256" r:id="rId2"/>
+    <p:sldId id="257" r:id="rId3"/>
+    <p:sldId id="258" r:id="rId4"/>
+    <p:sldId id="259" r:id="rId5"/>
+    <p:sldId id="260" r:id="rId6"/>
+    <p:sldId id="261" r:id="rId7"/>
+    <p:sldId id="262" r:id="rId8"/>
+    <p:sldId id="263" r:id="rId9"/>
+    <p:sldId id="264" r:id="rId10"/>
+    <p:sldId id="265" r:id="rId11"/>
+    <p:sldId id="266" r:id="rId12"/>
+    <p:sldId id="267" r:id="rId13"/>
   </p:sldIdLst>
   <p:sldSz cx="18288000" cy="10287000"/>
   <p:notesSz cx="6858000" cy="9144000"/>
   <p:embeddedFontLst>
     <p:embeddedFont>
-      <p:font typeface="Arimo" charset="1" panose="020B0604020202020204"/>
-      <p:regular r:id="rId6"/>
-    </p:embeddedFont>
-    <p:embeddedFont>
-      <p:font typeface="Arimo Bold" charset="1" panose="020B0704020202020204"/>
-      <p:regular r:id="rId7"/>
-    </p:embeddedFont>
-    <p:embeddedFont>
-      <p:font typeface="Arimo Italics" charset="1" panose="020B0604020202090204"/>
-      <p:regular r:id="rId8"/>
-    </p:embeddedFont>
-    <p:embeddedFont>
-      <p:font typeface="Arimo Bold Italics" charset="1" panose="020B0704020202090204"/>
-      <p:regular r:id="rId9"/>
-    </p:embeddedFont>
-    <p:embeddedFont>
-      <p:font typeface="Space Mono" charset="1" panose="02000509040000020004"/>
-      <p:regular r:id="rId10"/>
-    </p:embeddedFont>
-    <p:embeddedFont>
-      <p:font typeface="Space Mono Bold" charset="1" panose="02000809030000020004"/>
-      <p:regular r:id="rId11"/>
-    </p:embeddedFont>
-    <p:embeddedFont>
-      <p:font typeface="Space Mono Italics" charset="1" panose="02000509090000090004"/>
-      <p:regular r:id="rId12"/>
-    </p:embeddedFont>
-    <p:embeddedFont>
-      <p:font typeface="Space Mono Bold Italics" charset="1" panose="02000809040000090004"/>
-      <p:regular r:id="rId13"/>
-    </p:embeddedFont>
-    <p:embeddedFont>
-      <p:font typeface="Be Vietnam" charset="1" panose="00000500000000000000"/>
+      <p:font typeface="Be Vietnam" panose="020B0604020202020204" charset="0"/>
       <p:regular r:id="rId14"/>
     </p:embeddedFont>
     <p:embeddedFont>
-      <p:font typeface="Be Vietnam Italics" charset="1" panose="00000500000000000000"/>
+      <p:font typeface="Be Vietnam Ultra-Bold" panose="020B0604020202020204" charset="0"/>
       <p:regular r:id="rId15"/>
     </p:embeddedFont>
     <p:embeddedFont>
-      <p:font typeface="Be Vietnam Thin" charset="1" panose="00000200000000000000"/>
+      <p:font typeface="Calibri" panose="020F0502020204030204" pitchFamily="34" charset="0"/>
       <p:regular r:id="rId16"/>
+      <p:bold r:id="rId17"/>
+      <p:italic r:id="rId18"/>
+      <p:boldItalic r:id="rId19"/>
     </p:embeddedFont>
     <p:embeddedFont>
-      <p:font typeface="Be Vietnam Thin Italics" charset="1" panose="00000300000000000000"/>
-      <p:regular r:id="rId17"/>
-    </p:embeddedFont>
-    <p:embeddedFont>
-      <p:font typeface="Be Vietnam Medium" charset="1" panose="00000600000000000000"/>
-      <p:regular r:id="rId18"/>
-    </p:embeddedFont>
-    <p:embeddedFont>
-      <p:font typeface="Be Vietnam Medium Italics" charset="1" panose="00000600000000000000"/>
-      <p:regular r:id="rId19"/>
-    </p:embeddedFont>
-    <p:embeddedFont>
-      <p:font typeface="Be Vietnam Ultra-Bold" charset="1" panose="00000900000000000000"/>
+      <p:font typeface="Space Mono Bold" panose="020B0604020202020204" charset="0"/>
       <p:regular r:id="rId20"/>
-    </p:embeddedFont>
-    <p:embeddedFont>
-      <p:font typeface="Be Vietnam Ultra-Bold Italics" charset="1" panose="00000900000000000000"/>
-      <p:regular r:id="rId21"/>
     </p:embeddedFont>
   </p:embeddedFontLst>
   <p:defaultTextStyle>
@@ -181,6 +136,22 @@
       </a:defRPr>
     </a:lvl9pPr>
   </p:defaultTextStyle>
+  <p:extLst>
+    <p:ext uri="{EFAFB233-063F-42B5-8137-9DF3F51BA10A}">
+      <p15:sldGuideLst xmlns:p15="http://schemas.microsoft.com/office/powerpoint/2012/main">
+        <p15:guide id="1" orient="horz" pos="2160">
+          <p15:clr>
+            <a:srgbClr val="A4A3A4"/>
+          </p15:clr>
+        </p15:guide>
+        <p15:guide id="2" pos="2880">
+          <p15:clr>
+            <a:srgbClr val="A4A3A4"/>
+          </p15:clr>
+        </p15:guide>
+      </p15:sldGuideLst>
+    </p:ext>
+  </p:extLst>
 </p:presentation>
 </file>
 
@@ -222,10 +193,9 @@
           <a:lstStyle/>
           <a:p>
             <a:r>
-              <a:rPr lang="en-US" smtClean="0"/>
+              <a:rPr lang="en-US"/>
               <a:t>Click to edit Master title style</a:t>
             </a:r>
-            <a:endParaRPr lang="en-US"/>
           </a:p>
         </p:txBody>
       </p:sp>
@@ -341,10 +311,9 @@
           </a:lstStyle>
           <a:p>
             <a:r>
-              <a:rPr lang="en-US" smtClean="0"/>
+              <a:rPr lang="en-US"/>
               <a:t>Click to edit Master subtitle style</a:t>
             </a:r>
-            <a:endParaRPr lang="en-US"/>
           </a:p>
         </p:txBody>
       </p:sp>
@@ -366,7 +335,7 @@
             <a:fld id="{1D8BD707-D9CF-40AE-B4C6-C98DA3205C09}" type="datetimeFigureOut">
               <a:rPr lang="en-US" smtClean="0"/>
               <a:pPr/>
-              <a:t>8/1/2011</a:t>
+              <a:t>11/26/2023</a:t>
             </a:fld>
             <a:endParaRPr lang="en-US"/>
           </a:p>
@@ -456,10 +425,9 @@
           <a:lstStyle/>
           <a:p>
             <a:r>
-              <a:rPr lang="en-US" smtClean="0"/>
+              <a:rPr lang="en-US"/>
               <a:t>Click to edit Master title style</a:t>
             </a:r>
-            <a:endParaRPr lang="en-US"/>
           </a:p>
         </p:txBody>
       </p:sp>
@@ -480,38 +448,37 @@
           <a:p>
             <a:pPr lvl="0"/>
             <a:r>
-              <a:rPr lang="en-US" smtClean="0"/>
+              <a:rPr lang="en-US"/>
               <a:t>Click to edit Master text styles</a:t>
             </a:r>
           </a:p>
           <a:p>
             <a:pPr lvl="1"/>
             <a:r>
-              <a:rPr lang="en-US" smtClean="0"/>
+              <a:rPr lang="en-US"/>
               <a:t>Second level</a:t>
             </a:r>
           </a:p>
           <a:p>
             <a:pPr lvl="2"/>
             <a:r>
-              <a:rPr lang="en-US" smtClean="0"/>
+              <a:rPr lang="en-US"/>
               <a:t>Third level</a:t>
             </a:r>
           </a:p>
           <a:p>
             <a:pPr lvl="3"/>
             <a:r>
-              <a:rPr lang="en-US" smtClean="0"/>
+              <a:rPr lang="en-US"/>
               <a:t>Fourth level</a:t>
             </a:r>
           </a:p>
           <a:p>
             <a:pPr lvl="4"/>
             <a:r>
-              <a:rPr lang="en-US" smtClean="0"/>
+              <a:rPr lang="en-US"/>
               <a:t>Fifth level</a:t>
             </a:r>
-            <a:endParaRPr lang="en-US"/>
           </a:p>
         </p:txBody>
       </p:sp>
@@ -533,7 +500,7 @@
             <a:fld id="{1D8BD707-D9CF-40AE-B4C6-C98DA3205C09}" type="datetimeFigureOut">
               <a:rPr lang="en-US" smtClean="0"/>
               <a:pPr/>
-              <a:t>8/1/2011</a:t>
+              <a:t>11/26/2023</a:t>
             </a:fld>
             <a:endParaRPr lang="en-US"/>
           </a:p>
@@ -628,10 +595,9 @@
           <a:lstStyle/>
           <a:p>
             <a:r>
-              <a:rPr lang="en-US" smtClean="0"/>
+              <a:rPr lang="en-US"/>
               <a:t>Click to edit Master title style</a:t>
             </a:r>
-            <a:endParaRPr lang="en-US"/>
           </a:p>
         </p:txBody>
       </p:sp>
@@ -657,38 +623,37 @@
           <a:p>
             <a:pPr lvl="0"/>
             <a:r>
-              <a:rPr lang="en-US" smtClean="0"/>
+              <a:rPr lang="en-US"/>
               <a:t>Click to edit Master text styles</a:t>
             </a:r>
           </a:p>
           <a:p>
             <a:pPr lvl="1"/>
             <a:r>
-              <a:rPr lang="en-US" smtClean="0"/>
+              <a:rPr lang="en-US"/>
               <a:t>Second level</a:t>
             </a:r>
           </a:p>
           <a:p>
             <a:pPr lvl="2"/>
             <a:r>
-              <a:rPr lang="en-US" smtClean="0"/>
+              <a:rPr lang="en-US"/>
               <a:t>Third level</a:t>
             </a:r>
           </a:p>
           <a:p>
             <a:pPr lvl="3"/>
             <a:r>
-              <a:rPr lang="en-US" smtClean="0"/>
+              <a:rPr lang="en-US"/>
               <a:t>Fourth level</a:t>
             </a:r>
           </a:p>
           <a:p>
             <a:pPr lvl="4"/>
             <a:r>
-              <a:rPr lang="en-US" smtClean="0"/>
+              <a:rPr lang="en-US"/>
               <a:t>Fifth level</a:t>
             </a:r>
-            <a:endParaRPr lang="en-US"/>
           </a:p>
         </p:txBody>
       </p:sp>
@@ -710,7 +675,7 @@
             <a:fld id="{1D8BD707-D9CF-40AE-B4C6-C98DA3205C09}" type="datetimeFigureOut">
               <a:rPr lang="en-US" smtClean="0"/>
               <a:pPr/>
-              <a:t>8/1/2011</a:t>
+              <a:t>11/26/2023</a:t>
             </a:fld>
             <a:endParaRPr lang="en-US"/>
           </a:p>
@@ -800,10 +765,9 @@
           <a:lstStyle/>
           <a:p>
             <a:r>
-              <a:rPr lang="en-US" smtClean="0"/>
+              <a:rPr lang="en-US"/>
               <a:t>Click to edit Master title style</a:t>
             </a:r>
-            <a:endParaRPr lang="en-US"/>
           </a:p>
         </p:txBody>
       </p:sp>
@@ -824,38 +788,37 @@
           <a:p>
             <a:pPr lvl="0"/>
             <a:r>
-              <a:rPr lang="en-US" smtClean="0"/>
+              <a:rPr lang="en-US"/>
               <a:t>Click to edit Master text styles</a:t>
             </a:r>
           </a:p>
           <a:p>
             <a:pPr lvl="1"/>
             <a:r>
-              <a:rPr lang="en-US" smtClean="0"/>
+              <a:rPr lang="en-US"/>
               <a:t>Second level</a:t>
             </a:r>
           </a:p>
           <a:p>
             <a:pPr lvl="2"/>
             <a:r>
-              <a:rPr lang="en-US" smtClean="0"/>
+              <a:rPr lang="en-US"/>
               <a:t>Third level</a:t>
             </a:r>
           </a:p>
           <a:p>
             <a:pPr lvl="3"/>
             <a:r>
-              <a:rPr lang="en-US" smtClean="0"/>
+              <a:rPr lang="en-US"/>
               <a:t>Fourth level</a:t>
             </a:r>
           </a:p>
           <a:p>
             <a:pPr lvl="4"/>
             <a:r>
-              <a:rPr lang="en-US" smtClean="0"/>
+              <a:rPr lang="en-US"/>
               <a:t>Fifth level</a:t>
             </a:r>
-            <a:endParaRPr lang="en-US"/>
           </a:p>
         </p:txBody>
       </p:sp>
@@ -877,7 +840,7 @@
             <a:fld id="{1D8BD707-D9CF-40AE-B4C6-C98DA3205C09}" type="datetimeFigureOut">
               <a:rPr lang="en-US" smtClean="0"/>
               <a:pPr/>
-              <a:t>8/1/2011</a:t>
+              <a:t>11/26/2023</a:t>
             </a:fld>
             <a:endParaRPr lang="en-US"/>
           </a:p>
@@ -976,10 +939,9 @@
           </a:lstStyle>
           <a:p>
             <a:r>
-              <a:rPr lang="en-US" smtClean="0"/>
+              <a:rPr lang="en-US"/>
               <a:t>Click to edit Master title style</a:t>
             </a:r>
-            <a:endParaRPr lang="en-US"/>
           </a:p>
         </p:txBody>
       </p:sp>
@@ -1096,7 +1058,7 @@
           <a:p>
             <a:pPr lvl="0"/>
             <a:r>
-              <a:rPr lang="en-US" smtClean="0"/>
+              <a:rPr lang="en-US"/>
               <a:t>Click to edit Master text styles</a:t>
             </a:r>
           </a:p>
@@ -1120,7 +1082,7 @@
             <a:fld id="{1D8BD707-D9CF-40AE-B4C6-C98DA3205C09}" type="datetimeFigureOut">
               <a:rPr lang="en-US" smtClean="0"/>
               <a:pPr/>
-              <a:t>8/1/2011</a:t>
+              <a:t>11/26/2023</a:t>
             </a:fld>
             <a:endParaRPr lang="en-US"/>
           </a:p>
@@ -1210,10 +1172,9 @@
           <a:lstStyle/>
           <a:p>
             <a:r>
-              <a:rPr lang="en-US" smtClean="0"/>
+              <a:rPr lang="en-US"/>
               <a:t>Click to edit Master title style</a:t>
             </a:r>
-            <a:endParaRPr lang="en-US"/>
           </a:p>
         </p:txBody>
       </p:sp>
@@ -1267,38 +1228,37 @@
           <a:p>
             <a:pPr lvl="0"/>
             <a:r>
-              <a:rPr lang="en-US" smtClean="0"/>
+              <a:rPr lang="en-US"/>
               <a:t>Click to edit Master text styles</a:t>
             </a:r>
           </a:p>
           <a:p>
             <a:pPr lvl="1"/>
             <a:r>
-              <a:rPr lang="en-US" smtClean="0"/>
+              <a:rPr lang="en-US"/>
               <a:t>Second level</a:t>
             </a:r>
           </a:p>
           <a:p>
             <a:pPr lvl="2"/>
             <a:r>
-              <a:rPr lang="en-US" smtClean="0"/>
+              <a:rPr lang="en-US"/>
               <a:t>Third level</a:t>
             </a:r>
           </a:p>
           <a:p>
             <a:pPr lvl="3"/>
             <a:r>
-              <a:rPr lang="en-US" smtClean="0"/>
+              <a:rPr lang="en-US"/>
               <a:t>Fourth level</a:t>
             </a:r>
           </a:p>
           <a:p>
             <a:pPr lvl="4"/>
             <a:r>
-              <a:rPr lang="en-US" smtClean="0"/>
+              <a:rPr lang="en-US"/>
               <a:t>Fifth level</a:t>
             </a:r>
-            <a:endParaRPr lang="en-US"/>
           </a:p>
         </p:txBody>
       </p:sp>
@@ -1352,38 +1312,37 @@
           <a:p>
             <a:pPr lvl="0"/>
             <a:r>
-              <a:rPr lang="en-US" smtClean="0"/>
+              <a:rPr lang="en-US"/>
               <a:t>Click to edit Master text styles</a:t>
             </a:r>
           </a:p>
           <a:p>
             <a:pPr lvl="1"/>
             <a:r>
-              <a:rPr lang="en-US" smtClean="0"/>
+              <a:rPr lang="en-US"/>
               <a:t>Second level</a:t>
             </a:r>
           </a:p>
           <a:p>
             <a:pPr lvl="2"/>
             <a:r>
-              <a:rPr lang="en-US" smtClean="0"/>
+              <a:rPr lang="en-US"/>
               <a:t>Third level</a:t>
             </a:r>
           </a:p>
           <a:p>
             <a:pPr lvl="3"/>
             <a:r>
-              <a:rPr lang="en-US" smtClean="0"/>
+              <a:rPr lang="en-US"/>
               <a:t>Fourth level</a:t>
             </a:r>
           </a:p>
           <a:p>
             <a:pPr lvl="4"/>
             <a:r>
-              <a:rPr lang="en-US" smtClean="0"/>
+              <a:rPr lang="en-US"/>
               <a:t>Fifth level</a:t>
             </a:r>
-            <a:endParaRPr lang="en-US"/>
           </a:p>
         </p:txBody>
       </p:sp>
@@ -1405,7 +1364,7 @@
             <a:fld id="{1D8BD707-D9CF-40AE-B4C6-C98DA3205C09}" type="datetimeFigureOut">
               <a:rPr lang="en-US" smtClean="0"/>
               <a:pPr/>
-              <a:t>8/1/2011</a:t>
+              <a:t>11/26/2023</a:t>
             </a:fld>
             <a:endParaRPr lang="en-US"/>
           </a:p>
@@ -1499,10 +1458,9 @@
           </a:lstStyle>
           <a:p>
             <a:r>
-              <a:rPr lang="en-US" smtClean="0"/>
+              <a:rPr lang="en-US"/>
               <a:t>Click to edit Master title style</a:t>
             </a:r>
-            <a:endParaRPr lang="en-US"/>
           </a:p>
         </p:txBody>
       </p:sp>
@@ -1565,7 +1523,7 @@
           <a:p>
             <a:pPr lvl="0"/>
             <a:r>
-              <a:rPr lang="en-US" smtClean="0"/>
+              <a:rPr lang="en-US"/>
               <a:t>Click to edit Master text styles</a:t>
             </a:r>
           </a:p>
@@ -1621,38 +1579,37 @@
           <a:p>
             <a:pPr lvl="0"/>
             <a:r>
-              <a:rPr lang="en-US" smtClean="0"/>
+              <a:rPr lang="en-US"/>
               <a:t>Click to edit Master text styles</a:t>
             </a:r>
           </a:p>
           <a:p>
             <a:pPr lvl="1"/>
             <a:r>
-              <a:rPr lang="en-US" smtClean="0"/>
+              <a:rPr lang="en-US"/>
               <a:t>Second level</a:t>
             </a:r>
           </a:p>
           <a:p>
             <a:pPr lvl="2"/>
             <a:r>
-              <a:rPr lang="en-US" smtClean="0"/>
+              <a:rPr lang="en-US"/>
               <a:t>Third level</a:t>
             </a:r>
           </a:p>
           <a:p>
             <a:pPr lvl="3"/>
             <a:r>
-              <a:rPr lang="en-US" smtClean="0"/>
+              <a:rPr lang="en-US"/>
               <a:t>Fourth level</a:t>
             </a:r>
           </a:p>
           <a:p>
             <a:pPr lvl="4"/>
             <a:r>
-              <a:rPr lang="en-US" smtClean="0"/>
+              <a:rPr lang="en-US"/>
               <a:t>Fifth level</a:t>
             </a:r>
-            <a:endParaRPr lang="en-US"/>
           </a:p>
         </p:txBody>
       </p:sp>
@@ -1715,7 +1672,7 @@
           <a:p>
             <a:pPr lvl="0"/>
             <a:r>
-              <a:rPr lang="en-US" smtClean="0"/>
+              <a:rPr lang="en-US"/>
               <a:t>Click to edit Master text styles</a:t>
             </a:r>
           </a:p>
@@ -1771,38 +1728,37 @@
           <a:p>
             <a:pPr lvl="0"/>
             <a:r>
-              <a:rPr lang="en-US" smtClean="0"/>
+              <a:rPr lang="en-US"/>
               <a:t>Click to edit Master text styles</a:t>
             </a:r>
           </a:p>
           <a:p>
             <a:pPr lvl="1"/>
             <a:r>
-              <a:rPr lang="en-US" smtClean="0"/>
+              <a:rPr lang="en-US"/>
               <a:t>Second level</a:t>
             </a:r>
           </a:p>
           <a:p>
             <a:pPr lvl="2"/>
             <a:r>
-              <a:rPr lang="en-US" smtClean="0"/>
+              <a:rPr lang="en-US"/>
               <a:t>Third level</a:t>
             </a:r>
           </a:p>
           <a:p>
             <a:pPr lvl="3"/>
             <a:r>
-              <a:rPr lang="en-US" smtClean="0"/>
+              <a:rPr lang="en-US"/>
               <a:t>Fourth level</a:t>
             </a:r>
           </a:p>
           <a:p>
             <a:pPr lvl="4"/>
             <a:r>
-              <a:rPr lang="en-US" smtClean="0"/>
+              <a:rPr lang="en-US"/>
               <a:t>Fifth level</a:t>
             </a:r>
-            <a:endParaRPr lang="en-US"/>
           </a:p>
         </p:txBody>
       </p:sp>
@@ -1824,7 +1780,7 @@
             <a:fld id="{1D8BD707-D9CF-40AE-B4C6-C98DA3205C09}" type="datetimeFigureOut">
               <a:rPr lang="en-US" smtClean="0"/>
               <a:pPr/>
-              <a:t>8/1/2011</a:t>
+              <a:t>11/26/2023</a:t>
             </a:fld>
             <a:endParaRPr lang="en-US"/>
           </a:p>
@@ -1914,10 +1870,9 @@
           <a:lstStyle/>
           <a:p>
             <a:r>
-              <a:rPr lang="en-US" smtClean="0"/>
+              <a:rPr lang="en-US"/>
               <a:t>Click to edit Master title style</a:t>
             </a:r>
-            <a:endParaRPr lang="en-US"/>
           </a:p>
         </p:txBody>
       </p:sp>
@@ -1939,7 +1894,7 @@
             <a:fld id="{1D8BD707-D9CF-40AE-B4C6-C98DA3205C09}" type="datetimeFigureOut">
               <a:rPr lang="en-US" smtClean="0"/>
               <a:pPr/>
-              <a:t>8/1/2011</a:t>
+              <a:t>11/26/2023</a:t>
             </a:fld>
             <a:endParaRPr lang="en-US"/>
           </a:p>
@@ -2031,7 +1986,7 @@
             <a:fld id="{1D8BD707-D9CF-40AE-B4C6-C98DA3205C09}" type="datetimeFigureOut">
               <a:rPr lang="en-US" smtClean="0"/>
               <a:pPr/>
-              <a:t>8/1/2011</a:t>
+              <a:t>11/26/2023</a:t>
             </a:fld>
             <a:endParaRPr lang="en-US"/>
           </a:p>
@@ -2130,10 +2085,9 @@
           </a:lstStyle>
           <a:p>
             <a:r>
-              <a:rPr lang="en-US" smtClean="0"/>
+              <a:rPr lang="en-US"/>
               <a:t>Click to edit Master title style</a:t>
             </a:r>
-            <a:endParaRPr lang="en-US"/>
           </a:p>
         </p:txBody>
       </p:sp>
@@ -2187,38 +2141,37 @@
           <a:p>
             <a:pPr lvl="0"/>
             <a:r>
-              <a:rPr lang="en-US" smtClean="0"/>
+              <a:rPr lang="en-US"/>
               <a:t>Click to edit Master text styles</a:t>
             </a:r>
           </a:p>
           <a:p>
             <a:pPr lvl="1"/>
             <a:r>
-              <a:rPr lang="en-US" smtClean="0"/>
+              <a:rPr lang="en-US"/>
               <a:t>Second level</a:t>
             </a:r>
           </a:p>
           <a:p>
             <a:pPr lvl="2"/>
             <a:r>
-              <a:rPr lang="en-US" smtClean="0"/>
+              <a:rPr lang="en-US"/>
               <a:t>Third level</a:t>
             </a:r>
           </a:p>
           <a:p>
             <a:pPr lvl="3"/>
             <a:r>
-              <a:rPr lang="en-US" smtClean="0"/>
+              <a:rPr lang="en-US"/>
               <a:t>Fourth level</a:t>
             </a:r>
           </a:p>
           <a:p>
             <a:pPr lvl="4"/>
             <a:r>
-              <a:rPr lang="en-US" smtClean="0"/>
+              <a:rPr lang="en-US"/>
               <a:t>Fifth level</a:t>
             </a:r>
-            <a:endParaRPr lang="en-US"/>
           </a:p>
         </p:txBody>
       </p:sp>
@@ -2281,7 +2234,7 @@
           <a:p>
             <a:pPr lvl="0"/>
             <a:r>
-              <a:rPr lang="en-US" smtClean="0"/>
+              <a:rPr lang="en-US"/>
               <a:t>Click to edit Master text styles</a:t>
             </a:r>
           </a:p>
@@ -2305,7 +2258,7 @@
             <a:fld id="{1D8BD707-D9CF-40AE-B4C6-C98DA3205C09}" type="datetimeFigureOut">
               <a:rPr lang="en-US" smtClean="0"/>
               <a:pPr/>
-              <a:t>8/1/2011</a:t>
+              <a:t>11/26/2023</a:t>
             </a:fld>
             <a:endParaRPr lang="en-US"/>
           </a:p>
@@ -2404,10 +2357,9 @@
           </a:lstStyle>
           <a:p>
             <a:r>
-              <a:rPr lang="en-US" smtClean="0"/>
+              <a:rPr lang="en-US"/>
               <a:t>Click to edit Master title style</a:t>
             </a:r>
-            <a:endParaRPr lang="en-US"/>
           </a:p>
         </p:txBody>
       </p:sp>
@@ -2531,7 +2483,7 @@
           <a:p>
             <a:pPr lvl="0"/>
             <a:r>
-              <a:rPr lang="en-US" smtClean="0"/>
+              <a:rPr lang="en-US"/>
               <a:t>Click to edit Master text styles</a:t>
             </a:r>
           </a:p>
@@ -2555,7 +2507,7 @@
             <a:fld id="{1D8BD707-D9CF-40AE-B4C6-C98DA3205C09}" type="datetimeFigureOut">
               <a:rPr lang="en-US" smtClean="0"/>
               <a:pPr/>
-              <a:t>8/1/2011</a:t>
+              <a:t>11/26/2023</a:t>
             </a:fld>
             <a:endParaRPr lang="en-US"/>
           </a:p>
@@ -2660,10 +2612,9 @@
           <a:lstStyle/>
           <a:p>
             <a:r>
-              <a:rPr lang="en-US" smtClean="0"/>
+              <a:rPr lang="en-US"/>
               <a:t>Click to edit Master title style</a:t>
             </a:r>
-            <a:endParaRPr lang="en-US"/>
           </a:p>
         </p:txBody>
       </p:sp>
@@ -2694,38 +2645,37 @@
           <a:p>
             <a:pPr lvl="0"/>
             <a:r>
-              <a:rPr lang="en-US" smtClean="0"/>
+              <a:rPr lang="en-US"/>
               <a:t>Click to edit Master text styles</a:t>
             </a:r>
           </a:p>
           <a:p>
             <a:pPr lvl="1"/>
             <a:r>
-              <a:rPr lang="en-US" smtClean="0"/>
+              <a:rPr lang="en-US"/>
               <a:t>Second level</a:t>
             </a:r>
           </a:p>
           <a:p>
             <a:pPr lvl="2"/>
             <a:r>
-              <a:rPr lang="en-US" smtClean="0"/>
+              <a:rPr lang="en-US"/>
               <a:t>Third level</a:t>
             </a:r>
           </a:p>
           <a:p>
             <a:pPr lvl="3"/>
             <a:r>
-              <a:rPr lang="en-US" smtClean="0"/>
+              <a:rPr lang="en-US"/>
               <a:t>Fourth level</a:t>
             </a:r>
           </a:p>
           <a:p>
             <a:pPr lvl="4"/>
             <a:r>
-              <a:rPr lang="en-US" smtClean="0"/>
+              <a:rPr lang="en-US"/>
               <a:t>Fifth level</a:t>
             </a:r>
-            <a:endParaRPr lang="en-US"/>
           </a:p>
         </p:txBody>
       </p:sp>
@@ -2765,7 +2715,7 @@
             <a:fld id="{1D8BD707-D9CF-40AE-B4C6-C98DA3205C09}" type="datetimeFigureOut">
               <a:rPr lang="en-US" smtClean="0"/>
               <a:pPr/>
-              <a:t>8/1/2011</a:t>
+              <a:t>11/26/2023</a:t>
             </a:fld>
             <a:endParaRPr lang="en-US"/>
           </a:p>
@@ -3120,7 +3070,7 @@
 </file>
 
 <file path=ppt/slides/slide1.xml><?xml version="1.0" encoding="utf-8"?>
-<p:sld xmlns:p="http://schemas.openxmlformats.org/presentationml/2006/main" xmlns:a="http://schemas.openxmlformats.org/drawingml/2006/main" xmlns:r="http://schemas.openxmlformats.org/officeDocument/2006/relationships">
+<p:sld xmlns:a="http://schemas.openxmlformats.org/drawingml/2006/main" xmlns:r="http://schemas.openxmlformats.org/officeDocument/2006/relationships" xmlns:p="http://schemas.openxmlformats.org/presentationml/2006/main">
   <p:cSld>
     <p:spTree>
       <p:nvGrpSpPr>
@@ -3138,12 +3088,12 @@
       </p:grpSpPr>
       <p:sp>
         <p:nvSpPr>
-          <p:cNvPr name="Freeform 2" id="2"/>
+          <p:cNvPr id="2" name="Freeform 2"/>
           <p:cNvSpPr/>
           <p:nvPr/>
         </p:nvSpPr>
         <p:spPr>
-          <a:xfrm flipH="false" flipV="false" rot="0">
+          <a:xfrm>
             <a:off x="0" y="0"/>
             <a:ext cx="18288000" cy="10287000"/>
           </a:xfrm>
@@ -3152,9 +3102,9 @@
             <a:gdLst/>
             <a:ahLst/>
             <a:cxnLst/>
-            <a:rect r="r" b="b" t="t" l="l"/>
+            <a:rect l="l" t="t" r="r" b="b"/>
             <a:pathLst>
-              <a:path h="10287000" w="18288000">
+              <a:path w="18288000" h="10287000">
                 <a:moveTo>
                   <a:pt x="0" y="0"/>
                 </a:moveTo>
@@ -3177,19 +3127,19 @@
           <a:blipFill>
             <a:blip r:embed="rId2"/>
             <a:stretch>
-              <a:fillRect l="0" t="-38888" r="0" b="-38888"/>
+              <a:fillRect t="-38888" b="-38888"/>
             </a:stretch>
           </a:blipFill>
         </p:spPr>
       </p:sp>
       <p:grpSp>
         <p:nvGrpSpPr>
-          <p:cNvPr name="Group 3" id="3"/>
+          <p:cNvPr id="3" name="Group 3"/>
           <p:cNvGrpSpPr/>
           <p:nvPr/>
         </p:nvGrpSpPr>
         <p:grpSpPr>
-          <a:xfrm rot="0">
+          <a:xfrm>
             <a:off x="12915041" y="1616010"/>
             <a:ext cx="3951704" cy="1200762"/>
             <a:chOff x="0" y="0"/>
@@ -3198,12 +3148,12 @@
         </p:grpSpPr>
         <p:sp>
           <p:nvSpPr>
-            <p:cNvPr name="Freeform 4" id="4"/>
+            <p:cNvPr id="4" name="Freeform 4"/>
             <p:cNvSpPr/>
             <p:nvPr/>
           </p:nvSpPr>
           <p:spPr>
-            <a:xfrm flipH="false" flipV="false" rot="0">
+            <a:xfrm>
               <a:off x="31750" y="31750"/>
               <a:ext cx="4257590" cy="1249503"/>
             </a:xfrm>
@@ -3212,9 +3162,9 @@
               <a:gdLst/>
               <a:ahLst/>
               <a:cxnLst/>
-              <a:rect r="r" b="b" t="t" l="l"/>
+              <a:rect l="l" t="t" r="r" b="b"/>
               <a:pathLst>
-                <a:path h="1249503" w="4257590">
+                <a:path w="4257590" h="1249503">
                   <a:moveTo>
                     <a:pt x="4164880" y="1249503"/>
                   </a:moveTo>
@@ -3261,12 +3211,12 @@
         </p:sp>
         <p:sp>
           <p:nvSpPr>
-            <p:cNvPr name="Freeform 5" id="5"/>
+            <p:cNvPr id="5" name="Freeform 5"/>
             <p:cNvSpPr/>
             <p:nvPr/>
           </p:nvSpPr>
           <p:spPr>
-            <a:xfrm flipH="false" flipV="false" rot="0">
+            <a:xfrm>
               <a:off x="0" y="0"/>
               <a:ext cx="4321091" cy="1313003"/>
             </a:xfrm>
@@ -3275,9 +3225,9 @@
               <a:gdLst/>
               <a:ahLst/>
               <a:cxnLst/>
-              <a:rect r="r" b="b" t="t" l="l"/>
+              <a:rect l="l" t="t" r="r" b="b"/>
               <a:pathLst>
-                <a:path h="1313003" w="4321091">
+                <a:path w="4321091" h="1313003">
                   <a:moveTo>
                     <a:pt x="4196630" y="59690"/>
                   </a:moveTo>
@@ -3360,12 +3310,12 @@
       </p:grpSp>
       <p:sp>
         <p:nvSpPr>
-          <p:cNvPr name="Freeform 6" id="6"/>
+          <p:cNvPr id="6" name="Freeform 6"/>
           <p:cNvSpPr/>
           <p:nvPr/>
         </p:nvSpPr>
         <p:spPr>
-          <a:xfrm flipH="false" flipV="false" rot="0">
+          <a:xfrm>
             <a:off x="15900195" y="1921315"/>
             <a:ext cx="590151" cy="590151"/>
           </a:xfrm>
@@ -3374,9 +3324,9 @@
             <a:gdLst/>
             <a:ahLst/>
             <a:cxnLst/>
-            <a:rect r="r" b="b" t="t" l="l"/>
+            <a:rect l="l" t="t" r="r" b="b"/>
             <a:pathLst>
-              <a:path h="590151" w="590151">
+              <a:path w="590151" h="590151">
                 <a:moveTo>
                   <a:pt x="0" y="0"/>
                 </a:moveTo>
@@ -3405,21 +3355,21 @@
               </a:extLst>
             </a:blip>
             <a:stretch>
-              <a:fillRect l="0" t="0" r="0" b="0"/>
+              <a:fillRect/>
             </a:stretch>
           </a:blipFill>
         </p:spPr>
       </p:sp>
       <p:grpSp>
         <p:nvGrpSpPr>
-          <p:cNvPr name="Group 7" id="7"/>
+          <p:cNvPr id="7" name="Group 7"/>
           <p:cNvGrpSpPr>
-            <a:grpSpLocks noChangeAspect="true"/>
+            <a:grpSpLocks noChangeAspect="1"/>
           </p:cNvGrpSpPr>
           <p:nvPr/>
         </p:nvGrpSpPr>
         <p:grpSpPr>
-          <a:xfrm rot="0">
+          <a:xfrm>
             <a:off x="-2283375" y="-1951210"/>
             <a:ext cx="5959819" cy="5959819"/>
             <a:chOff x="0" y="0"/>
@@ -3428,12 +3378,12 @@
         </p:grpSpPr>
         <p:sp>
           <p:nvSpPr>
-            <p:cNvPr name="Freeform 8" id="8"/>
+            <p:cNvPr id="8" name="Freeform 8"/>
             <p:cNvSpPr/>
             <p:nvPr/>
           </p:nvSpPr>
           <p:spPr>
-            <a:xfrm flipH="false" flipV="false" rot="0">
+            <a:xfrm>
               <a:off x="-5081" y="-3810"/>
               <a:ext cx="6357621" cy="6353810"/>
             </a:xfrm>
@@ -3442,9 +3392,9 @@
               <a:gdLst/>
               <a:ahLst/>
               <a:cxnLst/>
-              <a:rect r="r" b="b" t="t" l="l"/>
+              <a:rect l="l" t="t" r="r" b="b"/>
               <a:pathLst>
-                <a:path h="6353810" w="6357621">
+                <a:path w="6357621" h="6353810">
                   <a:moveTo>
                     <a:pt x="6334761" y="3182620"/>
                   </a:moveTo>
@@ -3587,12 +3537,12 @@
         </p:sp>
         <p:sp>
           <p:nvSpPr>
-            <p:cNvPr name="Freeform 9" id="9"/>
+            <p:cNvPr id="9" name="Freeform 9"/>
             <p:cNvSpPr/>
             <p:nvPr/>
           </p:nvSpPr>
           <p:spPr>
-            <a:xfrm flipH="false" flipV="false" rot="0">
+            <a:xfrm>
               <a:off x="41910" y="40640"/>
               <a:ext cx="6263640" cy="6263640"/>
             </a:xfrm>
@@ -3601,9 +3551,9 @@
               <a:gdLst/>
               <a:ahLst/>
               <a:cxnLst/>
-              <a:rect r="r" b="b" t="t" l="l"/>
+              <a:rect l="l" t="t" r="r" b="b"/>
               <a:pathLst>
-                <a:path h="6263640" w="6263640">
+                <a:path w="6263640" h="6263640">
                   <a:moveTo>
                     <a:pt x="4700270" y="3785870"/>
                   </a:moveTo>
@@ -3752,12 +3702,12 @@
       </p:grpSp>
       <p:grpSp>
         <p:nvGrpSpPr>
-          <p:cNvPr name="Group 10" id="10"/>
+          <p:cNvPr id="10" name="Group 10"/>
           <p:cNvGrpSpPr/>
           <p:nvPr/>
         </p:nvGrpSpPr>
         <p:grpSpPr>
-          <a:xfrm rot="0">
+          <a:xfrm>
             <a:off x="1306896" y="3196946"/>
             <a:ext cx="15674207" cy="5460169"/>
             <a:chOff x="0" y="0"/>
@@ -3766,14 +3716,14 @@
         </p:grpSpPr>
         <p:grpSp>
           <p:nvGrpSpPr>
-            <p:cNvPr name="Group 11" id="11"/>
+            <p:cNvPr id="11" name="Group 11"/>
             <p:cNvGrpSpPr>
-              <a:grpSpLocks noChangeAspect="true"/>
+              <a:grpSpLocks noChangeAspect="1"/>
             </p:cNvGrpSpPr>
             <p:nvPr/>
           </p:nvGrpSpPr>
           <p:grpSpPr>
-            <a:xfrm rot="0">
+            <a:xfrm>
               <a:off x="617142" y="479729"/>
               <a:ext cx="20281801" cy="6800497"/>
               <a:chOff x="0" y="0"/>
@@ -3782,12 +3732,12 @@
           </p:grpSpPr>
           <p:sp>
             <p:nvSpPr>
-              <p:cNvPr name="Freeform 12" id="12"/>
+              <p:cNvPr id="12" name="Freeform 12"/>
               <p:cNvSpPr/>
               <p:nvPr/>
             </p:nvSpPr>
             <p:spPr>
-              <a:xfrm flipH="false" flipV="false" rot="0">
+              <a:xfrm>
                 <a:off x="27940" y="27940"/>
                 <a:ext cx="18882360" cy="918210"/>
               </a:xfrm>
@@ -3796,9 +3746,9 @@
                 <a:gdLst/>
                 <a:ahLst/>
                 <a:cxnLst/>
-                <a:rect r="r" b="b" t="t" l="l"/>
+                <a:rect l="l" t="t" r="r" b="b"/>
                 <a:pathLst>
-                  <a:path h="918210" w="18882360">
+                  <a:path w="18882360" h="918210">
                     <a:moveTo>
                       <a:pt x="18882360" y="918210"/>
                     </a:moveTo>
@@ -3840,12 +3790,12 @@
           </p:sp>
           <p:sp>
             <p:nvSpPr>
-              <p:cNvPr name="Freeform 13" id="13"/>
+              <p:cNvPr id="13" name="Freeform 13"/>
               <p:cNvSpPr/>
               <p:nvPr/>
             </p:nvSpPr>
             <p:spPr>
-              <a:xfrm flipH="false" flipV="false" rot="0">
+              <a:xfrm>
                 <a:off x="27940" y="944880"/>
                 <a:ext cx="18882360" cy="5377180"/>
               </a:xfrm>
@@ -3854,9 +3804,9 @@
                 <a:gdLst/>
                 <a:ahLst/>
                 <a:cxnLst/>
-                <a:rect r="r" b="b" t="t" l="l"/>
+                <a:rect l="l" t="t" r="r" b="b"/>
                 <a:pathLst>
-                  <a:path h="5377180" w="18882360">
+                  <a:path w="18882360" h="5377180">
                     <a:moveTo>
                       <a:pt x="9331960" y="0"/>
                     </a:moveTo>
@@ -3906,12 +3856,12 @@
           </p:sp>
           <p:sp>
             <p:nvSpPr>
-              <p:cNvPr name="Freeform 14" id="14"/>
+              <p:cNvPr id="14" name="Freeform 14"/>
               <p:cNvSpPr/>
               <p:nvPr/>
             </p:nvSpPr>
             <p:spPr>
-              <a:xfrm flipH="false" flipV="false" rot="0">
+              <a:xfrm>
                 <a:off x="499110" y="299720"/>
                 <a:ext cx="1515110" cy="368300"/>
               </a:xfrm>
@@ -3920,9 +3870,9 @@
                 <a:gdLst/>
                 <a:ahLst/>
                 <a:cxnLst/>
-                <a:rect r="r" b="b" t="t" l="l"/>
+                <a:rect l="l" t="t" r="r" b="b"/>
                 <a:pathLst>
-                  <a:path h="368300" w="1515110">
+                  <a:path w="1515110" h="368300">
                     <a:moveTo>
                       <a:pt x="184150" y="0"/>
                     </a:moveTo>
@@ -4005,12 +3955,12 @@
           </p:sp>
           <p:sp>
             <p:nvSpPr>
-              <p:cNvPr name="Freeform 15" id="15"/>
+              <p:cNvPr id="15" name="Freeform 15"/>
               <p:cNvSpPr/>
               <p:nvPr/>
             </p:nvSpPr>
             <p:spPr>
-              <a:xfrm flipH="false" flipV="false" rot="0">
+              <a:xfrm>
                 <a:off x="0" y="0"/>
                 <a:ext cx="18939511" cy="6350000"/>
               </a:xfrm>
@@ -4019,9 +3969,9 @@
                 <a:gdLst/>
                 <a:ahLst/>
                 <a:cxnLst/>
-                <a:rect r="r" b="b" t="t" l="l"/>
+                <a:rect l="l" t="t" r="r" b="b"/>
                 <a:pathLst>
-                  <a:path h="6350000" w="18939511">
+                  <a:path w="18939511" h="6350000">
                     <a:moveTo>
                       <a:pt x="18464530" y="0"/>
                     </a:moveTo>
@@ -4345,14 +4295,14 @@
         </p:grpSp>
         <p:grpSp>
           <p:nvGrpSpPr>
-            <p:cNvPr name="Group 16" id="16"/>
+            <p:cNvPr id="16" name="Group 16"/>
             <p:cNvGrpSpPr>
-              <a:grpSpLocks noChangeAspect="true"/>
+              <a:grpSpLocks noChangeAspect="1"/>
             </p:cNvGrpSpPr>
             <p:nvPr/>
           </p:nvGrpSpPr>
           <p:grpSpPr>
-            <a:xfrm rot="0">
+            <a:xfrm>
               <a:off x="0" y="0"/>
               <a:ext cx="20281801" cy="6800497"/>
               <a:chOff x="0" y="0"/>
@@ -4361,12 +4311,12 @@
           </p:grpSpPr>
           <p:sp>
             <p:nvSpPr>
-              <p:cNvPr name="Freeform 17" id="17"/>
+              <p:cNvPr id="17" name="Freeform 17"/>
               <p:cNvSpPr/>
               <p:nvPr/>
             </p:nvSpPr>
             <p:spPr>
-              <a:xfrm flipH="false" flipV="false" rot="0">
+              <a:xfrm>
                 <a:off x="27940" y="27940"/>
                 <a:ext cx="18882360" cy="918210"/>
               </a:xfrm>
@@ -4375,9 +4325,9 @@
                 <a:gdLst/>
                 <a:ahLst/>
                 <a:cxnLst/>
-                <a:rect r="r" b="b" t="t" l="l"/>
+                <a:rect l="l" t="t" r="r" b="b"/>
                 <a:pathLst>
-                  <a:path h="918210" w="18882360">
+                  <a:path w="18882360" h="918210">
                     <a:moveTo>
                       <a:pt x="18882360" y="918210"/>
                     </a:moveTo>
@@ -4419,12 +4369,12 @@
           </p:sp>
           <p:sp>
             <p:nvSpPr>
-              <p:cNvPr name="Freeform 18" id="18"/>
+              <p:cNvPr id="18" name="Freeform 18"/>
               <p:cNvSpPr/>
               <p:nvPr/>
             </p:nvSpPr>
             <p:spPr>
-              <a:xfrm flipH="false" flipV="false" rot="0">
+              <a:xfrm>
                 <a:off x="27940" y="944880"/>
                 <a:ext cx="18882360" cy="5377180"/>
               </a:xfrm>
@@ -4433,9 +4383,9 @@
                 <a:gdLst/>
                 <a:ahLst/>
                 <a:cxnLst/>
-                <a:rect r="r" b="b" t="t" l="l"/>
+                <a:rect l="l" t="t" r="r" b="b"/>
                 <a:pathLst>
-                  <a:path h="5377180" w="18882360">
+                  <a:path w="18882360" h="5377180">
                     <a:moveTo>
                       <a:pt x="9331960" y="0"/>
                     </a:moveTo>
@@ -4485,12 +4435,12 @@
           </p:sp>
           <p:sp>
             <p:nvSpPr>
-              <p:cNvPr name="Freeform 19" id="19"/>
+              <p:cNvPr id="19" name="Freeform 19"/>
               <p:cNvSpPr/>
               <p:nvPr/>
             </p:nvSpPr>
             <p:spPr>
-              <a:xfrm flipH="false" flipV="false" rot="0">
+              <a:xfrm>
                 <a:off x="499110" y="299720"/>
                 <a:ext cx="1515110" cy="368300"/>
               </a:xfrm>
@@ -4499,9 +4449,9 @@
                 <a:gdLst/>
                 <a:ahLst/>
                 <a:cxnLst/>
-                <a:rect r="r" b="b" t="t" l="l"/>
+                <a:rect l="l" t="t" r="r" b="b"/>
                 <a:pathLst>
-                  <a:path h="368300" w="1515110">
+                  <a:path w="1515110" h="368300">
                     <a:moveTo>
                       <a:pt x="184150" y="0"/>
                     </a:moveTo>
@@ -4584,12 +4534,12 @@
           </p:sp>
           <p:sp>
             <p:nvSpPr>
-              <p:cNvPr name="Freeform 20" id="20"/>
+              <p:cNvPr id="20" name="Freeform 20"/>
               <p:cNvSpPr/>
               <p:nvPr/>
             </p:nvSpPr>
             <p:spPr>
-              <a:xfrm flipH="false" flipV="false" rot="0">
+              <a:xfrm>
                 <a:off x="0" y="0"/>
                 <a:ext cx="18939511" cy="6350000"/>
               </a:xfrm>
@@ -4598,9 +4548,9 @@
                 <a:gdLst/>
                 <a:ahLst/>
                 <a:cxnLst/>
-                <a:rect r="r" b="b" t="t" l="l"/>
+                <a:rect l="l" t="t" r="r" b="b"/>
                 <a:pathLst>
-                  <a:path h="6350000" w="18939511">
+                  <a:path w="18939511" h="6350000">
                     <a:moveTo>
                       <a:pt x="18464530" y="0"/>
                     </a:moveTo>
@@ -4925,12 +4875,12 @@
       </p:grpSp>
       <p:grpSp>
         <p:nvGrpSpPr>
-          <p:cNvPr name="Group 21" id="21"/>
+          <p:cNvPr id="21" name="Group 21"/>
           <p:cNvGrpSpPr/>
           <p:nvPr/>
         </p:nvGrpSpPr>
         <p:grpSpPr>
-          <a:xfrm rot="0">
+          <a:xfrm>
             <a:off x="1306896" y="1643759"/>
             <a:ext cx="11066699" cy="1173012"/>
             <a:chOff x="0" y="0"/>
@@ -4939,12 +4889,12 @@
         </p:grpSpPr>
         <p:sp>
           <p:nvSpPr>
-            <p:cNvPr name="Freeform 22" id="22"/>
+            <p:cNvPr id="22" name="Freeform 22"/>
             <p:cNvSpPr/>
             <p:nvPr/>
           </p:nvSpPr>
           <p:spPr>
-            <a:xfrm flipH="false" flipV="false" rot="0">
+            <a:xfrm>
               <a:off x="31750" y="31750"/>
               <a:ext cx="12389090" cy="1256409"/>
             </a:xfrm>
@@ -4953,9 +4903,9 @@
               <a:gdLst/>
               <a:ahLst/>
               <a:cxnLst/>
-              <a:rect r="r" b="b" t="t" l="l"/>
+              <a:rect l="l" t="t" r="r" b="b"/>
               <a:pathLst>
-                <a:path h="1256409" w="12389090">
+                <a:path w="12389090" h="1256409">
                   <a:moveTo>
                     <a:pt x="12296380" y="1256409"/>
                   </a:moveTo>
@@ -5002,12 +4952,12 @@
         </p:sp>
         <p:sp>
           <p:nvSpPr>
-            <p:cNvPr name="Freeform 23" id="23"/>
+            <p:cNvPr id="23" name="Freeform 23"/>
             <p:cNvSpPr/>
             <p:nvPr/>
           </p:nvSpPr>
           <p:spPr>
-            <a:xfrm flipH="false" flipV="false" rot="0">
+            <a:xfrm>
               <a:off x="0" y="0"/>
               <a:ext cx="12452590" cy="1319910"/>
             </a:xfrm>
@@ -5016,9 +4966,9 @@
               <a:gdLst/>
               <a:ahLst/>
               <a:cxnLst/>
-              <a:rect r="r" b="b" t="t" l="l"/>
+              <a:rect l="l" t="t" r="r" b="b"/>
               <a:pathLst>
-                <a:path h="1319910" w="12452590">
+                <a:path w="12452590" h="1319910">
                   <a:moveTo>
                     <a:pt x="12328130" y="59690"/>
                   </a:moveTo>
@@ -5101,12 +5051,12 @@
       </p:grpSp>
       <p:grpSp>
         <p:nvGrpSpPr>
-          <p:cNvPr name="Group 24" id="24"/>
+          <p:cNvPr id="24" name="Group 24"/>
           <p:cNvGrpSpPr/>
           <p:nvPr/>
         </p:nvGrpSpPr>
         <p:grpSpPr>
-          <a:xfrm rot="0">
+          <a:xfrm>
             <a:off x="14173200" y="7282131"/>
             <a:ext cx="4114800" cy="4114800"/>
             <a:chOff x="0" y="0"/>
@@ -5115,12 +5065,12 @@
         </p:grpSpPr>
         <p:sp>
           <p:nvSpPr>
-            <p:cNvPr name="Freeform 25" id="25"/>
+            <p:cNvPr id="25" name="Freeform 25"/>
             <p:cNvSpPr/>
             <p:nvPr/>
           </p:nvSpPr>
           <p:spPr>
-            <a:xfrm flipH="false" flipV="false" rot="0">
+            <a:xfrm>
               <a:off x="0" y="0"/>
               <a:ext cx="6350000" cy="6350000"/>
             </a:xfrm>
@@ -5129,9 +5079,9 @@
               <a:gdLst/>
               <a:ahLst/>
               <a:cxnLst/>
-              <a:rect r="r" b="b" t="t" l="l"/>
+              <a:rect l="l" t="t" r="r" b="b"/>
               <a:pathLst>
-                <a:path h="6350000" w="6350000">
+                <a:path w="6350000" h="6350000">
                   <a:moveTo>
                     <a:pt x="3175000" y="0"/>
                   </a:moveTo>
@@ -5167,12 +5117,12 @@
       </p:grpSp>
       <p:grpSp>
         <p:nvGrpSpPr>
-          <p:cNvPr name="Group 26" id="26"/>
+          <p:cNvPr id="26" name="Group 26"/>
           <p:cNvGrpSpPr/>
           <p:nvPr/>
         </p:nvGrpSpPr>
         <p:grpSpPr>
-          <a:xfrm rot="0">
+          <a:xfrm>
             <a:off x="1886305" y="4657307"/>
             <a:ext cx="12238758" cy="3556897"/>
             <a:chOff x="0" y="0"/>
@@ -5181,12 +5131,12 @@
         </p:grpSpPr>
         <p:sp>
           <p:nvSpPr>
-            <p:cNvPr name="TextBox 27" id="27"/>
-            <p:cNvSpPr txBox="true"/>
+            <p:cNvPr id="27" name="TextBox 27"/>
+            <p:cNvSpPr txBox="1"/>
             <p:nvPr/>
           </p:nvSpPr>
           <p:spPr>
-            <a:xfrm rot="0">
+            <a:xfrm>
               <a:off x="0" y="133350"/>
               <a:ext cx="16318344" cy="3321897"/>
             </a:xfrm>
@@ -5195,7 +5145,7 @@
             </a:prstGeom>
           </p:spPr>
           <p:txBody>
-            <a:bodyPr anchor="t" rtlCol="false" tIns="0" lIns="0" bIns="0" rIns="0">
+            <a:bodyPr lIns="0" tIns="0" rIns="0" bIns="0" rtlCol="0" anchor="t">
               <a:spAutoFit/>
             </a:bodyPr>
             <a:lstStyle/>
@@ -5221,17 +5171,23 @@
                   <a:spcPts val="6399"/>
                 </a:lnSpc>
               </a:pPr>
+              <a:endParaRPr lang="en-US" sz="6399">
+                <a:solidFill>
+                  <a:srgbClr val="000000"/>
+                </a:solidFill>
+                <a:latin typeface="Space Mono Bold"/>
+              </a:endParaRPr>
             </a:p>
           </p:txBody>
         </p:sp>
         <p:sp>
           <p:nvSpPr>
-            <p:cNvPr name="TextBox 28" id="28"/>
-            <p:cNvSpPr txBox="true"/>
+            <p:cNvPr id="28" name="TextBox 28"/>
+            <p:cNvSpPr txBox="1"/>
             <p:nvPr/>
           </p:nvSpPr>
           <p:spPr>
-            <a:xfrm rot="0">
+            <a:xfrm>
               <a:off x="0" y="3623870"/>
               <a:ext cx="11630475" cy="1116542"/>
             </a:xfrm>
@@ -5240,7 +5196,7 @@
             </a:prstGeom>
           </p:spPr>
           <p:txBody>
-            <a:bodyPr anchor="t" rtlCol="false" tIns="0" lIns="0" bIns="0" rIns="0">
+            <a:bodyPr lIns="0" tIns="0" rIns="0" bIns="0" rtlCol="0" anchor="t">
               <a:spAutoFit/>
             </a:bodyPr>
             <a:lstStyle/>
@@ -5250,18 +5206,19 @@
                   <a:spcPts val="7000"/>
                 </a:lnSpc>
               </a:pPr>
+              <a:endParaRPr/>
             </a:p>
           </p:txBody>
         </p:sp>
       </p:grpSp>
       <p:sp>
         <p:nvSpPr>
-          <p:cNvPr name="TextBox 29" id="29"/>
-          <p:cNvSpPr txBox="true"/>
+          <p:cNvPr id="29" name="TextBox 29"/>
+          <p:cNvSpPr txBox="1"/>
           <p:nvPr/>
         </p:nvSpPr>
         <p:spPr>
-          <a:xfrm rot="0">
+          <a:xfrm>
             <a:off x="1886305" y="1787765"/>
             <a:ext cx="7765317" cy="771525"/>
           </a:xfrm>
@@ -5270,7 +5227,7 @@
           </a:prstGeom>
         </p:spPr>
         <p:txBody>
-          <a:bodyPr anchor="t" rtlCol="false" tIns="0" lIns="0" bIns="0" rIns="0">
+          <a:bodyPr lIns="0" tIns="0" rIns="0" bIns="0" rtlCol="0" anchor="t">
             <a:spAutoFit/>
           </a:bodyPr>
           <a:lstStyle/>
@@ -5294,12 +5251,12 @@
       </p:sp>
       <p:sp>
         <p:nvSpPr>
-          <p:cNvPr name="TextBox 30" id="30"/>
-          <p:cNvSpPr txBox="true"/>
+          <p:cNvPr id="30" name="TextBox 30"/>
+          <p:cNvSpPr txBox="1"/>
           <p:nvPr/>
         </p:nvSpPr>
         <p:spPr>
-          <a:xfrm rot="0">
+          <a:xfrm>
             <a:off x="13345707" y="1921115"/>
             <a:ext cx="2063322" cy="523875"/>
           </a:xfrm>
@@ -5308,7 +5265,7 @@
           </a:prstGeom>
         </p:spPr>
         <p:txBody>
-          <a:bodyPr anchor="t" rtlCol="false" tIns="0" lIns="0" bIns="0" rIns="0">
+          <a:bodyPr lIns="0" tIns="0" rIns="0" bIns="0" rtlCol="0" anchor="t">
             <a:spAutoFit/>
           </a:bodyPr>
           <a:lstStyle/>
@@ -5332,12 +5289,12 @@
       </p:sp>
       <p:sp>
         <p:nvSpPr>
-          <p:cNvPr name="TextBox 31" id="31"/>
-          <p:cNvSpPr txBox="true"/>
+          <p:cNvPr id="31" name="TextBox 31"/>
+          <p:cNvSpPr txBox="1"/>
           <p:nvPr/>
         </p:nvSpPr>
         <p:spPr>
-          <a:xfrm rot="0">
+          <a:xfrm>
             <a:off x="1938502" y="6797943"/>
             <a:ext cx="9803488" cy="863600"/>
           </a:xfrm>
@@ -5346,7 +5303,7 @@
           </a:prstGeom>
         </p:spPr>
         <p:txBody>
-          <a:bodyPr anchor="t" rtlCol="false" tIns="0" lIns="0" bIns="0" rIns="0">
+          <a:bodyPr lIns="0" tIns="0" rIns="0" bIns="0" rtlCol="0" anchor="t">
             <a:spAutoFit/>
           </a:bodyPr>
           <a:lstStyle/>
@@ -5380,13 +5337,14 @@
 </file>
 
 <file path=ppt/slides/slide10.xml><?xml version="1.0" encoding="utf-8"?>
-<p:sld xmlns:p="http://schemas.openxmlformats.org/presentationml/2006/main" xmlns:a="http://schemas.openxmlformats.org/drawingml/2006/main" xmlns:r="http://schemas.openxmlformats.org/officeDocument/2006/relationships">
+<p:sld xmlns:a="http://schemas.openxmlformats.org/drawingml/2006/main" xmlns:r="http://schemas.openxmlformats.org/officeDocument/2006/relationships" xmlns:p="http://schemas.openxmlformats.org/presentationml/2006/main">
   <p:cSld>
     <p:bg>
       <p:bgPr>
         <a:solidFill>
           <a:srgbClr val="F4F4F4"/>
         </a:solidFill>
+        <a:effectLst/>
       </p:bgPr>
     </p:bg>
     <p:spTree>
@@ -5405,12 +5363,12 @@
       </p:grpSpPr>
       <p:sp>
         <p:nvSpPr>
-          <p:cNvPr name="Freeform 2" id="2"/>
+          <p:cNvPr id="2" name="Freeform 2"/>
           <p:cNvSpPr/>
           <p:nvPr/>
         </p:nvSpPr>
         <p:spPr>
-          <a:xfrm flipH="false" flipV="false" rot="0">
+          <a:xfrm>
             <a:off x="17259300" y="276167"/>
             <a:ext cx="7574892" cy="3401815"/>
           </a:xfrm>
@@ -5419,9 +5377,9 @@
             <a:gdLst/>
             <a:ahLst/>
             <a:cxnLst/>
-            <a:rect r="r" b="b" t="t" l="l"/>
+            <a:rect l="l" t="t" r="r" b="b"/>
             <a:pathLst>
-              <a:path h="3401815" w="7574892">
+              <a:path w="7574892" h="3401815">
                 <a:moveTo>
                   <a:pt x="0" y="0"/>
                 </a:moveTo>
@@ -5450,19 +5408,19 @@
               </a:extLst>
             </a:blip>
             <a:stretch>
-              <a:fillRect l="0" t="0" r="0" b="0"/>
+              <a:fillRect/>
             </a:stretch>
           </a:blipFill>
         </p:spPr>
       </p:sp>
       <p:grpSp>
         <p:nvGrpSpPr>
-          <p:cNvPr name="Group 3" id="3"/>
+          <p:cNvPr id="3" name="Group 3"/>
           <p:cNvGrpSpPr/>
           <p:nvPr/>
         </p:nvGrpSpPr>
         <p:grpSpPr>
-          <a:xfrm rot="0">
+          <a:xfrm>
             <a:off x="1306896" y="3335505"/>
             <a:ext cx="15674207" cy="5460169"/>
             <a:chOff x="0" y="0"/>
@@ -5471,14 +5429,14 @@
         </p:grpSpPr>
         <p:grpSp>
           <p:nvGrpSpPr>
-            <p:cNvPr name="Group 4" id="4"/>
+            <p:cNvPr id="4" name="Group 4"/>
             <p:cNvGrpSpPr>
-              <a:grpSpLocks noChangeAspect="true"/>
+              <a:grpSpLocks noChangeAspect="1"/>
             </p:cNvGrpSpPr>
             <p:nvPr/>
           </p:nvGrpSpPr>
           <p:grpSpPr>
-            <a:xfrm rot="0">
+            <a:xfrm>
               <a:off x="617142" y="479729"/>
               <a:ext cx="20281801" cy="6800497"/>
               <a:chOff x="0" y="0"/>
@@ -5487,12 +5445,12 @@
           </p:grpSpPr>
           <p:sp>
             <p:nvSpPr>
-              <p:cNvPr name="Freeform 5" id="5"/>
+              <p:cNvPr id="5" name="Freeform 5"/>
               <p:cNvSpPr/>
               <p:nvPr/>
             </p:nvSpPr>
             <p:spPr>
-              <a:xfrm flipH="false" flipV="false" rot="0">
+              <a:xfrm>
                 <a:off x="27940" y="27940"/>
                 <a:ext cx="18882360" cy="918210"/>
               </a:xfrm>
@@ -5501,9 +5459,9 @@
                 <a:gdLst/>
                 <a:ahLst/>
                 <a:cxnLst/>
-                <a:rect r="r" b="b" t="t" l="l"/>
+                <a:rect l="l" t="t" r="r" b="b"/>
                 <a:pathLst>
-                  <a:path h="918210" w="18882360">
+                  <a:path w="18882360" h="918210">
                     <a:moveTo>
                       <a:pt x="18882360" y="918210"/>
                     </a:moveTo>
@@ -5545,12 +5503,12 @@
           </p:sp>
           <p:sp>
             <p:nvSpPr>
-              <p:cNvPr name="Freeform 6" id="6"/>
+              <p:cNvPr id="6" name="Freeform 6"/>
               <p:cNvSpPr/>
               <p:nvPr/>
             </p:nvSpPr>
             <p:spPr>
-              <a:xfrm flipH="false" flipV="false" rot="0">
+              <a:xfrm>
                 <a:off x="27940" y="944880"/>
                 <a:ext cx="18882360" cy="5377180"/>
               </a:xfrm>
@@ -5559,9 +5517,9 @@
                 <a:gdLst/>
                 <a:ahLst/>
                 <a:cxnLst/>
-                <a:rect r="r" b="b" t="t" l="l"/>
+                <a:rect l="l" t="t" r="r" b="b"/>
                 <a:pathLst>
-                  <a:path h="5377180" w="18882360">
+                  <a:path w="18882360" h="5377180">
                     <a:moveTo>
                       <a:pt x="9331960" y="0"/>
                     </a:moveTo>
@@ -5611,12 +5569,12 @@
           </p:sp>
           <p:sp>
             <p:nvSpPr>
-              <p:cNvPr name="Freeform 7" id="7"/>
+              <p:cNvPr id="7" name="Freeform 7"/>
               <p:cNvSpPr/>
               <p:nvPr/>
             </p:nvSpPr>
             <p:spPr>
-              <a:xfrm flipH="false" flipV="false" rot="0">
+              <a:xfrm>
                 <a:off x="499110" y="299720"/>
                 <a:ext cx="1515110" cy="368300"/>
               </a:xfrm>
@@ -5625,9 +5583,9 @@
                 <a:gdLst/>
                 <a:ahLst/>
                 <a:cxnLst/>
-                <a:rect r="r" b="b" t="t" l="l"/>
+                <a:rect l="l" t="t" r="r" b="b"/>
                 <a:pathLst>
-                  <a:path h="368300" w="1515110">
+                  <a:path w="1515110" h="368300">
                     <a:moveTo>
                       <a:pt x="184150" y="0"/>
                     </a:moveTo>
@@ -5710,12 +5668,12 @@
           </p:sp>
           <p:sp>
             <p:nvSpPr>
-              <p:cNvPr name="Freeform 8" id="8"/>
+              <p:cNvPr id="8" name="Freeform 8"/>
               <p:cNvSpPr/>
               <p:nvPr/>
             </p:nvSpPr>
             <p:spPr>
-              <a:xfrm flipH="false" flipV="false" rot="0">
+              <a:xfrm>
                 <a:off x="0" y="0"/>
                 <a:ext cx="18939511" cy="6350000"/>
               </a:xfrm>
@@ -5724,9 +5682,9 @@
                 <a:gdLst/>
                 <a:ahLst/>
                 <a:cxnLst/>
-                <a:rect r="r" b="b" t="t" l="l"/>
+                <a:rect l="l" t="t" r="r" b="b"/>
                 <a:pathLst>
-                  <a:path h="6350000" w="18939511">
+                  <a:path w="18939511" h="6350000">
                     <a:moveTo>
                       <a:pt x="18464530" y="0"/>
                     </a:moveTo>
@@ -6050,14 +6008,14 @@
         </p:grpSp>
         <p:grpSp>
           <p:nvGrpSpPr>
-            <p:cNvPr name="Group 9" id="9"/>
+            <p:cNvPr id="9" name="Group 9"/>
             <p:cNvGrpSpPr>
-              <a:grpSpLocks noChangeAspect="true"/>
+              <a:grpSpLocks noChangeAspect="1"/>
             </p:cNvGrpSpPr>
             <p:nvPr/>
           </p:nvGrpSpPr>
           <p:grpSpPr>
-            <a:xfrm rot="0">
+            <a:xfrm>
               <a:off x="0" y="0"/>
               <a:ext cx="20281801" cy="6800497"/>
               <a:chOff x="0" y="0"/>
@@ -6066,12 +6024,12 @@
           </p:grpSpPr>
           <p:sp>
             <p:nvSpPr>
-              <p:cNvPr name="Freeform 10" id="10"/>
+              <p:cNvPr id="10" name="Freeform 10"/>
               <p:cNvSpPr/>
               <p:nvPr/>
             </p:nvSpPr>
             <p:spPr>
-              <a:xfrm flipH="false" flipV="false" rot="0">
+              <a:xfrm>
                 <a:off x="27940" y="27940"/>
                 <a:ext cx="18882360" cy="918210"/>
               </a:xfrm>
@@ -6080,9 +6038,9 @@
                 <a:gdLst/>
                 <a:ahLst/>
                 <a:cxnLst/>
-                <a:rect r="r" b="b" t="t" l="l"/>
+                <a:rect l="l" t="t" r="r" b="b"/>
                 <a:pathLst>
-                  <a:path h="918210" w="18882360">
+                  <a:path w="18882360" h="918210">
                     <a:moveTo>
                       <a:pt x="18882360" y="918210"/>
                     </a:moveTo>
@@ -6124,12 +6082,12 @@
           </p:sp>
           <p:sp>
             <p:nvSpPr>
-              <p:cNvPr name="Freeform 11" id="11"/>
+              <p:cNvPr id="11" name="Freeform 11"/>
               <p:cNvSpPr/>
               <p:nvPr/>
             </p:nvSpPr>
             <p:spPr>
-              <a:xfrm flipH="false" flipV="false" rot="0">
+              <a:xfrm>
                 <a:off x="27940" y="944880"/>
                 <a:ext cx="18882360" cy="5377180"/>
               </a:xfrm>
@@ -6138,9 +6096,9 @@
                 <a:gdLst/>
                 <a:ahLst/>
                 <a:cxnLst/>
-                <a:rect r="r" b="b" t="t" l="l"/>
+                <a:rect l="l" t="t" r="r" b="b"/>
                 <a:pathLst>
-                  <a:path h="5377180" w="18882360">
+                  <a:path w="18882360" h="5377180">
                     <a:moveTo>
                       <a:pt x="9331960" y="0"/>
                     </a:moveTo>
@@ -6190,12 +6148,12 @@
           </p:sp>
           <p:sp>
             <p:nvSpPr>
-              <p:cNvPr name="Freeform 12" id="12"/>
+              <p:cNvPr id="12" name="Freeform 12"/>
               <p:cNvSpPr/>
               <p:nvPr/>
             </p:nvSpPr>
             <p:spPr>
-              <a:xfrm flipH="false" flipV="false" rot="0">
+              <a:xfrm>
                 <a:off x="499110" y="299720"/>
                 <a:ext cx="1515110" cy="368300"/>
               </a:xfrm>
@@ -6204,9 +6162,9 @@
                 <a:gdLst/>
                 <a:ahLst/>
                 <a:cxnLst/>
-                <a:rect r="r" b="b" t="t" l="l"/>
+                <a:rect l="l" t="t" r="r" b="b"/>
                 <a:pathLst>
-                  <a:path h="368300" w="1515110">
+                  <a:path w="1515110" h="368300">
                     <a:moveTo>
                       <a:pt x="184150" y="0"/>
                     </a:moveTo>
@@ -6289,12 +6247,12 @@
           </p:sp>
           <p:sp>
             <p:nvSpPr>
-              <p:cNvPr name="Freeform 13" id="13"/>
+              <p:cNvPr id="13" name="Freeform 13"/>
               <p:cNvSpPr/>
               <p:nvPr/>
             </p:nvSpPr>
             <p:spPr>
-              <a:xfrm flipH="false" flipV="false" rot="0">
+              <a:xfrm>
                 <a:off x="0" y="0"/>
                 <a:ext cx="18939511" cy="6350000"/>
               </a:xfrm>
@@ -6303,9 +6261,9 @@
                 <a:gdLst/>
                 <a:ahLst/>
                 <a:cxnLst/>
-                <a:rect r="r" b="b" t="t" l="l"/>
+                <a:rect l="l" t="t" r="r" b="b"/>
                 <a:pathLst>
-                  <a:path h="6350000" w="18939511">
+                  <a:path w="18939511" h="6350000">
                     <a:moveTo>
                       <a:pt x="18464530" y="0"/>
                     </a:moveTo>
@@ -6630,12 +6588,12 @@
       </p:grpSp>
       <p:sp>
         <p:nvSpPr>
-          <p:cNvPr name="TextBox 14" id="14"/>
-          <p:cNvSpPr txBox="true"/>
+          <p:cNvPr id="14" name="TextBox 14"/>
+          <p:cNvSpPr txBox="1"/>
           <p:nvPr/>
         </p:nvSpPr>
         <p:spPr>
-          <a:xfrm rot="0">
+          <a:xfrm>
             <a:off x="1886305" y="4798695"/>
             <a:ext cx="10387591" cy="661035"/>
           </a:xfrm>
@@ -6644,7 +6602,7 @@
           </a:prstGeom>
         </p:spPr>
         <p:txBody>
-          <a:bodyPr anchor="t" rtlCol="false" tIns="0" lIns="0" bIns="0" rIns="0">
+          <a:bodyPr lIns="0" tIns="0" rIns="0" bIns="0" rtlCol="0" anchor="t">
             <a:spAutoFit/>
           </a:bodyPr>
           <a:lstStyle/>
@@ -6668,12 +6626,12 @@
       </p:sp>
       <p:grpSp>
         <p:nvGrpSpPr>
-          <p:cNvPr name="Group 15" id="15"/>
+          <p:cNvPr id="15" name="Group 15"/>
           <p:cNvGrpSpPr/>
           <p:nvPr/>
         </p:nvGrpSpPr>
         <p:grpSpPr>
-          <a:xfrm rot="0">
+          <a:xfrm>
             <a:off x="1306896" y="1273702"/>
             <a:ext cx="15559849" cy="1404363"/>
             <a:chOff x="0" y="0"/>
@@ -6682,12 +6640,12 @@
         </p:grpSpPr>
         <p:sp>
           <p:nvSpPr>
-            <p:cNvPr name="Freeform 16" id="16"/>
+            <p:cNvPr id="16" name="Freeform 16"/>
             <p:cNvSpPr/>
             <p:nvPr/>
           </p:nvSpPr>
           <p:spPr>
-            <a:xfrm flipH="false" flipV="false" rot="0">
+            <a:xfrm>
               <a:off x="31750" y="31750"/>
               <a:ext cx="16950810" cy="1472137"/>
             </a:xfrm>
@@ -6696,9 +6654,9 @@
               <a:gdLst/>
               <a:ahLst/>
               <a:cxnLst/>
-              <a:rect r="r" b="b" t="t" l="l"/>
+              <a:rect l="l" t="t" r="r" b="b"/>
               <a:pathLst>
-                <a:path h="1472137" w="16950810">
+                <a:path w="16950810" h="1472137">
                   <a:moveTo>
                     <a:pt x="16858100" y="1472137"/>
                   </a:moveTo>
@@ -6745,12 +6703,12 @@
         </p:sp>
         <p:sp>
           <p:nvSpPr>
-            <p:cNvPr name="Freeform 17" id="17"/>
+            <p:cNvPr id="17" name="Freeform 17"/>
             <p:cNvSpPr/>
             <p:nvPr/>
           </p:nvSpPr>
           <p:spPr>
-            <a:xfrm flipH="false" flipV="false" rot="0">
+            <a:xfrm>
               <a:off x="0" y="0"/>
               <a:ext cx="17014310" cy="1535637"/>
             </a:xfrm>
@@ -6759,9 +6717,9 @@
               <a:gdLst/>
               <a:ahLst/>
               <a:cxnLst/>
-              <a:rect r="r" b="b" t="t" l="l"/>
+              <a:rect l="l" t="t" r="r" b="b"/>
               <a:pathLst>
-                <a:path h="1535637" w="17014310">
+                <a:path w="17014310" h="1535637">
                   <a:moveTo>
                     <a:pt x="16889850" y="59690"/>
                   </a:moveTo>
@@ -6844,12 +6802,12 @@
       </p:grpSp>
       <p:sp>
         <p:nvSpPr>
-          <p:cNvPr name="TextBox 18" id="18"/>
-          <p:cNvSpPr txBox="true"/>
+          <p:cNvPr id="18" name="TextBox 18"/>
+          <p:cNvSpPr txBox="1"/>
           <p:nvPr/>
         </p:nvSpPr>
         <p:spPr>
-          <a:xfrm rot="0">
+          <a:xfrm>
             <a:off x="1886305" y="1438594"/>
             <a:ext cx="15707129" cy="962660"/>
           </a:xfrm>
@@ -6858,7 +6816,7 @@
           </a:prstGeom>
         </p:spPr>
         <p:txBody>
-          <a:bodyPr anchor="t" rtlCol="false" tIns="0" lIns="0" bIns="0" rIns="0">
+          <a:bodyPr lIns="0" tIns="0" rIns="0" bIns="0" rtlCol="0" anchor="t">
             <a:spAutoFit/>
           </a:bodyPr>
           <a:lstStyle/>
@@ -6882,12 +6840,12 @@
       </p:sp>
       <p:sp>
         <p:nvSpPr>
-          <p:cNvPr name="Freeform 19" id="19"/>
+          <p:cNvPr id="19" name="Freeform 19"/>
           <p:cNvSpPr/>
           <p:nvPr/>
         </p:nvSpPr>
         <p:spPr>
-          <a:xfrm flipH="false" flipV="false" rot="0">
+          <a:xfrm>
             <a:off x="15461386" y="1498431"/>
             <a:ext cx="954906" cy="954906"/>
           </a:xfrm>
@@ -6896,9 +6854,9 @@
             <a:gdLst/>
             <a:ahLst/>
             <a:cxnLst/>
-            <a:rect r="r" b="b" t="t" l="l"/>
+            <a:rect l="l" t="t" r="r" b="b"/>
             <a:pathLst>
-              <a:path h="954906" w="954906">
+              <a:path w="954906" h="954906">
                 <a:moveTo>
                   <a:pt x="0" y="0"/>
                 </a:moveTo>
@@ -6927,19 +6885,19 @@
               </a:extLst>
             </a:blip>
             <a:stretch>
-              <a:fillRect l="0" t="0" r="0" b="0"/>
+              <a:fillRect/>
             </a:stretch>
           </a:blipFill>
         </p:spPr>
       </p:sp>
       <p:sp>
         <p:nvSpPr>
-          <p:cNvPr name="TextBox 20" id="20"/>
-          <p:cNvSpPr txBox="true"/>
+          <p:cNvPr id="20" name="TextBox 20"/>
+          <p:cNvSpPr txBox="1"/>
           <p:nvPr/>
         </p:nvSpPr>
         <p:spPr>
-          <a:xfrm rot="0">
+          <a:xfrm>
             <a:off x="1886305" y="5776453"/>
             <a:ext cx="12499840" cy="1346835"/>
           </a:xfrm>
@@ -6948,7 +6906,7 @@
           </a:prstGeom>
         </p:spPr>
         <p:txBody>
-          <a:bodyPr anchor="t" rtlCol="false" tIns="0" lIns="0" bIns="0" rIns="0">
+          <a:bodyPr lIns="0" tIns="0" rIns="0" bIns="0" rtlCol="0" anchor="t">
             <a:spAutoFit/>
           </a:bodyPr>
           <a:lstStyle/>
@@ -6997,13 +6955,14 @@
 </file>
 
 <file path=ppt/slides/slide11.xml><?xml version="1.0" encoding="utf-8"?>
-<p:sld xmlns:p="http://schemas.openxmlformats.org/presentationml/2006/main" xmlns:a="http://schemas.openxmlformats.org/drawingml/2006/main" xmlns:r="http://schemas.openxmlformats.org/officeDocument/2006/relationships">
+<p:sld xmlns:a="http://schemas.openxmlformats.org/drawingml/2006/main" xmlns:r="http://schemas.openxmlformats.org/officeDocument/2006/relationships" xmlns:p="http://schemas.openxmlformats.org/presentationml/2006/main">
   <p:cSld>
     <p:bg>
       <p:bgPr>
         <a:solidFill>
           <a:srgbClr val="F4F4F4"/>
         </a:solidFill>
+        <a:effectLst/>
       </p:bgPr>
     </p:bg>
     <p:spTree>
@@ -7022,12 +6981,12 @@
       </p:grpSpPr>
       <p:sp>
         <p:nvSpPr>
-          <p:cNvPr name="Freeform 2" id="2"/>
+          <p:cNvPr id="2" name="Freeform 2"/>
           <p:cNvSpPr/>
           <p:nvPr/>
         </p:nvSpPr>
         <p:spPr>
-          <a:xfrm flipH="false" flipV="false" rot="0">
+          <a:xfrm>
             <a:off x="17259300" y="276167"/>
             <a:ext cx="7574892" cy="3401815"/>
           </a:xfrm>
@@ -7036,9 +6995,9 @@
             <a:gdLst/>
             <a:ahLst/>
             <a:cxnLst/>
-            <a:rect r="r" b="b" t="t" l="l"/>
+            <a:rect l="l" t="t" r="r" b="b"/>
             <a:pathLst>
-              <a:path h="3401815" w="7574892">
+              <a:path w="7574892" h="3401815">
                 <a:moveTo>
                   <a:pt x="0" y="0"/>
                 </a:moveTo>
@@ -7067,19 +7026,19 @@
               </a:extLst>
             </a:blip>
             <a:stretch>
-              <a:fillRect l="0" t="0" r="0" b="0"/>
+              <a:fillRect/>
             </a:stretch>
           </a:blipFill>
         </p:spPr>
       </p:sp>
       <p:grpSp>
         <p:nvGrpSpPr>
-          <p:cNvPr name="Group 3" id="3"/>
+          <p:cNvPr id="3" name="Group 3"/>
           <p:cNvGrpSpPr/>
           <p:nvPr/>
         </p:nvGrpSpPr>
         <p:grpSpPr>
-          <a:xfrm rot="0">
+          <a:xfrm>
             <a:off x="1306896" y="3335505"/>
             <a:ext cx="15674207" cy="5460169"/>
             <a:chOff x="0" y="0"/>
@@ -7088,14 +7047,14 @@
         </p:grpSpPr>
         <p:grpSp>
           <p:nvGrpSpPr>
-            <p:cNvPr name="Group 4" id="4"/>
+            <p:cNvPr id="4" name="Group 4"/>
             <p:cNvGrpSpPr>
-              <a:grpSpLocks noChangeAspect="true"/>
+              <a:grpSpLocks noChangeAspect="1"/>
             </p:cNvGrpSpPr>
             <p:nvPr/>
           </p:nvGrpSpPr>
           <p:grpSpPr>
-            <a:xfrm rot="0">
+            <a:xfrm>
               <a:off x="617142" y="479729"/>
               <a:ext cx="20281801" cy="6800497"/>
               <a:chOff x="0" y="0"/>
@@ -7104,12 +7063,12 @@
           </p:grpSpPr>
           <p:sp>
             <p:nvSpPr>
-              <p:cNvPr name="Freeform 5" id="5"/>
+              <p:cNvPr id="5" name="Freeform 5"/>
               <p:cNvSpPr/>
               <p:nvPr/>
             </p:nvSpPr>
             <p:spPr>
-              <a:xfrm flipH="false" flipV="false" rot="0">
+              <a:xfrm>
                 <a:off x="27940" y="27940"/>
                 <a:ext cx="18882360" cy="918210"/>
               </a:xfrm>
@@ -7118,9 +7077,9 @@
                 <a:gdLst/>
                 <a:ahLst/>
                 <a:cxnLst/>
-                <a:rect r="r" b="b" t="t" l="l"/>
+                <a:rect l="l" t="t" r="r" b="b"/>
                 <a:pathLst>
-                  <a:path h="918210" w="18882360">
+                  <a:path w="18882360" h="918210">
                     <a:moveTo>
                       <a:pt x="18882360" y="918210"/>
                     </a:moveTo>
@@ -7162,12 +7121,12 @@
           </p:sp>
           <p:sp>
             <p:nvSpPr>
-              <p:cNvPr name="Freeform 6" id="6"/>
+              <p:cNvPr id="6" name="Freeform 6"/>
               <p:cNvSpPr/>
               <p:nvPr/>
             </p:nvSpPr>
             <p:spPr>
-              <a:xfrm flipH="false" flipV="false" rot="0">
+              <a:xfrm>
                 <a:off x="27940" y="944880"/>
                 <a:ext cx="18882360" cy="5377180"/>
               </a:xfrm>
@@ -7176,9 +7135,9 @@
                 <a:gdLst/>
                 <a:ahLst/>
                 <a:cxnLst/>
-                <a:rect r="r" b="b" t="t" l="l"/>
+                <a:rect l="l" t="t" r="r" b="b"/>
                 <a:pathLst>
-                  <a:path h="5377180" w="18882360">
+                  <a:path w="18882360" h="5377180">
                     <a:moveTo>
                       <a:pt x="9331960" y="0"/>
                     </a:moveTo>
@@ -7228,12 +7187,12 @@
           </p:sp>
           <p:sp>
             <p:nvSpPr>
-              <p:cNvPr name="Freeform 7" id="7"/>
+              <p:cNvPr id="7" name="Freeform 7"/>
               <p:cNvSpPr/>
               <p:nvPr/>
             </p:nvSpPr>
             <p:spPr>
-              <a:xfrm flipH="false" flipV="false" rot="0">
+              <a:xfrm>
                 <a:off x="499110" y="299720"/>
                 <a:ext cx="1515110" cy="368300"/>
               </a:xfrm>
@@ -7242,9 +7201,9 @@
                 <a:gdLst/>
                 <a:ahLst/>
                 <a:cxnLst/>
-                <a:rect r="r" b="b" t="t" l="l"/>
+                <a:rect l="l" t="t" r="r" b="b"/>
                 <a:pathLst>
-                  <a:path h="368300" w="1515110">
+                  <a:path w="1515110" h="368300">
                     <a:moveTo>
                       <a:pt x="184150" y="0"/>
                     </a:moveTo>
@@ -7327,12 +7286,12 @@
           </p:sp>
           <p:sp>
             <p:nvSpPr>
-              <p:cNvPr name="Freeform 8" id="8"/>
+              <p:cNvPr id="8" name="Freeform 8"/>
               <p:cNvSpPr/>
               <p:nvPr/>
             </p:nvSpPr>
             <p:spPr>
-              <a:xfrm flipH="false" flipV="false" rot="0">
+              <a:xfrm>
                 <a:off x="0" y="0"/>
                 <a:ext cx="18939511" cy="6350000"/>
               </a:xfrm>
@@ -7341,9 +7300,9 @@
                 <a:gdLst/>
                 <a:ahLst/>
                 <a:cxnLst/>
-                <a:rect r="r" b="b" t="t" l="l"/>
+                <a:rect l="l" t="t" r="r" b="b"/>
                 <a:pathLst>
-                  <a:path h="6350000" w="18939511">
+                  <a:path w="18939511" h="6350000">
                     <a:moveTo>
                       <a:pt x="18464530" y="0"/>
                     </a:moveTo>
@@ -7667,14 +7626,14 @@
         </p:grpSp>
         <p:grpSp>
           <p:nvGrpSpPr>
-            <p:cNvPr name="Group 9" id="9"/>
+            <p:cNvPr id="9" name="Group 9"/>
             <p:cNvGrpSpPr>
-              <a:grpSpLocks noChangeAspect="true"/>
+              <a:grpSpLocks noChangeAspect="1"/>
             </p:cNvGrpSpPr>
             <p:nvPr/>
           </p:nvGrpSpPr>
           <p:grpSpPr>
-            <a:xfrm rot="0">
+            <a:xfrm>
               <a:off x="0" y="0"/>
               <a:ext cx="20281801" cy="6800497"/>
               <a:chOff x="0" y="0"/>
@@ -7683,12 +7642,12 @@
           </p:grpSpPr>
           <p:sp>
             <p:nvSpPr>
-              <p:cNvPr name="Freeform 10" id="10"/>
+              <p:cNvPr id="10" name="Freeform 10"/>
               <p:cNvSpPr/>
               <p:nvPr/>
             </p:nvSpPr>
             <p:spPr>
-              <a:xfrm flipH="false" flipV="false" rot="0">
+              <a:xfrm>
                 <a:off x="27940" y="27940"/>
                 <a:ext cx="18882360" cy="918210"/>
               </a:xfrm>
@@ -7697,9 +7656,9 @@
                 <a:gdLst/>
                 <a:ahLst/>
                 <a:cxnLst/>
-                <a:rect r="r" b="b" t="t" l="l"/>
+                <a:rect l="l" t="t" r="r" b="b"/>
                 <a:pathLst>
-                  <a:path h="918210" w="18882360">
+                  <a:path w="18882360" h="918210">
                     <a:moveTo>
                       <a:pt x="18882360" y="918210"/>
                     </a:moveTo>
@@ -7741,12 +7700,12 @@
           </p:sp>
           <p:sp>
             <p:nvSpPr>
-              <p:cNvPr name="Freeform 11" id="11"/>
+              <p:cNvPr id="11" name="Freeform 11"/>
               <p:cNvSpPr/>
               <p:nvPr/>
             </p:nvSpPr>
             <p:spPr>
-              <a:xfrm flipH="false" flipV="false" rot="0">
+              <a:xfrm>
                 <a:off x="27940" y="944880"/>
                 <a:ext cx="18882360" cy="5377180"/>
               </a:xfrm>
@@ -7755,9 +7714,9 @@
                 <a:gdLst/>
                 <a:ahLst/>
                 <a:cxnLst/>
-                <a:rect r="r" b="b" t="t" l="l"/>
+                <a:rect l="l" t="t" r="r" b="b"/>
                 <a:pathLst>
-                  <a:path h="5377180" w="18882360">
+                  <a:path w="18882360" h="5377180">
                     <a:moveTo>
                       <a:pt x="9331960" y="0"/>
                     </a:moveTo>
@@ -7807,12 +7766,12 @@
           </p:sp>
           <p:sp>
             <p:nvSpPr>
-              <p:cNvPr name="Freeform 12" id="12"/>
+              <p:cNvPr id="12" name="Freeform 12"/>
               <p:cNvSpPr/>
               <p:nvPr/>
             </p:nvSpPr>
             <p:spPr>
-              <a:xfrm flipH="false" flipV="false" rot="0">
+              <a:xfrm>
                 <a:off x="499110" y="299720"/>
                 <a:ext cx="1515110" cy="368300"/>
               </a:xfrm>
@@ -7821,9 +7780,9 @@
                 <a:gdLst/>
                 <a:ahLst/>
                 <a:cxnLst/>
-                <a:rect r="r" b="b" t="t" l="l"/>
+                <a:rect l="l" t="t" r="r" b="b"/>
                 <a:pathLst>
-                  <a:path h="368300" w="1515110">
+                  <a:path w="1515110" h="368300">
                     <a:moveTo>
                       <a:pt x="184150" y="0"/>
                     </a:moveTo>
@@ -7906,12 +7865,12 @@
           </p:sp>
           <p:sp>
             <p:nvSpPr>
-              <p:cNvPr name="Freeform 13" id="13"/>
+              <p:cNvPr id="13" name="Freeform 13"/>
               <p:cNvSpPr/>
               <p:nvPr/>
             </p:nvSpPr>
             <p:spPr>
-              <a:xfrm flipH="false" flipV="false" rot="0">
+              <a:xfrm>
                 <a:off x="0" y="0"/>
                 <a:ext cx="18939511" cy="6350000"/>
               </a:xfrm>
@@ -7920,9 +7879,9 @@
                 <a:gdLst/>
                 <a:ahLst/>
                 <a:cxnLst/>
-                <a:rect r="r" b="b" t="t" l="l"/>
+                <a:rect l="l" t="t" r="r" b="b"/>
                 <a:pathLst>
-                  <a:path h="6350000" w="18939511">
+                  <a:path w="18939511" h="6350000">
                     <a:moveTo>
                       <a:pt x="18464530" y="0"/>
                     </a:moveTo>
@@ -8247,12 +8206,12 @@
       </p:grpSp>
       <p:sp>
         <p:nvSpPr>
-          <p:cNvPr name="TextBox 14" id="14"/>
-          <p:cNvSpPr txBox="true"/>
+          <p:cNvPr id="14" name="TextBox 14"/>
+          <p:cNvSpPr txBox="1"/>
           <p:nvPr/>
         </p:nvSpPr>
         <p:spPr>
-          <a:xfrm rot="0">
+          <a:xfrm>
             <a:off x="1886305" y="4798695"/>
             <a:ext cx="10387591" cy="661035"/>
           </a:xfrm>
@@ -8261,7 +8220,7 @@
           </a:prstGeom>
         </p:spPr>
         <p:txBody>
-          <a:bodyPr anchor="t" rtlCol="false" tIns="0" lIns="0" bIns="0" rIns="0">
+          <a:bodyPr lIns="0" tIns="0" rIns="0" bIns="0" rtlCol="0" anchor="t">
             <a:spAutoFit/>
           </a:bodyPr>
           <a:lstStyle/>
@@ -8285,12 +8244,12 @@
       </p:sp>
       <p:grpSp>
         <p:nvGrpSpPr>
-          <p:cNvPr name="Group 15" id="15"/>
+          <p:cNvPr id="15" name="Group 15"/>
           <p:cNvGrpSpPr/>
           <p:nvPr/>
         </p:nvGrpSpPr>
         <p:grpSpPr>
-          <a:xfrm rot="0">
+          <a:xfrm>
             <a:off x="1306896" y="1273702"/>
             <a:ext cx="15559849" cy="1404363"/>
             <a:chOff x="0" y="0"/>
@@ -8299,12 +8258,12 @@
         </p:grpSpPr>
         <p:sp>
           <p:nvSpPr>
-            <p:cNvPr name="Freeform 16" id="16"/>
+            <p:cNvPr id="16" name="Freeform 16"/>
             <p:cNvSpPr/>
             <p:nvPr/>
           </p:nvSpPr>
           <p:spPr>
-            <a:xfrm flipH="false" flipV="false" rot="0">
+            <a:xfrm>
               <a:off x="31750" y="31750"/>
               <a:ext cx="16950810" cy="1472137"/>
             </a:xfrm>
@@ -8313,9 +8272,9 @@
               <a:gdLst/>
               <a:ahLst/>
               <a:cxnLst/>
-              <a:rect r="r" b="b" t="t" l="l"/>
+              <a:rect l="l" t="t" r="r" b="b"/>
               <a:pathLst>
-                <a:path h="1472137" w="16950810">
+                <a:path w="16950810" h="1472137">
                   <a:moveTo>
                     <a:pt x="16858100" y="1472137"/>
                   </a:moveTo>
@@ -8362,12 +8321,12 @@
         </p:sp>
         <p:sp>
           <p:nvSpPr>
-            <p:cNvPr name="Freeform 17" id="17"/>
+            <p:cNvPr id="17" name="Freeform 17"/>
             <p:cNvSpPr/>
             <p:nvPr/>
           </p:nvSpPr>
           <p:spPr>
-            <a:xfrm flipH="false" flipV="false" rot="0">
+            <a:xfrm>
               <a:off x="0" y="0"/>
               <a:ext cx="17014310" cy="1535637"/>
             </a:xfrm>
@@ -8376,9 +8335,9 @@
               <a:gdLst/>
               <a:ahLst/>
               <a:cxnLst/>
-              <a:rect r="r" b="b" t="t" l="l"/>
+              <a:rect l="l" t="t" r="r" b="b"/>
               <a:pathLst>
-                <a:path h="1535637" w="17014310">
+                <a:path w="17014310" h="1535637">
                   <a:moveTo>
                     <a:pt x="16889850" y="59690"/>
                   </a:moveTo>
@@ -8461,12 +8420,12 @@
       </p:grpSp>
       <p:sp>
         <p:nvSpPr>
-          <p:cNvPr name="TextBox 18" id="18"/>
-          <p:cNvSpPr txBox="true"/>
+          <p:cNvPr id="18" name="TextBox 18"/>
+          <p:cNvSpPr txBox="1"/>
           <p:nvPr/>
         </p:nvSpPr>
         <p:spPr>
-          <a:xfrm rot="0">
+          <a:xfrm>
             <a:off x="1886305" y="1438594"/>
             <a:ext cx="15707129" cy="962660"/>
           </a:xfrm>
@@ -8475,7 +8434,7 @@
           </a:prstGeom>
         </p:spPr>
         <p:txBody>
-          <a:bodyPr anchor="t" rtlCol="false" tIns="0" lIns="0" bIns="0" rIns="0">
+          <a:bodyPr lIns="0" tIns="0" rIns="0" bIns="0" rtlCol="0" anchor="t">
             <a:spAutoFit/>
           </a:bodyPr>
           <a:lstStyle/>
@@ -8499,12 +8458,12 @@
       </p:sp>
       <p:sp>
         <p:nvSpPr>
-          <p:cNvPr name="Freeform 19" id="19"/>
+          <p:cNvPr id="19" name="Freeform 19"/>
           <p:cNvSpPr/>
           <p:nvPr/>
         </p:nvSpPr>
         <p:spPr>
-          <a:xfrm flipH="false" flipV="false" rot="0">
+          <a:xfrm>
             <a:off x="15461386" y="1498431"/>
             <a:ext cx="954906" cy="954906"/>
           </a:xfrm>
@@ -8513,9 +8472,9 @@
             <a:gdLst/>
             <a:ahLst/>
             <a:cxnLst/>
-            <a:rect r="r" b="b" t="t" l="l"/>
+            <a:rect l="l" t="t" r="r" b="b"/>
             <a:pathLst>
-              <a:path h="954906" w="954906">
+              <a:path w="954906" h="954906">
                 <a:moveTo>
                   <a:pt x="0" y="0"/>
                 </a:moveTo>
@@ -8544,28 +8503,28 @@
               </a:extLst>
             </a:blip>
             <a:stretch>
-              <a:fillRect l="0" t="0" r="0" b="0"/>
+              <a:fillRect/>
             </a:stretch>
           </a:blipFill>
         </p:spPr>
       </p:sp>
       <p:sp>
         <p:nvSpPr>
-          <p:cNvPr name="TextBox 20" id="20"/>
-          <p:cNvSpPr txBox="true"/>
+          <p:cNvPr id="20" name="TextBox 20"/>
+          <p:cNvSpPr txBox="1"/>
           <p:nvPr/>
         </p:nvSpPr>
         <p:spPr>
-          <a:xfrm rot="0">
+          <a:xfrm>
             <a:off x="1886305" y="5731337"/>
-            <a:ext cx="12499840" cy="2032635"/>
+            <a:ext cx="12499840" cy="2056845"/>
           </a:xfrm>
           <a:prstGeom prst="rect">
             <a:avLst/>
           </a:prstGeom>
         </p:spPr>
         <p:txBody>
-          <a:bodyPr anchor="t" rtlCol="false" tIns="0" lIns="0" bIns="0" rIns="0">
+          <a:bodyPr lIns="0" tIns="0" rIns="0" bIns="0" rtlCol="0" anchor="t">
             <a:spAutoFit/>
           </a:bodyPr>
           <a:lstStyle/>
@@ -8576,14 +8535,164 @@
               </a:lnSpc>
             </a:pPr>
             <a:r>
-              <a:rPr lang="en-US" sz="4200">
+              <a:rPr lang="en-US" sz="4200" dirty="0" err="1">
                 <a:solidFill>
                   <a:srgbClr val="000000"/>
                 </a:solidFill>
                 <a:latin typeface="Be Vietnam"/>
               </a:rPr>
-              <a:t>Jumlah total bobot dapat dilihat dengan menjalankan “model.summary()” untuk mendapatkannya</a:t>
+              <a:t>Jumlah</a:t>
             </a:r>
+            <a:r>
+              <a:rPr lang="en-US" sz="4200" dirty="0">
+                <a:solidFill>
+                  <a:srgbClr val="000000"/>
+                </a:solidFill>
+                <a:latin typeface="Be Vietnam"/>
+              </a:rPr>
+              <a:t> total </a:t>
+            </a:r>
+            <a:r>
+              <a:rPr lang="en-US" sz="4200" dirty="0" err="1">
+                <a:solidFill>
+                  <a:srgbClr val="000000"/>
+                </a:solidFill>
+                <a:latin typeface="Be Vietnam"/>
+              </a:rPr>
+              <a:t>bobot</a:t>
+            </a:r>
+            <a:r>
+              <a:rPr lang="en-US" sz="4200" dirty="0">
+                <a:solidFill>
+                  <a:srgbClr val="000000"/>
+                </a:solidFill>
+                <a:latin typeface="Be Vietnam"/>
+              </a:rPr>
+              <a:t> </a:t>
+            </a:r>
+            <a:r>
+              <a:rPr lang="en-US" sz="4200" dirty="0" err="1">
+                <a:solidFill>
+                  <a:srgbClr val="000000"/>
+                </a:solidFill>
+                <a:latin typeface="Be Vietnam"/>
+              </a:rPr>
+              <a:t>dapat</a:t>
+            </a:r>
+            <a:r>
+              <a:rPr lang="en-US" sz="4200" dirty="0">
+                <a:solidFill>
+                  <a:srgbClr val="000000"/>
+                </a:solidFill>
+                <a:latin typeface="Be Vietnam"/>
+              </a:rPr>
+              <a:t> </a:t>
+            </a:r>
+            <a:r>
+              <a:rPr lang="en-US" sz="4200" dirty="0" err="1">
+                <a:solidFill>
+                  <a:srgbClr val="000000"/>
+                </a:solidFill>
+                <a:latin typeface="Be Vietnam"/>
+              </a:rPr>
+              <a:t>dilihat</a:t>
+            </a:r>
+            <a:r>
+              <a:rPr lang="en-US" sz="4200" dirty="0">
+                <a:solidFill>
+                  <a:srgbClr val="000000"/>
+                </a:solidFill>
+                <a:latin typeface="Be Vietnam"/>
+              </a:rPr>
+              <a:t> </a:t>
+            </a:r>
+            <a:r>
+              <a:rPr lang="en-US" sz="4200" dirty="0" err="1">
+                <a:solidFill>
+                  <a:srgbClr val="000000"/>
+                </a:solidFill>
+                <a:latin typeface="Be Vietnam"/>
+              </a:rPr>
+              <a:t>dengan</a:t>
+            </a:r>
+            <a:r>
+              <a:rPr lang="en-US" sz="4200" dirty="0">
+                <a:solidFill>
+                  <a:srgbClr val="000000"/>
+                </a:solidFill>
+                <a:latin typeface="Be Vietnam"/>
+              </a:rPr>
+              <a:t> </a:t>
+            </a:r>
+            <a:r>
+              <a:rPr lang="en-US" sz="4200" dirty="0" err="1">
+                <a:solidFill>
+                  <a:srgbClr val="000000"/>
+                </a:solidFill>
+                <a:latin typeface="Be Vietnam"/>
+              </a:rPr>
+              <a:t>menjalankan</a:t>
+            </a:r>
+            <a:r>
+              <a:rPr lang="en-US" sz="4200" dirty="0">
+                <a:solidFill>
+                  <a:srgbClr val="000000"/>
+                </a:solidFill>
+                <a:latin typeface="Be Vietnam"/>
+              </a:rPr>
+              <a:t> “</a:t>
+            </a:r>
+            <a:r>
+              <a:rPr lang="en-US" sz="4200" dirty="0" err="1">
+                <a:solidFill>
+                  <a:srgbClr val="000000"/>
+                </a:solidFill>
+                <a:latin typeface="Be Vietnam"/>
+              </a:rPr>
+              <a:t>model.count_param</a:t>
+            </a:r>
+            <a:r>
+              <a:rPr lang="en-US" sz="4200" dirty="0">
+                <a:solidFill>
+                  <a:srgbClr val="000000"/>
+                </a:solidFill>
+                <a:latin typeface="Be Vietnam"/>
+              </a:rPr>
+              <a:t>()” </a:t>
+            </a:r>
+            <a:r>
+              <a:rPr lang="en-US" sz="4200" dirty="0" err="1">
+                <a:solidFill>
+                  <a:srgbClr val="000000"/>
+                </a:solidFill>
+                <a:latin typeface="Be Vietnam"/>
+              </a:rPr>
+              <a:t>untuk</a:t>
+            </a:r>
+            <a:r>
+              <a:rPr lang="en-US" sz="4200" dirty="0">
+                <a:solidFill>
+                  <a:srgbClr val="000000"/>
+                </a:solidFill>
+                <a:latin typeface="Be Vietnam"/>
+              </a:rPr>
+              <a:t> </a:t>
+            </a:r>
+            <a:r>
+              <a:rPr lang="en-US" sz="4200" dirty="0" err="1">
+                <a:solidFill>
+                  <a:srgbClr val="000000"/>
+                </a:solidFill>
+                <a:latin typeface="Be Vietnam"/>
+              </a:rPr>
+              <a:t>mendapatkannya</a:t>
+            </a:r>
+            <a:endParaRPr lang="en-US" sz="4200" dirty="0">
+              <a:solidFill>
+                <a:srgbClr val="000000"/>
+              </a:solidFill>
+              <a:latin typeface="Be Vietnam"/>
+            </a:endParaRPr>
           </a:p>
         </p:txBody>
       </p:sp>
@@ -8596,13 +8705,14 @@
 </file>
 
 <file path=ppt/slides/slide12.xml><?xml version="1.0" encoding="utf-8"?>
-<p:sld xmlns:p="http://schemas.openxmlformats.org/presentationml/2006/main" xmlns:a="http://schemas.openxmlformats.org/drawingml/2006/main" xmlns:r="http://schemas.openxmlformats.org/officeDocument/2006/relationships">
+<p:sld xmlns:a="http://schemas.openxmlformats.org/drawingml/2006/main" xmlns:r="http://schemas.openxmlformats.org/officeDocument/2006/relationships" xmlns:p="http://schemas.openxmlformats.org/presentationml/2006/main">
   <p:cSld>
     <p:bg>
       <p:bgPr>
         <a:solidFill>
           <a:srgbClr val="F4F4F4"/>
         </a:solidFill>
+        <a:effectLst/>
       </p:bgPr>
     </p:bg>
     <p:spTree>
@@ -8621,12 +8731,12 @@
       </p:grpSpPr>
       <p:sp>
         <p:nvSpPr>
-          <p:cNvPr name="Freeform 2" id="2"/>
+          <p:cNvPr id="2" name="Freeform 2"/>
           <p:cNvSpPr/>
           <p:nvPr/>
         </p:nvSpPr>
         <p:spPr>
-          <a:xfrm flipH="false" flipV="false" rot="0">
+          <a:xfrm>
             <a:off x="17259300" y="276167"/>
             <a:ext cx="7574892" cy="3401815"/>
           </a:xfrm>
@@ -8635,9 +8745,9 @@
             <a:gdLst/>
             <a:ahLst/>
             <a:cxnLst/>
-            <a:rect r="r" b="b" t="t" l="l"/>
+            <a:rect l="l" t="t" r="r" b="b"/>
             <a:pathLst>
-              <a:path h="3401815" w="7574892">
+              <a:path w="7574892" h="3401815">
                 <a:moveTo>
                   <a:pt x="0" y="0"/>
                 </a:moveTo>
@@ -8666,19 +8776,19 @@
               </a:extLst>
             </a:blip>
             <a:stretch>
-              <a:fillRect l="0" t="0" r="0" b="0"/>
+              <a:fillRect/>
             </a:stretch>
           </a:blipFill>
         </p:spPr>
       </p:sp>
       <p:sp>
         <p:nvSpPr>
-          <p:cNvPr name="Freeform 3" id="3"/>
+          <p:cNvPr id="3" name="Freeform 3"/>
           <p:cNvSpPr/>
           <p:nvPr/>
         </p:nvSpPr>
         <p:spPr>
-          <a:xfrm flipH="false" flipV="false" rot="0">
+          <a:xfrm>
             <a:off x="15461386" y="1498431"/>
             <a:ext cx="954906" cy="954906"/>
           </a:xfrm>
@@ -8687,9 +8797,9 @@
             <a:gdLst/>
             <a:ahLst/>
             <a:cxnLst/>
-            <a:rect r="r" b="b" t="t" l="l"/>
+            <a:rect l="l" t="t" r="r" b="b"/>
             <a:pathLst>
-              <a:path h="954906" w="954906">
+              <a:path w="954906" h="954906">
                 <a:moveTo>
                   <a:pt x="0" y="0"/>
                 </a:moveTo>
@@ -8718,19 +8828,19 @@
               </a:extLst>
             </a:blip>
             <a:stretch>
-              <a:fillRect l="0" t="0" r="0" b="0"/>
+              <a:fillRect/>
             </a:stretch>
           </a:blipFill>
         </p:spPr>
       </p:sp>
       <p:grpSp>
         <p:nvGrpSpPr>
-          <p:cNvPr name="Group 4" id="4"/>
+          <p:cNvPr id="4" name="Group 4"/>
           <p:cNvGrpSpPr/>
           <p:nvPr/>
         </p:nvGrpSpPr>
         <p:grpSpPr>
-          <a:xfrm rot="0">
+          <a:xfrm>
             <a:off x="1306896" y="2769285"/>
             <a:ext cx="15674207" cy="5460169"/>
             <a:chOff x="0" y="0"/>
@@ -8739,14 +8849,14 @@
         </p:grpSpPr>
         <p:grpSp>
           <p:nvGrpSpPr>
-            <p:cNvPr name="Group 5" id="5"/>
+            <p:cNvPr id="5" name="Group 5"/>
             <p:cNvGrpSpPr>
-              <a:grpSpLocks noChangeAspect="true"/>
+              <a:grpSpLocks noChangeAspect="1"/>
             </p:cNvGrpSpPr>
             <p:nvPr/>
           </p:nvGrpSpPr>
           <p:grpSpPr>
-            <a:xfrm rot="0">
+            <a:xfrm>
               <a:off x="617142" y="479729"/>
               <a:ext cx="20281801" cy="6800497"/>
               <a:chOff x="0" y="0"/>
@@ -8755,12 +8865,12 @@
           </p:grpSpPr>
           <p:sp>
             <p:nvSpPr>
-              <p:cNvPr name="Freeform 6" id="6"/>
+              <p:cNvPr id="6" name="Freeform 6"/>
               <p:cNvSpPr/>
               <p:nvPr/>
             </p:nvSpPr>
             <p:spPr>
-              <a:xfrm flipH="false" flipV="false" rot="0">
+              <a:xfrm>
                 <a:off x="27940" y="27940"/>
                 <a:ext cx="18882360" cy="918210"/>
               </a:xfrm>
@@ -8769,9 +8879,9 @@
                 <a:gdLst/>
                 <a:ahLst/>
                 <a:cxnLst/>
-                <a:rect r="r" b="b" t="t" l="l"/>
+                <a:rect l="l" t="t" r="r" b="b"/>
                 <a:pathLst>
-                  <a:path h="918210" w="18882360">
+                  <a:path w="18882360" h="918210">
                     <a:moveTo>
                       <a:pt x="18882360" y="918210"/>
                     </a:moveTo>
@@ -8813,12 +8923,12 @@
           </p:sp>
           <p:sp>
             <p:nvSpPr>
-              <p:cNvPr name="Freeform 7" id="7"/>
+              <p:cNvPr id="7" name="Freeform 7"/>
               <p:cNvSpPr/>
               <p:nvPr/>
             </p:nvSpPr>
             <p:spPr>
-              <a:xfrm flipH="false" flipV="false" rot="0">
+              <a:xfrm>
                 <a:off x="27940" y="944880"/>
                 <a:ext cx="18882360" cy="5377180"/>
               </a:xfrm>
@@ -8827,9 +8937,9 @@
                 <a:gdLst/>
                 <a:ahLst/>
                 <a:cxnLst/>
-                <a:rect r="r" b="b" t="t" l="l"/>
+                <a:rect l="l" t="t" r="r" b="b"/>
                 <a:pathLst>
-                  <a:path h="5377180" w="18882360">
+                  <a:path w="18882360" h="5377180">
                     <a:moveTo>
                       <a:pt x="9331960" y="0"/>
                     </a:moveTo>
@@ -8879,12 +8989,12 @@
           </p:sp>
           <p:sp>
             <p:nvSpPr>
-              <p:cNvPr name="Freeform 8" id="8"/>
+              <p:cNvPr id="8" name="Freeform 8"/>
               <p:cNvSpPr/>
               <p:nvPr/>
             </p:nvSpPr>
             <p:spPr>
-              <a:xfrm flipH="false" flipV="false" rot="0">
+              <a:xfrm>
                 <a:off x="499110" y="299720"/>
                 <a:ext cx="1515110" cy="368300"/>
               </a:xfrm>
@@ -8893,9 +9003,9 @@
                 <a:gdLst/>
                 <a:ahLst/>
                 <a:cxnLst/>
-                <a:rect r="r" b="b" t="t" l="l"/>
+                <a:rect l="l" t="t" r="r" b="b"/>
                 <a:pathLst>
-                  <a:path h="368300" w="1515110">
+                  <a:path w="1515110" h="368300">
                     <a:moveTo>
                       <a:pt x="184150" y="0"/>
                     </a:moveTo>
@@ -8978,12 +9088,12 @@
           </p:sp>
           <p:sp>
             <p:nvSpPr>
-              <p:cNvPr name="Freeform 9" id="9"/>
+              <p:cNvPr id="9" name="Freeform 9"/>
               <p:cNvSpPr/>
               <p:nvPr/>
             </p:nvSpPr>
             <p:spPr>
-              <a:xfrm flipH="false" flipV="false" rot="0">
+              <a:xfrm>
                 <a:off x="0" y="0"/>
                 <a:ext cx="18939511" cy="6350000"/>
               </a:xfrm>
@@ -8992,9 +9102,9 @@
                 <a:gdLst/>
                 <a:ahLst/>
                 <a:cxnLst/>
-                <a:rect r="r" b="b" t="t" l="l"/>
+                <a:rect l="l" t="t" r="r" b="b"/>
                 <a:pathLst>
-                  <a:path h="6350000" w="18939511">
+                  <a:path w="18939511" h="6350000">
                     <a:moveTo>
                       <a:pt x="18464530" y="0"/>
                     </a:moveTo>
@@ -9318,14 +9428,14 @@
         </p:grpSp>
         <p:grpSp>
           <p:nvGrpSpPr>
-            <p:cNvPr name="Group 10" id="10"/>
+            <p:cNvPr id="10" name="Group 10"/>
             <p:cNvGrpSpPr>
-              <a:grpSpLocks noChangeAspect="true"/>
+              <a:grpSpLocks noChangeAspect="1"/>
             </p:cNvGrpSpPr>
             <p:nvPr/>
           </p:nvGrpSpPr>
           <p:grpSpPr>
-            <a:xfrm rot="0">
+            <a:xfrm>
               <a:off x="0" y="0"/>
               <a:ext cx="20281801" cy="6800497"/>
               <a:chOff x="0" y="0"/>
@@ -9334,12 +9444,12 @@
           </p:grpSpPr>
           <p:sp>
             <p:nvSpPr>
-              <p:cNvPr name="Freeform 11" id="11"/>
+              <p:cNvPr id="11" name="Freeform 11"/>
               <p:cNvSpPr/>
               <p:nvPr/>
             </p:nvSpPr>
             <p:spPr>
-              <a:xfrm flipH="false" flipV="false" rot="0">
+              <a:xfrm>
                 <a:off x="27940" y="27940"/>
                 <a:ext cx="18882360" cy="918210"/>
               </a:xfrm>
@@ -9348,9 +9458,9 @@
                 <a:gdLst/>
                 <a:ahLst/>
                 <a:cxnLst/>
-                <a:rect r="r" b="b" t="t" l="l"/>
+                <a:rect l="l" t="t" r="r" b="b"/>
                 <a:pathLst>
-                  <a:path h="918210" w="18882360">
+                  <a:path w="18882360" h="918210">
                     <a:moveTo>
                       <a:pt x="18882360" y="918210"/>
                     </a:moveTo>
@@ -9392,12 +9502,12 @@
           </p:sp>
           <p:sp>
             <p:nvSpPr>
-              <p:cNvPr name="Freeform 12" id="12"/>
+              <p:cNvPr id="12" name="Freeform 12"/>
               <p:cNvSpPr/>
               <p:nvPr/>
             </p:nvSpPr>
             <p:spPr>
-              <a:xfrm flipH="false" flipV="false" rot="0">
+              <a:xfrm>
                 <a:off x="27940" y="944880"/>
                 <a:ext cx="18882360" cy="5377180"/>
               </a:xfrm>
@@ -9406,9 +9516,9 @@
                 <a:gdLst/>
                 <a:ahLst/>
                 <a:cxnLst/>
-                <a:rect r="r" b="b" t="t" l="l"/>
+                <a:rect l="l" t="t" r="r" b="b"/>
                 <a:pathLst>
-                  <a:path h="5377180" w="18882360">
+                  <a:path w="18882360" h="5377180">
                     <a:moveTo>
                       <a:pt x="9331960" y="0"/>
                     </a:moveTo>
@@ -9458,12 +9568,12 @@
           </p:sp>
           <p:sp>
             <p:nvSpPr>
-              <p:cNvPr name="Freeform 13" id="13"/>
+              <p:cNvPr id="13" name="Freeform 13"/>
               <p:cNvSpPr/>
               <p:nvPr/>
             </p:nvSpPr>
             <p:spPr>
-              <a:xfrm flipH="false" flipV="false" rot="0">
+              <a:xfrm>
                 <a:off x="499110" y="299720"/>
                 <a:ext cx="1515110" cy="368300"/>
               </a:xfrm>
@@ -9472,9 +9582,9 @@
                 <a:gdLst/>
                 <a:ahLst/>
                 <a:cxnLst/>
-                <a:rect r="r" b="b" t="t" l="l"/>
+                <a:rect l="l" t="t" r="r" b="b"/>
                 <a:pathLst>
-                  <a:path h="368300" w="1515110">
+                  <a:path w="1515110" h="368300">
                     <a:moveTo>
                       <a:pt x="184150" y="0"/>
                     </a:moveTo>
@@ -9557,12 +9667,12 @@
           </p:sp>
           <p:sp>
             <p:nvSpPr>
-              <p:cNvPr name="Freeform 14" id="14"/>
+              <p:cNvPr id="14" name="Freeform 14"/>
               <p:cNvSpPr/>
               <p:nvPr/>
             </p:nvSpPr>
             <p:spPr>
-              <a:xfrm flipH="false" flipV="false" rot="0">
+              <a:xfrm>
                 <a:off x="0" y="0"/>
                 <a:ext cx="18939511" cy="6350000"/>
               </a:xfrm>
@@ -9571,9 +9681,9 @@
                 <a:gdLst/>
                 <a:ahLst/>
                 <a:cxnLst/>
-                <a:rect r="r" b="b" t="t" l="l"/>
+                <a:rect l="l" t="t" r="r" b="b"/>
                 <a:pathLst>
-                  <a:path h="6350000" w="18939511">
+                  <a:path w="18939511" h="6350000">
                     <a:moveTo>
                       <a:pt x="18464530" y="0"/>
                     </a:moveTo>
@@ -9898,12 +10008,12 @@
       </p:grpSp>
       <p:grpSp>
         <p:nvGrpSpPr>
-          <p:cNvPr name="Group 15" id="15"/>
+          <p:cNvPr id="15" name="Group 15"/>
           <p:cNvGrpSpPr/>
           <p:nvPr/>
         </p:nvGrpSpPr>
         <p:grpSpPr>
-          <a:xfrm rot="0">
+          <a:xfrm>
             <a:off x="1886305" y="4041895"/>
             <a:ext cx="14052533" cy="3035832"/>
             <a:chOff x="0" y="0"/>
@@ -9912,12 +10022,12 @@
         </p:grpSpPr>
         <p:sp>
           <p:nvSpPr>
-            <p:cNvPr name="TextBox 16" id="16"/>
-            <p:cNvSpPr txBox="true"/>
+            <p:cNvPr id="16" name="TextBox 16"/>
+            <p:cNvSpPr txBox="1"/>
             <p:nvPr/>
           </p:nvSpPr>
           <p:spPr>
-            <a:xfrm rot="0">
+            <a:xfrm>
               <a:off x="0" y="329565"/>
               <a:ext cx="18736711" cy="2543175"/>
             </a:xfrm>
@@ -9926,7 +10036,7 @@
             </a:prstGeom>
           </p:spPr>
           <p:txBody>
-            <a:bodyPr anchor="t" rtlCol="false" tIns="0" lIns="0" bIns="0" rIns="0">
+            <a:bodyPr lIns="0" tIns="0" rIns="0" bIns="0" rtlCol="0" anchor="t">
               <a:spAutoFit/>
             </a:bodyPr>
             <a:lstStyle/>
@@ -9950,12 +10060,12 @@
         </p:sp>
         <p:sp>
           <p:nvSpPr>
-            <p:cNvPr name="TextBox 17" id="17"/>
-            <p:cNvSpPr txBox="true"/>
+            <p:cNvPr id="17" name="TextBox 17"/>
+            <p:cNvSpPr txBox="1"/>
             <p:nvPr/>
           </p:nvSpPr>
           <p:spPr>
-            <a:xfrm rot="0">
+            <a:xfrm>
               <a:off x="3934985" y="3345890"/>
               <a:ext cx="10866741" cy="647700"/>
             </a:xfrm>
@@ -9964,7 +10074,7 @@
             </a:prstGeom>
           </p:spPr>
           <p:txBody>
-            <a:bodyPr anchor="t" rtlCol="false" tIns="0" lIns="0" bIns="0" rIns="0">
+            <a:bodyPr lIns="0" tIns="0" rIns="0" bIns="0" rtlCol="0" anchor="t">
               <a:spAutoFit/>
             </a:bodyPr>
             <a:lstStyle/>
@@ -9974,6 +10084,7 @@
                   <a:spcPts val="3900"/>
                 </a:lnSpc>
               </a:pPr>
+              <a:endParaRPr/>
             </a:p>
           </p:txBody>
         </p:sp>
@@ -9987,13 +10098,14 @@
 </file>
 
 <file path=ppt/slides/slide2.xml><?xml version="1.0" encoding="utf-8"?>
-<p:sld xmlns:p="http://schemas.openxmlformats.org/presentationml/2006/main" xmlns:a="http://schemas.openxmlformats.org/drawingml/2006/main" xmlns:r="http://schemas.openxmlformats.org/officeDocument/2006/relationships">
+<p:sld xmlns:a="http://schemas.openxmlformats.org/drawingml/2006/main" xmlns:r="http://schemas.openxmlformats.org/officeDocument/2006/relationships" xmlns:p="http://schemas.openxmlformats.org/presentationml/2006/main">
   <p:cSld>
     <p:bg>
       <p:bgPr>
         <a:solidFill>
           <a:srgbClr val="F4F4F4"/>
         </a:solidFill>
+        <a:effectLst/>
       </p:bgPr>
     </p:bg>
     <p:spTree>
@@ -10012,12 +10124,12 @@
       </p:grpSpPr>
       <p:sp>
         <p:nvSpPr>
-          <p:cNvPr name="Freeform 2" id="2"/>
+          <p:cNvPr id="2" name="Freeform 2"/>
           <p:cNvSpPr/>
           <p:nvPr/>
         </p:nvSpPr>
         <p:spPr>
-          <a:xfrm flipH="false" flipV="false" rot="0">
+          <a:xfrm>
             <a:off x="17259300" y="276167"/>
             <a:ext cx="7574892" cy="3401815"/>
           </a:xfrm>
@@ -10026,9 +10138,9 @@
             <a:gdLst/>
             <a:ahLst/>
             <a:cxnLst/>
-            <a:rect r="r" b="b" t="t" l="l"/>
+            <a:rect l="l" t="t" r="r" b="b"/>
             <a:pathLst>
-              <a:path h="3401815" w="7574892">
+              <a:path w="7574892" h="3401815">
                 <a:moveTo>
                   <a:pt x="0" y="0"/>
                 </a:moveTo>
@@ -10057,19 +10169,19 @@
               </a:extLst>
             </a:blip>
             <a:stretch>
-              <a:fillRect l="0" t="0" r="0" b="0"/>
+              <a:fillRect/>
             </a:stretch>
           </a:blipFill>
         </p:spPr>
       </p:sp>
       <p:grpSp>
         <p:nvGrpSpPr>
-          <p:cNvPr name="Group 3" id="3"/>
+          <p:cNvPr id="3" name="Group 3"/>
           <p:cNvGrpSpPr/>
           <p:nvPr/>
         </p:nvGrpSpPr>
         <p:grpSpPr>
-          <a:xfrm rot="0">
+          <a:xfrm>
             <a:off x="1306896" y="3335505"/>
             <a:ext cx="15674207" cy="5460169"/>
             <a:chOff x="0" y="0"/>
@@ -10078,14 +10190,14 @@
         </p:grpSpPr>
         <p:grpSp>
           <p:nvGrpSpPr>
-            <p:cNvPr name="Group 4" id="4"/>
+            <p:cNvPr id="4" name="Group 4"/>
             <p:cNvGrpSpPr>
-              <a:grpSpLocks noChangeAspect="true"/>
+              <a:grpSpLocks noChangeAspect="1"/>
             </p:cNvGrpSpPr>
             <p:nvPr/>
           </p:nvGrpSpPr>
           <p:grpSpPr>
-            <a:xfrm rot="0">
+            <a:xfrm>
               <a:off x="617142" y="479729"/>
               <a:ext cx="20281801" cy="6800497"/>
               <a:chOff x="0" y="0"/>
@@ -10094,12 +10206,12 @@
           </p:grpSpPr>
           <p:sp>
             <p:nvSpPr>
-              <p:cNvPr name="Freeform 5" id="5"/>
+              <p:cNvPr id="5" name="Freeform 5"/>
               <p:cNvSpPr/>
               <p:nvPr/>
             </p:nvSpPr>
             <p:spPr>
-              <a:xfrm flipH="false" flipV="false" rot="0">
+              <a:xfrm>
                 <a:off x="27940" y="27940"/>
                 <a:ext cx="18882360" cy="918210"/>
               </a:xfrm>
@@ -10108,9 +10220,9 @@
                 <a:gdLst/>
                 <a:ahLst/>
                 <a:cxnLst/>
-                <a:rect r="r" b="b" t="t" l="l"/>
+                <a:rect l="l" t="t" r="r" b="b"/>
                 <a:pathLst>
-                  <a:path h="918210" w="18882360">
+                  <a:path w="18882360" h="918210">
                     <a:moveTo>
                       <a:pt x="18882360" y="918210"/>
                     </a:moveTo>
@@ -10152,12 +10264,12 @@
           </p:sp>
           <p:sp>
             <p:nvSpPr>
-              <p:cNvPr name="Freeform 6" id="6"/>
+              <p:cNvPr id="6" name="Freeform 6"/>
               <p:cNvSpPr/>
               <p:nvPr/>
             </p:nvSpPr>
             <p:spPr>
-              <a:xfrm flipH="false" flipV="false" rot="0">
+              <a:xfrm>
                 <a:off x="27940" y="944880"/>
                 <a:ext cx="18882360" cy="5377180"/>
               </a:xfrm>
@@ -10166,9 +10278,9 @@
                 <a:gdLst/>
                 <a:ahLst/>
                 <a:cxnLst/>
-                <a:rect r="r" b="b" t="t" l="l"/>
+                <a:rect l="l" t="t" r="r" b="b"/>
                 <a:pathLst>
-                  <a:path h="5377180" w="18882360">
+                  <a:path w="18882360" h="5377180">
                     <a:moveTo>
                       <a:pt x="9331960" y="0"/>
                     </a:moveTo>
@@ -10218,12 +10330,12 @@
           </p:sp>
           <p:sp>
             <p:nvSpPr>
-              <p:cNvPr name="Freeform 7" id="7"/>
+              <p:cNvPr id="7" name="Freeform 7"/>
               <p:cNvSpPr/>
               <p:nvPr/>
             </p:nvSpPr>
             <p:spPr>
-              <a:xfrm flipH="false" flipV="false" rot="0">
+              <a:xfrm>
                 <a:off x="499110" y="299720"/>
                 <a:ext cx="1515110" cy="368300"/>
               </a:xfrm>
@@ -10232,9 +10344,9 @@
                 <a:gdLst/>
                 <a:ahLst/>
                 <a:cxnLst/>
-                <a:rect r="r" b="b" t="t" l="l"/>
+                <a:rect l="l" t="t" r="r" b="b"/>
                 <a:pathLst>
-                  <a:path h="368300" w="1515110">
+                  <a:path w="1515110" h="368300">
                     <a:moveTo>
                       <a:pt x="184150" y="0"/>
                     </a:moveTo>
@@ -10317,12 +10429,12 @@
           </p:sp>
           <p:sp>
             <p:nvSpPr>
-              <p:cNvPr name="Freeform 8" id="8"/>
+              <p:cNvPr id="8" name="Freeform 8"/>
               <p:cNvSpPr/>
               <p:nvPr/>
             </p:nvSpPr>
             <p:spPr>
-              <a:xfrm flipH="false" flipV="false" rot="0">
+              <a:xfrm>
                 <a:off x="0" y="0"/>
                 <a:ext cx="18939511" cy="6350000"/>
               </a:xfrm>
@@ -10331,9 +10443,9 @@
                 <a:gdLst/>
                 <a:ahLst/>
                 <a:cxnLst/>
-                <a:rect r="r" b="b" t="t" l="l"/>
+                <a:rect l="l" t="t" r="r" b="b"/>
                 <a:pathLst>
-                  <a:path h="6350000" w="18939511">
+                  <a:path w="18939511" h="6350000">
                     <a:moveTo>
                       <a:pt x="18464530" y="0"/>
                     </a:moveTo>
@@ -10657,14 +10769,14 @@
         </p:grpSp>
         <p:grpSp>
           <p:nvGrpSpPr>
-            <p:cNvPr name="Group 9" id="9"/>
+            <p:cNvPr id="9" name="Group 9"/>
             <p:cNvGrpSpPr>
-              <a:grpSpLocks noChangeAspect="true"/>
+              <a:grpSpLocks noChangeAspect="1"/>
             </p:cNvGrpSpPr>
             <p:nvPr/>
           </p:nvGrpSpPr>
           <p:grpSpPr>
-            <a:xfrm rot="0">
+            <a:xfrm>
               <a:off x="0" y="0"/>
               <a:ext cx="20281801" cy="6800497"/>
               <a:chOff x="0" y="0"/>
@@ -10673,12 +10785,12 @@
           </p:grpSpPr>
           <p:sp>
             <p:nvSpPr>
-              <p:cNvPr name="Freeform 10" id="10"/>
+              <p:cNvPr id="10" name="Freeform 10"/>
               <p:cNvSpPr/>
               <p:nvPr/>
             </p:nvSpPr>
             <p:spPr>
-              <a:xfrm flipH="false" flipV="false" rot="0">
+              <a:xfrm>
                 <a:off x="27940" y="27940"/>
                 <a:ext cx="18882360" cy="918210"/>
               </a:xfrm>
@@ -10687,9 +10799,9 @@
                 <a:gdLst/>
                 <a:ahLst/>
                 <a:cxnLst/>
-                <a:rect r="r" b="b" t="t" l="l"/>
+                <a:rect l="l" t="t" r="r" b="b"/>
                 <a:pathLst>
-                  <a:path h="918210" w="18882360">
+                  <a:path w="18882360" h="918210">
                     <a:moveTo>
                       <a:pt x="18882360" y="918210"/>
                     </a:moveTo>
@@ -10731,12 +10843,12 @@
           </p:sp>
           <p:sp>
             <p:nvSpPr>
-              <p:cNvPr name="Freeform 11" id="11"/>
+              <p:cNvPr id="11" name="Freeform 11"/>
               <p:cNvSpPr/>
               <p:nvPr/>
             </p:nvSpPr>
             <p:spPr>
-              <a:xfrm flipH="false" flipV="false" rot="0">
+              <a:xfrm>
                 <a:off x="27940" y="944880"/>
                 <a:ext cx="18882360" cy="5377180"/>
               </a:xfrm>
@@ -10745,9 +10857,9 @@
                 <a:gdLst/>
                 <a:ahLst/>
                 <a:cxnLst/>
-                <a:rect r="r" b="b" t="t" l="l"/>
+                <a:rect l="l" t="t" r="r" b="b"/>
                 <a:pathLst>
-                  <a:path h="5377180" w="18882360">
+                  <a:path w="18882360" h="5377180">
                     <a:moveTo>
                       <a:pt x="9331960" y="0"/>
                     </a:moveTo>
@@ -10797,12 +10909,12 @@
           </p:sp>
           <p:sp>
             <p:nvSpPr>
-              <p:cNvPr name="Freeform 12" id="12"/>
+              <p:cNvPr id="12" name="Freeform 12"/>
               <p:cNvSpPr/>
               <p:nvPr/>
             </p:nvSpPr>
             <p:spPr>
-              <a:xfrm flipH="false" flipV="false" rot="0">
+              <a:xfrm>
                 <a:off x="499110" y="299720"/>
                 <a:ext cx="1515110" cy="368300"/>
               </a:xfrm>
@@ -10811,9 +10923,9 @@
                 <a:gdLst/>
                 <a:ahLst/>
                 <a:cxnLst/>
-                <a:rect r="r" b="b" t="t" l="l"/>
+                <a:rect l="l" t="t" r="r" b="b"/>
                 <a:pathLst>
-                  <a:path h="368300" w="1515110">
+                  <a:path w="1515110" h="368300">
                     <a:moveTo>
                       <a:pt x="184150" y="0"/>
                     </a:moveTo>
@@ -10896,12 +11008,12 @@
           </p:sp>
           <p:sp>
             <p:nvSpPr>
-              <p:cNvPr name="Freeform 13" id="13"/>
+              <p:cNvPr id="13" name="Freeform 13"/>
               <p:cNvSpPr/>
               <p:nvPr/>
             </p:nvSpPr>
             <p:spPr>
-              <a:xfrm flipH="false" flipV="false" rot="0">
+              <a:xfrm>
                 <a:off x="0" y="0"/>
                 <a:ext cx="18939511" cy="6350000"/>
               </a:xfrm>
@@ -10910,9 +11022,9 @@
                 <a:gdLst/>
                 <a:ahLst/>
                 <a:cxnLst/>
-                <a:rect r="r" b="b" t="t" l="l"/>
+                <a:rect l="l" t="t" r="r" b="b"/>
                 <a:pathLst>
-                  <a:path h="6350000" w="18939511">
+                  <a:path w="18939511" h="6350000">
                     <a:moveTo>
                       <a:pt x="18464530" y="0"/>
                     </a:moveTo>
@@ -11237,12 +11349,12 @@
       </p:grpSp>
       <p:sp>
         <p:nvSpPr>
-          <p:cNvPr name="TextBox 14" id="14"/>
-          <p:cNvSpPr txBox="true"/>
+          <p:cNvPr id="14" name="TextBox 14"/>
+          <p:cNvSpPr txBox="1"/>
           <p:nvPr/>
         </p:nvSpPr>
         <p:spPr>
-          <a:xfrm rot="0">
+          <a:xfrm>
             <a:off x="1886305" y="5133113"/>
             <a:ext cx="14052533" cy="1833880"/>
           </a:xfrm>
@@ -11251,7 +11363,7 @@
           </a:prstGeom>
         </p:spPr>
         <p:txBody>
-          <a:bodyPr anchor="t" rtlCol="false" tIns="0" lIns="0" bIns="0" rIns="0">
+          <a:bodyPr lIns="0" tIns="0" rIns="0" bIns="0" rtlCol="0" anchor="t">
             <a:spAutoFit/>
           </a:bodyPr>
           <a:lstStyle/>
@@ -11291,12 +11403,12 @@
       </p:sp>
       <p:grpSp>
         <p:nvGrpSpPr>
-          <p:cNvPr name="Group 15" id="15"/>
+          <p:cNvPr id="15" name="Group 15"/>
           <p:cNvGrpSpPr/>
           <p:nvPr/>
         </p:nvGrpSpPr>
         <p:grpSpPr>
-          <a:xfrm rot="0">
+          <a:xfrm>
             <a:off x="1306896" y="1273702"/>
             <a:ext cx="15559849" cy="1404363"/>
             <a:chOff x="0" y="0"/>
@@ -11305,12 +11417,12 @@
         </p:grpSpPr>
         <p:sp>
           <p:nvSpPr>
-            <p:cNvPr name="Freeform 16" id="16"/>
+            <p:cNvPr id="16" name="Freeform 16"/>
             <p:cNvSpPr/>
             <p:nvPr/>
           </p:nvSpPr>
           <p:spPr>
-            <a:xfrm flipH="false" flipV="false" rot="0">
+            <a:xfrm>
               <a:off x="31750" y="31750"/>
               <a:ext cx="16950810" cy="1472137"/>
             </a:xfrm>
@@ -11319,9 +11431,9 @@
               <a:gdLst/>
               <a:ahLst/>
               <a:cxnLst/>
-              <a:rect r="r" b="b" t="t" l="l"/>
+              <a:rect l="l" t="t" r="r" b="b"/>
               <a:pathLst>
-                <a:path h="1472137" w="16950810">
+                <a:path w="16950810" h="1472137">
                   <a:moveTo>
                     <a:pt x="16858100" y="1472137"/>
                   </a:moveTo>
@@ -11368,12 +11480,12 @@
         </p:sp>
         <p:sp>
           <p:nvSpPr>
-            <p:cNvPr name="Freeform 17" id="17"/>
+            <p:cNvPr id="17" name="Freeform 17"/>
             <p:cNvSpPr/>
             <p:nvPr/>
           </p:nvSpPr>
           <p:spPr>
-            <a:xfrm flipH="false" flipV="false" rot="0">
+            <a:xfrm>
               <a:off x="0" y="0"/>
               <a:ext cx="17014310" cy="1535637"/>
             </a:xfrm>
@@ -11382,9 +11494,9 @@
               <a:gdLst/>
               <a:ahLst/>
               <a:cxnLst/>
-              <a:rect r="r" b="b" t="t" l="l"/>
+              <a:rect l="l" t="t" r="r" b="b"/>
               <a:pathLst>
-                <a:path h="1535637" w="17014310">
+                <a:path w="17014310" h="1535637">
                   <a:moveTo>
                     <a:pt x="16889850" y="59690"/>
                   </a:moveTo>
@@ -11467,12 +11579,12 @@
       </p:grpSp>
       <p:sp>
         <p:nvSpPr>
-          <p:cNvPr name="TextBox 18" id="18"/>
-          <p:cNvSpPr txBox="true"/>
+          <p:cNvPr id="18" name="TextBox 18"/>
+          <p:cNvSpPr txBox="1"/>
           <p:nvPr/>
         </p:nvSpPr>
         <p:spPr>
-          <a:xfrm rot="0">
+          <a:xfrm>
             <a:off x="1886305" y="1438594"/>
             <a:ext cx="9210023" cy="962660"/>
           </a:xfrm>
@@ -11481,7 +11593,7 @@
           </a:prstGeom>
         </p:spPr>
         <p:txBody>
-          <a:bodyPr anchor="t" rtlCol="false" tIns="0" lIns="0" bIns="0" rIns="0">
+          <a:bodyPr lIns="0" tIns="0" rIns="0" bIns="0" rtlCol="0" anchor="t">
             <a:spAutoFit/>
           </a:bodyPr>
           <a:lstStyle/>
@@ -11505,12 +11617,12 @@
       </p:sp>
       <p:sp>
         <p:nvSpPr>
-          <p:cNvPr name="Freeform 19" id="19"/>
+          <p:cNvPr id="19" name="Freeform 19"/>
           <p:cNvSpPr/>
           <p:nvPr/>
         </p:nvSpPr>
         <p:spPr>
-          <a:xfrm flipH="false" flipV="false" rot="0">
+          <a:xfrm>
             <a:off x="15461386" y="1498431"/>
             <a:ext cx="954906" cy="954906"/>
           </a:xfrm>
@@ -11519,9 +11631,9 @@
             <a:gdLst/>
             <a:ahLst/>
             <a:cxnLst/>
-            <a:rect r="r" b="b" t="t" l="l"/>
+            <a:rect l="l" t="t" r="r" b="b"/>
             <a:pathLst>
-              <a:path h="954906" w="954906">
+              <a:path w="954906" h="954906">
                 <a:moveTo>
                   <a:pt x="0" y="0"/>
                 </a:moveTo>
@@ -11550,7 +11662,7 @@
               </a:extLst>
             </a:blip>
             <a:stretch>
-              <a:fillRect l="0" t="0" r="0" b="0"/>
+              <a:fillRect/>
             </a:stretch>
           </a:blipFill>
         </p:spPr>
@@ -11564,13 +11676,14 @@
 </file>
 
 <file path=ppt/slides/slide3.xml><?xml version="1.0" encoding="utf-8"?>
-<p:sld xmlns:p="http://schemas.openxmlformats.org/presentationml/2006/main" xmlns:a="http://schemas.openxmlformats.org/drawingml/2006/main" xmlns:r="http://schemas.openxmlformats.org/officeDocument/2006/relationships">
+<p:sld xmlns:a="http://schemas.openxmlformats.org/drawingml/2006/main" xmlns:r="http://schemas.openxmlformats.org/officeDocument/2006/relationships" xmlns:p="http://schemas.openxmlformats.org/presentationml/2006/main">
   <p:cSld>
     <p:bg>
       <p:bgPr>
         <a:solidFill>
           <a:srgbClr val="F4F4F4"/>
         </a:solidFill>
+        <a:effectLst/>
       </p:bgPr>
     </p:bg>
     <p:spTree>
@@ -11589,12 +11702,12 @@
       </p:grpSpPr>
       <p:sp>
         <p:nvSpPr>
-          <p:cNvPr name="Freeform 2" id="2"/>
+          <p:cNvPr id="2" name="Freeform 2"/>
           <p:cNvSpPr/>
           <p:nvPr/>
         </p:nvSpPr>
         <p:spPr>
-          <a:xfrm flipH="false" flipV="false" rot="0">
+          <a:xfrm>
             <a:off x="17259300" y="276167"/>
             <a:ext cx="7574892" cy="3401815"/>
           </a:xfrm>
@@ -11603,9 +11716,9 @@
             <a:gdLst/>
             <a:ahLst/>
             <a:cxnLst/>
-            <a:rect r="r" b="b" t="t" l="l"/>
+            <a:rect l="l" t="t" r="r" b="b"/>
             <a:pathLst>
-              <a:path h="3401815" w="7574892">
+              <a:path w="7574892" h="3401815">
                 <a:moveTo>
                   <a:pt x="0" y="0"/>
                 </a:moveTo>
@@ -11634,19 +11747,19 @@
               </a:extLst>
             </a:blip>
             <a:stretch>
-              <a:fillRect l="0" t="0" r="0" b="0"/>
+              <a:fillRect/>
             </a:stretch>
           </a:blipFill>
         </p:spPr>
       </p:sp>
       <p:grpSp>
         <p:nvGrpSpPr>
-          <p:cNvPr name="Group 3" id="3"/>
+          <p:cNvPr id="3" name="Group 3"/>
           <p:cNvGrpSpPr/>
           <p:nvPr/>
         </p:nvGrpSpPr>
         <p:grpSpPr>
-          <a:xfrm rot="0">
+          <a:xfrm>
             <a:off x="1306896" y="3335505"/>
             <a:ext cx="15674207" cy="5460169"/>
             <a:chOff x="0" y="0"/>
@@ -11655,14 +11768,14 @@
         </p:grpSpPr>
         <p:grpSp>
           <p:nvGrpSpPr>
-            <p:cNvPr name="Group 4" id="4"/>
+            <p:cNvPr id="4" name="Group 4"/>
             <p:cNvGrpSpPr>
-              <a:grpSpLocks noChangeAspect="true"/>
+              <a:grpSpLocks noChangeAspect="1"/>
             </p:cNvGrpSpPr>
             <p:nvPr/>
           </p:nvGrpSpPr>
           <p:grpSpPr>
-            <a:xfrm rot="0">
+            <a:xfrm>
               <a:off x="617142" y="479729"/>
               <a:ext cx="20281801" cy="6800497"/>
               <a:chOff x="0" y="0"/>
@@ -11671,12 +11784,12 @@
           </p:grpSpPr>
           <p:sp>
             <p:nvSpPr>
-              <p:cNvPr name="Freeform 5" id="5"/>
+              <p:cNvPr id="5" name="Freeform 5"/>
               <p:cNvSpPr/>
               <p:nvPr/>
             </p:nvSpPr>
             <p:spPr>
-              <a:xfrm flipH="false" flipV="false" rot="0">
+              <a:xfrm>
                 <a:off x="27940" y="27940"/>
                 <a:ext cx="18882360" cy="918210"/>
               </a:xfrm>
@@ -11685,9 +11798,9 @@
                 <a:gdLst/>
                 <a:ahLst/>
                 <a:cxnLst/>
-                <a:rect r="r" b="b" t="t" l="l"/>
+                <a:rect l="l" t="t" r="r" b="b"/>
                 <a:pathLst>
-                  <a:path h="918210" w="18882360">
+                  <a:path w="18882360" h="918210">
                     <a:moveTo>
                       <a:pt x="18882360" y="918210"/>
                     </a:moveTo>
@@ -11729,12 +11842,12 @@
           </p:sp>
           <p:sp>
             <p:nvSpPr>
-              <p:cNvPr name="Freeform 6" id="6"/>
+              <p:cNvPr id="6" name="Freeform 6"/>
               <p:cNvSpPr/>
               <p:nvPr/>
             </p:nvSpPr>
             <p:spPr>
-              <a:xfrm flipH="false" flipV="false" rot="0">
+              <a:xfrm>
                 <a:off x="27940" y="944880"/>
                 <a:ext cx="18882360" cy="5377180"/>
               </a:xfrm>
@@ -11743,9 +11856,9 @@
                 <a:gdLst/>
                 <a:ahLst/>
                 <a:cxnLst/>
-                <a:rect r="r" b="b" t="t" l="l"/>
+                <a:rect l="l" t="t" r="r" b="b"/>
                 <a:pathLst>
-                  <a:path h="5377180" w="18882360">
+                  <a:path w="18882360" h="5377180">
                     <a:moveTo>
                       <a:pt x="9331960" y="0"/>
                     </a:moveTo>
@@ -11795,12 +11908,12 @@
           </p:sp>
           <p:sp>
             <p:nvSpPr>
-              <p:cNvPr name="Freeform 7" id="7"/>
+              <p:cNvPr id="7" name="Freeform 7"/>
               <p:cNvSpPr/>
               <p:nvPr/>
             </p:nvSpPr>
             <p:spPr>
-              <a:xfrm flipH="false" flipV="false" rot="0">
+              <a:xfrm>
                 <a:off x="499110" y="299720"/>
                 <a:ext cx="1515110" cy="368300"/>
               </a:xfrm>
@@ -11809,9 +11922,9 @@
                 <a:gdLst/>
                 <a:ahLst/>
                 <a:cxnLst/>
-                <a:rect r="r" b="b" t="t" l="l"/>
+                <a:rect l="l" t="t" r="r" b="b"/>
                 <a:pathLst>
-                  <a:path h="368300" w="1515110">
+                  <a:path w="1515110" h="368300">
                     <a:moveTo>
                       <a:pt x="184150" y="0"/>
                     </a:moveTo>
@@ -11894,12 +12007,12 @@
           </p:sp>
           <p:sp>
             <p:nvSpPr>
-              <p:cNvPr name="Freeform 8" id="8"/>
+              <p:cNvPr id="8" name="Freeform 8"/>
               <p:cNvSpPr/>
               <p:nvPr/>
             </p:nvSpPr>
             <p:spPr>
-              <a:xfrm flipH="false" flipV="false" rot="0">
+              <a:xfrm>
                 <a:off x="0" y="0"/>
                 <a:ext cx="18939511" cy="6350000"/>
               </a:xfrm>
@@ -11908,9 +12021,9 @@
                 <a:gdLst/>
                 <a:ahLst/>
                 <a:cxnLst/>
-                <a:rect r="r" b="b" t="t" l="l"/>
+                <a:rect l="l" t="t" r="r" b="b"/>
                 <a:pathLst>
-                  <a:path h="6350000" w="18939511">
+                  <a:path w="18939511" h="6350000">
                     <a:moveTo>
                       <a:pt x="18464530" y="0"/>
                     </a:moveTo>
@@ -12234,14 +12347,14 @@
         </p:grpSp>
         <p:grpSp>
           <p:nvGrpSpPr>
-            <p:cNvPr name="Group 9" id="9"/>
+            <p:cNvPr id="9" name="Group 9"/>
             <p:cNvGrpSpPr>
-              <a:grpSpLocks noChangeAspect="true"/>
+              <a:grpSpLocks noChangeAspect="1"/>
             </p:cNvGrpSpPr>
             <p:nvPr/>
           </p:nvGrpSpPr>
           <p:grpSpPr>
-            <a:xfrm rot="0">
+            <a:xfrm>
               <a:off x="0" y="0"/>
               <a:ext cx="20281801" cy="6800497"/>
               <a:chOff x="0" y="0"/>
@@ -12250,12 +12363,12 @@
           </p:grpSpPr>
           <p:sp>
             <p:nvSpPr>
-              <p:cNvPr name="Freeform 10" id="10"/>
+              <p:cNvPr id="10" name="Freeform 10"/>
               <p:cNvSpPr/>
               <p:nvPr/>
             </p:nvSpPr>
             <p:spPr>
-              <a:xfrm flipH="false" flipV="false" rot="0">
+              <a:xfrm>
                 <a:off x="27940" y="27940"/>
                 <a:ext cx="18882360" cy="918210"/>
               </a:xfrm>
@@ -12264,9 +12377,9 @@
                 <a:gdLst/>
                 <a:ahLst/>
                 <a:cxnLst/>
-                <a:rect r="r" b="b" t="t" l="l"/>
+                <a:rect l="l" t="t" r="r" b="b"/>
                 <a:pathLst>
-                  <a:path h="918210" w="18882360">
+                  <a:path w="18882360" h="918210">
                     <a:moveTo>
                       <a:pt x="18882360" y="918210"/>
                     </a:moveTo>
@@ -12308,12 +12421,12 @@
           </p:sp>
           <p:sp>
             <p:nvSpPr>
-              <p:cNvPr name="Freeform 11" id="11"/>
+              <p:cNvPr id="11" name="Freeform 11"/>
               <p:cNvSpPr/>
               <p:nvPr/>
             </p:nvSpPr>
             <p:spPr>
-              <a:xfrm flipH="false" flipV="false" rot="0">
+              <a:xfrm>
                 <a:off x="27940" y="944880"/>
                 <a:ext cx="18882360" cy="5377180"/>
               </a:xfrm>
@@ -12322,9 +12435,9 @@
                 <a:gdLst/>
                 <a:ahLst/>
                 <a:cxnLst/>
-                <a:rect r="r" b="b" t="t" l="l"/>
+                <a:rect l="l" t="t" r="r" b="b"/>
                 <a:pathLst>
-                  <a:path h="5377180" w="18882360">
+                  <a:path w="18882360" h="5377180">
                     <a:moveTo>
                       <a:pt x="9331960" y="0"/>
                     </a:moveTo>
@@ -12374,12 +12487,12 @@
           </p:sp>
           <p:sp>
             <p:nvSpPr>
-              <p:cNvPr name="Freeform 12" id="12"/>
+              <p:cNvPr id="12" name="Freeform 12"/>
               <p:cNvSpPr/>
               <p:nvPr/>
             </p:nvSpPr>
             <p:spPr>
-              <a:xfrm flipH="false" flipV="false" rot="0">
+              <a:xfrm>
                 <a:off x="499110" y="299720"/>
                 <a:ext cx="1515110" cy="368300"/>
               </a:xfrm>
@@ -12388,9 +12501,9 @@
                 <a:gdLst/>
                 <a:ahLst/>
                 <a:cxnLst/>
-                <a:rect r="r" b="b" t="t" l="l"/>
+                <a:rect l="l" t="t" r="r" b="b"/>
                 <a:pathLst>
-                  <a:path h="368300" w="1515110">
+                  <a:path w="1515110" h="368300">
                     <a:moveTo>
                       <a:pt x="184150" y="0"/>
                     </a:moveTo>
@@ -12473,12 +12586,12 @@
           </p:sp>
           <p:sp>
             <p:nvSpPr>
-              <p:cNvPr name="Freeform 13" id="13"/>
+              <p:cNvPr id="13" name="Freeform 13"/>
               <p:cNvSpPr/>
               <p:nvPr/>
             </p:nvSpPr>
             <p:spPr>
-              <a:xfrm flipH="false" flipV="false" rot="0">
+              <a:xfrm>
                 <a:off x="0" y="0"/>
                 <a:ext cx="18939511" cy="6350000"/>
               </a:xfrm>
@@ -12487,9 +12600,9 @@
                 <a:gdLst/>
                 <a:ahLst/>
                 <a:cxnLst/>
-                <a:rect r="r" b="b" t="t" l="l"/>
+                <a:rect l="l" t="t" r="r" b="b"/>
                 <a:pathLst>
-                  <a:path h="6350000" w="18939511">
+                  <a:path w="18939511" h="6350000">
                     <a:moveTo>
                       <a:pt x="18464530" y="0"/>
                     </a:moveTo>
@@ -12814,12 +12927,12 @@
       </p:grpSp>
       <p:sp>
         <p:nvSpPr>
-          <p:cNvPr name="TextBox 14" id="14"/>
-          <p:cNvSpPr txBox="true"/>
+          <p:cNvPr id="14" name="TextBox 14"/>
+          <p:cNvSpPr txBox="1"/>
           <p:nvPr/>
         </p:nvSpPr>
         <p:spPr>
-          <a:xfrm rot="0">
+          <a:xfrm>
             <a:off x="2184089" y="4772650"/>
             <a:ext cx="7907354" cy="1833880"/>
           </a:xfrm>
@@ -12828,7 +12941,7 @@
           </a:prstGeom>
         </p:spPr>
         <p:txBody>
-          <a:bodyPr anchor="t" rtlCol="false" tIns="0" lIns="0" bIns="0" rIns="0">
+          <a:bodyPr lIns="0" tIns="0" rIns="0" bIns="0" rtlCol="0" anchor="t">
             <a:spAutoFit/>
           </a:bodyPr>
           <a:lstStyle/>
@@ -12854,17 +12967,23 @@
                 <a:spcPts val="7280"/>
               </a:lnSpc>
             </a:pPr>
+            <a:endParaRPr lang="en-US" sz="5600">
+              <a:solidFill>
+                <a:srgbClr val="000000"/>
+              </a:solidFill>
+              <a:latin typeface="Be Vietnam"/>
+            </a:endParaRPr>
           </a:p>
         </p:txBody>
       </p:sp>
       <p:grpSp>
         <p:nvGrpSpPr>
-          <p:cNvPr name="Group 15" id="15"/>
+          <p:cNvPr id="15" name="Group 15"/>
           <p:cNvGrpSpPr/>
           <p:nvPr/>
         </p:nvGrpSpPr>
         <p:grpSpPr>
-          <a:xfrm rot="0">
+          <a:xfrm>
             <a:off x="1306896" y="1273702"/>
             <a:ext cx="15559849" cy="1404363"/>
             <a:chOff x="0" y="0"/>
@@ -12873,12 +12992,12 @@
         </p:grpSpPr>
         <p:sp>
           <p:nvSpPr>
-            <p:cNvPr name="Freeform 16" id="16"/>
+            <p:cNvPr id="16" name="Freeform 16"/>
             <p:cNvSpPr/>
             <p:nvPr/>
           </p:nvSpPr>
           <p:spPr>
-            <a:xfrm flipH="false" flipV="false" rot="0">
+            <a:xfrm>
               <a:off x="31750" y="31750"/>
               <a:ext cx="16950810" cy="1472137"/>
             </a:xfrm>
@@ -12887,9 +13006,9 @@
               <a:gdLst/>
               <a:ahLst/>
               <a:cxnLst/>
-              <a:rect r="r" b="b" t="t" l="l"/>
+              <a:rect l="l" t="t" r="r" b="b"/>
               <a:pathLst>
-                <a:path h="1472137" w="16950810">
+                <a:path w="16950810" h="1472137">
                   <a:moveTo>
                     <a:pt x="16858100" y="1472137"/>
                   </a:moveTo>
@@ -12936,12 +13055,12 @@
         </p:sp>
         <p:sp>
           <p:nvSpPr>
-            <p:cNvPr name="Freeform 17" id="17"/>
+            <p:cNvPr id="17" name="Freeform 17"/>
             <p:cNvSpPr/>
             <p:nvPr/>
           </p:nvSpPr>
           <p:spPr>
-            <a:xfrm flipH="false" flipV="false" rot="0">
+            <a:xfrm>
               <a:off x="0" y="0"/>
               <a:ext cx="17014310" cy="1535637"/>
             </a:xfrm>
@@ -12950,9 +13069,9 @@
               <a:gdLst/>
               <a:ahLst/>
               <a:cxnLst/>
-              <a:rect r="r" b="b" t="t" l="l"/>
+              <a:rect l="l" t="t" r="r" b="b"/>
               <a:pathLst>
-                <a:path h="1535637" w="17014310">
+                <a:path w="17014310" h="1535637">
                   <a:moveTo>
                     <a:pt x="16889850" y="59690"/>
                   </a:moveTo>
@@ -13035,12 +13154,12 @@
       </p:grpSp>
       <p:sp>
         <p:nvSpPr>
-          <p:cNvPr name="TextBox 18" id="18"/>
-          <p:cNvSpPr txBox="true"/>
+          <p:cNvPr id="18" name="TextBox 18"/>
+          <p:cNvSpPr txBox="1"/>
           <p:nvPr/>
         </p:nvSpPr>
         <p:spPr>
-          <a:xfrm rot="0">
+          <a:xfrm>
             <a:off x="1886305" y="1438594"/>
             <a:ext cx="9210023" cy="962660"/>
           </a:xfrm>
@@ -13049,7 +13168,7 @@
           </a:prstGeom>
         </p:spPr>
         <p:txBody>
-          <a:bodyPr anchor="t" rtlCol="false" tIns="0" lIns="0" bIns="0" rIns="0">
+          <a:bodyPr lIns="0" tIns="0" rIns="0" bIns="0" rtlCol="0" anchor="t">
             <a:spAutoFit/>
           </a:bodyPr>
           <a:lstStyle/>
@@ -13073,12 +13192,12 @@
       </p:sp>
       <p:sp>
         <p:nvSpPr>
-          <p:cNvPr name="Freeform 19" id="19"/>
+          <p:cNvPr id="19" name="Freeform 19"/>
           <p:cNvSpPr/>
           <p:nvPr/>
         </p:nvSpPr>
         <p:spPr>
-          <a:xfrm flipH="false" flipV="false" rot="0">
+          <a:xfrm>
             <a:off x="15461386" y="1498431"/>
             <a:ext cx="954906" cy="954906"/>
           </a:xfrm>
@@ -13087,9 +13206,9 @@
             <a:gdLst/>
             <a:ahLst/>
             <a:cxnLst/>
-            <a:rect r="r" b="b" t="t" l="l"/>
+            <a:rect l="l" t="t" r="r" b="b"/>
             <a:pathLst>
-              <a:path h="954906" w="954906">
+              <a:path w="954906" h="954906">
                 <a:moveTo>
                   <a:pt x="0" y="0"/>
                 </a:moveTo>
@@ -13118,19 +13237,19 @@
               </a:extLst>
             </a:blip>
             <a:stretch>
-              <a:fillRect l="0" t="0" r="0" b="0"/>
+              <a:fillRect/>
             </a:stretch>
           </a:blipFill>
         </p:spPr>
       </p:sp>
       <p:sp>
         <p:nvSpPr>
-          <p:cNvPr name="TextBox 20" id="20"/>
-          <p:cNvSpPr txBox="true"/>
+          <p:cNvPr id="20" name="TextBox 20"/>
+          <p:cNvSpPr txBox="1"/>
           <p:nvPr/>
         </p:nvSpPr>
         <p:spPr>
-          <a:xfrm rot="0">
+          <a:xfrm>
             <a:off x="2184089" y="6037014"/>
             <a:ext cx="8069781" cy="1559560"/>
           </a:xfrm>
@@ -13139,7 +13258,7 @@
           </a:prstGeom>
         </p:spPr>
         <p:txBody>
-          <a:bodyPr anchor="t" rtlCol="false" tIns="0" lIns="0" bIns="0" rIns="0">
+          <a:bodyPr lIns="0" tIns="0" rIns="0" bIns="0" rtlCol="0" anchor="t">
             <a:spAutoFit/>
           </a:bodyPr>
           <a:lstStyle/>
@@ -13179,13 +13298,14 @@
 </file>
 
 <file path=ppt/slides/slide4.xml><?xml version="1.0" encoding="utf-8"?>
-<p:sld xmlns:p="http://schemas.openxmlformats.org/presentationml/2006/main" xmlns:a="http://schemas.openxmlformats.org/drawingml/2006/main" xmlns:r="http://schemas.openxmlformats.org/officeDocument/2006/relationships">
+<p:sld xmlns:a="http://schemas.openxmlformats.org/drawingml/2006/main" xmlns:r="http://schemas.openxmlformats.org/officeDocument/2006/relationships" xmlns:p="http://schemas.openxmlformats.org/presentationml/2006/main">
   <p:cSld>
     <p:bg>
       <p:bgPr>
         <a:solidFill>
           <a:srgbClr val="F4F4F4"/>
         </a:solidFill>
+        <a:effectLst/>
       </p:bgPr>
     </p:bg>
     <p:spTree>
@@ -13204,12 +13324,12 @@
       </p:grpSpPr>
       <p:sp>
         <p:nvSpPr>
-          <p:cNvPr name="Freeform 2" id="2"/>
+          <p:cNvPr id="2" name="Freeform 2"/>
           <p:cNvSpPr/>
           <p:nvPr/>
         </p:nvSpPr>
         <p:spPr>
-          <a:xfrm flipH="false" flipV="false" rot="0">
+          <a:xfrm>
             <a:off x="17259300" y="276167"/>
             <a:ext cx="7574892" cy="3401815"/>
           </a:xfrm>
@@ -13218,9 +13338,9 @@
             <a:gdLst/>
             <a:ahLst/>
             <a:cxnLst/>
-            <a:rect r="r" b="b" t="t" l="l"/>
+            <a:rect l="l" t="t" r="r" b="b"/>
             <a:pathLst>
-              <a:path h="3401815" w="7574892">
+              <a:path w="7574892" h="3401815">
                 <a:moveTo>
                   <a:pt x="0" y="0"/>
                 </a:moveTo>
@@ -13249,19 +13369,19 @@
               </a:extLst>
             </a:blip>
             <a:stretch>
-              <a:fillRect l="0" t="0" r="0" b="0"/>
+              <a:fillRect/>
             </a:stretch>
           </a:blipFill>
         </p:spPr>
       </p:sp>
       <p:grpSp>
         <p:nvGrpSpPr>
-          <p:cNvPr name="Group 3" id="3"/>
+          <p:cNvPr id="3" name="Group 3"/>
           <p:cNvGrpSpPr/>
           <p:nvPr/>
         </p:nvGrpSpPr>
         <p:grpSpPr>
-          <a:xfrm rot="0">
+          <a:xfrm>
             <a:off x="1306896" y="3335505"/>
             <a:ext cx="15674207" cy="5460169"/>
             <a:chOff x="0" y="0"/>
@@ -13270,14 +13390,14 @@
         </p:grpSpPr>
         <p:grpSp>
           <p:nvGrpSpPr>
-            <p:cNvPr name="Group 4" id="4"/>
+            <p:cNvPr id="4" name="Group 4"/>
             <p:cNvGrpSpPr>
-              <a:grpSpLocks noChangeAspect="true"/>
+              <a:grpSpLocks noChangeAspect="1"/>
             </p:cNvGrpSpPr>
             <p:nvPr/>
           </p:nvGrpSpPr>
           <p:grpSpPr>
-            <a:xfrm rot="0">
+            <a:xfrm>
               <a:off x="617142" y="479729"/>
               <a:ext cx="20281801" cy="6800497"/>
               <a:chOff x="0" y="0"/>
@@ -13286,12 +13406,12 @@
           </p:grpSpPr>
           <p:sp>
             <p:nvSpPr>
-              <p:cNvPr name="Freeform 5" id="5"/>
+              <p:cNvPr id="5" name="Freeform 5"/>
               <p:cNvSpPr/>
               <p:nvPr/>
             </p:nvSpPr>
             <p:spPr>
-              <a:xfrm flipH="false" flipV="false" rot="0">
+              <a:xfrm>
                 <a:off x="27940" y="27940"/>
                 <a:ext cx="18882360" cy="918210"/>
               </a:xfrm>
@@ -13300,9 +13420,9 @@
                 <a:gdLst/>
                 <a:ahLst/>
                 <a:cxnLst/>
-                <a:rect r="r" b="b" t="t" l="l"/>
+                <a:rect l="l" t="t" r="r" b="b"/>
                 <a:pathLst>
-                  <a:path h="918210" w="18882360">
+                  <a:path w="18882360" h="918210">
                     <a:moveTo>
                       <a:pt x="18882360" y="918210"/>
                     </a:moveTo>
@@ -13344,12 +13464,12 @@
           </p:sp>
           <p:sp>
             <p:nvSpPr>
-              <p:cNvPr name="Freeform 6" id="6"/>
+              <p:cNvPr id="6" name="Freeform 6"/>
               <p:cNvSpPr/>
               <p:nvPr/>
             </p:nvSpPr>
             <p:spPr>
-              <a:xfrm flipH="false" flipV="false" rot="0">
+              <a:xfrm>
                 <a:off x="27940" y="944880"/>
                 <a:ext cx="18882360" cy="5377180"/>
               </a:xfrm>
@@ -13358,9 +13478,9 @@
                 <a:gdLst/>
                 <a:ahLst/>
                 <a:cxnLst/>
-                <a:rect r="r" b="b" t="t" l="l"/>
+                <a:rect l="l" t="t" r="r" b="b"/>
                 <a:pathLst>
-                  <a:path h="5377180" w="18882360">
+                  <a:path w="18882360" h="5377180">
                     <a:moveTo>
                       <a:pt x="9331960" y="0"/>
                     </a:moveTo>
@@ -13410,12 +13530,12 @@
           </p:sp>
           <p:sp>
             <p:nvSpPr>
-              <p:cNvPr name="Freeform 7" id="7"/>
+              <p:cNvPr id="7" name="Freeform 7"/>
               <p:cNvSpPr/>
               <p:nvPr/>
             </p:nvSpPr>
             <p:spPr>
-              <a:xfrm flipH="false" flipV="false" rot="0">
+              <a:xfrm>
                 <a:off x="499110" y="299720"/>
                 <a:ext cx="1515110" cy="368300"/>
               </a:xfrm>
@@ -13424,9 +13544,9 @@
                 <a:gdLst/>
                 <a:ahLst/>
                 <a:cxnLst/>
-                <a:rect r="r" b="b" t="t" l="l"/>
+                <a:rect l="l" t="t" r="r" b="b"/>
                 <a:pathLst>
-                  <a:path h="368300" w="1515110">
+                  <a:path w="1515110" h="368300">
                     <a:moveTo>
                       <a:pt x="184150" y="0"/>
                     </a:moveTo>
@@ -13509,12 +13629,12 @@
           </p:sp>
           <p:sp>
             <p:nvSpPr>
-              <p:cNvPr name="Freeform 8" id="8"/>
+              <p:cNvPr id="8" name="Freeform 8"/>
               <p:cNvSpPr/>
               <p:nvPr/>
             </p:nvSpPr>
             <p:spPr>
-              <a:xfrm flipH="false" flipV="false" rot="0">
+              <a:xfrm>
                 <a:off x="0" y="0"/>
                 <a:ext cx="18939511" cy="6350000"/>
               </a:xfrm>
@@ -13523,9 +13643,9 @@
                 <a:gdLst/>
                 <a:ahLst/>
                 <a:cxnLst/>
-                <a:rect r="r" b="b" t="t" l="l"/>
+                <a:rect l="l" t="t" r="r" b="b"/>
                 <a:pathLst>
-                  <a:path h="6350000" w="18939511">
+                  <a:path w="18939511" h="6350000">
                     <a:moveTo>
                       <a:pt x="18464530" y="0"/>
                     </a:moveTo>
@@ -13849,14 +13969,14 @@
         </p:grpSp>
         <p:grpSp>
           <p:nvGrpSpPr>
-            <p:cNvPr name="Group 9" id="9"/>
+            <p:cNvPr id="9" name="Group 9"/>
             <p:cNvGrpSpPr>
-              <a:grpSpLocks noChangeAspect="true"/>
+              <a:grpSpLocks noChangeAspect="1"/>
             </p:cNvGrpSpPr>
             <p:nvPr/>
           </p:nvGrpSpPr>
           <p:grpSpPr>
-            <a:xfrm rot="0">
+            <a:xfrm>
               <a:off x="0" y="0"/>
               <a:ext cx="20281801" cy="6800497"/>
               <a:chOff x="0" y="0"/>
@@ -13865,12 +13985,12 @@
           </p:grpSpPr>
           <p:sp>
             <p:nvSpPr>
-              <p:cNvPr name="Freeform 10" id="10"/>
+              <p:cNvPr id="10" name="Freeform 10"/>
               <p:cNvSpPr/>
               <p:nvPr/>
             </p:nvSpPr>
             <p:spPr>
-              <a:xfrm flipH="false" flipV="false" rot="0">
+              <a:xfrm>
                 <a:off x="27940" y="27940"/>
                 <a:ext cx="18882360" cy="918210"/>
               </a:xfrm>
@@ -13879,9 +13999,9 @@
                 <a:gdLst/>
                 <a:ahLst/>
                 <a:cxnLst/>
-                <a:rect r="r" b="b" t="t" l="l"/>
+                <a:rect l="l" t="t" r="r" b="b"/>
                 <a:pathLst>
-                  <a:path h="918210" w="18882360">
+                  <a:path w="18882360" h="918210">
                     <a:moveTo>
                       <a:pt x="18882360" y="918210"/>
                     </a:moveTo>
@@ -13923,12 +14043,12 @@
           </p:sp>
           <p:sp>
             <p:nvSpPr>
-              <p:cNvPr name="Freeform 11" id="11"/>
+              <p:cNvPr id="11" name="Freeform 11"/>
               <p:cNvSpPr/>
               <p:nvPr/>
             </p:nvSpPr>
             <p:spPr>
-              <a:xfrm flipH="false" flipV="false" rot="0">
+              <a:xfrm>
                 <a:off x="27940" y="944880"/>
                 <a:ext cx="18882360" cy="5377180"/>
               </a:xfrm>
@@ -13937,9 +14057,9 @@
                 <a:gdLst/>
                 <a:ahLst/>
                 <a:cxnLst/>
-                <a:rect r="r" b="b" t="t" l="l"/>
+                <a:rect l="l" t="t" r="r" b="b"/>
                 <a:pathLst>
-                  <a:path h="5377180" w="18882360">
+                  <a:path w="18882360" h="5377180">
                     <a:moveTo>
                       <a:pt x="9331960" y="0"/>
                     </a:moveTo>
@@ -13989,12 +14109,12 @@
           </p:sp>
           <p:sp>
             <p:nvSpPr>
-              <p:cNvPr name="Freeform 12" id="12"/>
+              <p:cNvPr id="12" name="Freeform 12"/>
               <p:cNvSpPr/>
               <p:nvPr/>
             </p:nvSpPr>
             <p:spPr>
-              <a:xfrm flipH="false" flipV="false" rot="0">
+              <a:xfrm>
                 <a:off x="499110" y="299720"/>
                 <a:ext cx="1515110" cy="368300"/>
               </a:xfrm>
@@ -14003,9 +14123,9 @@
                 <a:gdLst/>
                 <a:ahLst/>
                 <a:cxnLst/>
-                <a:rect r="r" b="b" t="t" l="l"/>
+                <a:rect l="l" t="t" r="r" b="b"/>
                 <a:pathLst>
-                  <a:path h="368300" w="1515110">
+                  <a:path w="1515110" h="368300">
                     <a:moveTo>
                       <a:pt x="184150" y="0"/>
                     </a:moveTo>
@@ -14088,12 +14208,12 @@
           </p:sp>
           <p:sp>
             <p:nvSpPr>
-              <p:cNvPr name="Freeform 13" id="13"/>
+              <p:cNvPr id="13" name="Freeform 13"/>
               <p:cNvSpPr/>
               <p:nvPr/>
             </p:nvSpPr>
             <p:spPr>
-              <a:xfrm flipH="false" flipV="false" rot="0">
+              <a:xfrm>
                 <a:off x="0" y="0"/>
                 <a:ext cx="18939511" cy="6350000"/>
               </a:xfrm>
@@ -14102,9 +14222,9 @@
                 <a:gdLst/>
                 <a:ahLst/>
                 <a:cxnLst/>
-                <a:rect r="r" b="b" t="t" l="l"/>
+                <a:rect l="l" t="t" r="r" b="b"/>
                 <a:pathLst>
-                  <a:path h="6350000" w="18939511">
+                  <a:path w="18939511" h="6350000">
                     <a:moveTo>
                       <a:pt x="18464530" y="0"/>
                     </a:moveTo>
@@ -14429,12 +14549,12 @@
       </p:grpSp>
       <p:sp>
         <p:nvSpPr>
-          <p:cNvPr name="TextBox 14" id="14"/>
-          <p:cNvSpPr txBox="true"/>
+          <p:cNvPr id="14" name="TextBox 14"/>
+          <p:cNvSpPr txBox="1"/>
           <p:nvPr/>
         </p:nvSpPr>
         <p:spPr>
-          <a:xfrm rot="0">
+          <a:xfrm>
             <a:off x="1886305" y="4470990"/>
             <a:ext cx="13277296" cy="2032635"/>
           </a:xfrm>
@@ -14443,7 +14563,7 @@
           </a:prstGeom>
         </p:spPr>
         <p:txBody>
-          <a:bodyPr anchor="t" rtlCol="false" tIns="0" lIns="0" bIns="0" rIns="0">
+          <a:bodyPr lIns="0" tIns="0" rIns="0" bIns="0" rtlCol="0" anchor="t">
             <a:spAutoFit/>
           </a:bodyPr>
           <a:lstStyle/>
@@ -14467,12 +14587,12 @@
       </p:sp>
       <p:grpSp>
         <p:nvGrpSpPr>
-          <p:cNvPr name="Group 15" id="15"/>
+          <p:cNvPr id="15" name="Group 15"/>
           <p:cNvGrpSpPr/>
           <p:nvPr/>
         </p:nvGrpSpPr>
         <p:grpSpPr>
-          <a:xfrm rot="0">
+          <a:xfrm>
             <a:off x="1306896" y="1273702"/>
             <a:ext cx="15559849" cy="1404363"/>
             <a:chOff x="0" y="0"/>
@@ -14481,12 +14601,12 @@
         </p:grpSpPr>
         <p:sp>
           <p:nvSpPr>
-            <p:cNvPr name="Freeform 16" id="16"/>
+            <p:cNvPr id="16" name="Freeform 16"/>
             <p:cNvSpPr/>
             <p:nvPr/>
           </p:nvSpPr>
           <p:spPr>
-            <a:xfrm flipH="false" flipV="false" rot="0">
+            <a:xfrm>
               <a:off x="31750" y="31750"/>
               <a:ext cx="16950810" cy="1472137"/>
             </a:xfrm>
@@ -14495,9 +14615,9 @@
               <a:gdLst/>
               <a:ahLst/>
               <a:cxnLst/>
-              <a:rect r="r" b="b" t="t" l="l"/>
+              <a:rect l="l" t="t" r="r" b="b"/>
               <a:pathLst>
-                <a:path h="1472137" w="16950810">
+                <a:path w="16950810" h="1472137">
                   <a:moveTo>
                     <a:pt x="16858100" y="1472137"/>
                   </a:moveTo>
@@ -14544,12 +14664,12 @@
         </p:sp>
         <p:sp>
           <p:nvSpPr>
-            <p:cNvPr name="Freeform 17" id="17"/>
+            <p:cNvPr id="17" name="Freeform 17"/>
             <p:cNvSpPr/>
             <p:nvPr/>
           </p:nvSpPr>
           <p:spPr>
-            <a:xfrm flipH="false" flipV="false" rot="0">
+            <a:xfrm>
               <a:off x="0" y="0"/>
               <a:ext cx="17014310" cy="1535637"/>
             </a:xfrm>
@@ -14558,9 +14678,9 @@
               <a:gdLst/>
               <a:ahLst/>
               <a:cxnLst/>
-              <a:rect r="r" b="b" t="t" l="l"/>
+              <a:rect l="l" t="t" r="r" b="b"/>
               <a:pathLst>
-                <a:path h="1535637" w="17014310">
+                <a:path w="17014310" h="1535637">
                   <a:moveTo>
                     <a:pt x="16889850" y="59690"/>
                   </a:moveTo>
@@ -14643,12 +14763,12 @@
       </p:grpSp>
       <p:sp>
         <p:nvSpPr>
-          <p:cNvPr name="TextBox 18" id="18"/>
-          <p:cNvSpPr txBox="true"/>
+          <p:cNvPr id="18" name="TextBox 18"/>
+          <p:cNvSpPr txBox="1"/>
           <p:nvPr/>
         </p:nvSpPr>
         <p:spPr>
-          <a:xfrm rot="0">
+          <a:xfrm>
             <a:off x="1886305" y="1438594"/>
             <a:ext cx="9210023" cy="962660"/>
           </a:xfrm>
@@ -14657,7 +14777,7 @@
           </a:prstGeom>
         </p:spPr>
         <p:txBody>
-          <a:bodyPr anchor="t" rtlCol="false" tIns="0" lIns="0" bIns="0" rIns="0">
+          <a:bodyPr lIns="0" tIns="0" rIns="0" bIns="0" rtlCol="0" anchor="t">
             <a:spAutoFit/>
           </a:bodyPr>
           <a:lstStyle/>
@@ -14681,12 +14801,12 @@
       </p:sp>
       <p:sp>
         <p:nvSpPr>
-          <p:cNvPr name="Freeform 19" id="19"/>
+          <p:cNvPr id="19" name="Freeform 19"/>
           <p:cNvSpPr/>
           <p:nvPr/>
         </p:nvSpPr>
         <p:spPr>
-          <a:xfrm flipH="false" flipV="false" rot="0">
+          <a:xfrm>
             <a:off x="15461386" y="1498431"/>
             <a:ext cx="954906" cy="954906"/>
           </a:xfrm>
@@ -14695,9 +14815,9 @@
             <a:gdLst/>
             <a:ahLst/>
             <a:cxnLst/>
-            <a:rect r="r" b="b" t="t" l="l"/>
+            <a:rect l="l" t="t" r="r" b="b"/>
             <a:pathLst>
-              <a:path h="954906" w="954906">
+              <a:path w="954906" h="954906">
                 <a:moveTo>
                   <a:pt x="0" y="0"/>
                 </a:moveTo>
@@ -14726,19 +14846,19 @@
               </a:extLst>
             </a:blip>
             <a:stretch>
-              <a:fillRect l="0" t="0" r="0" b="0"/>
+              <a:fillRect/>
             </a:stretch>
           </a:blipFill>
         </p:spPr>
       </p:sp>
       <p:sp>
         <p:nvSpPr>
-          <p:cNvPr name="TextBox 20" id="20"/>
-          <p:cNvSpPr txBox="true"/>
+          <p:cNvPr id="20" name="TextBox 20"/>
+          <p:cNvSpPr txBox="1"/>
           <p:nvPr/>
         </p:nvSpPr>
         <p:spPr>
-          <a:xfrm rot="0">
+          <a:xfrm>
             <a:off x="1886305" y="7047758"/>
             <a:ext cx="13277296" cy="661035"/>
           </a:xfrm>
@@ -14747,7 +14867,7 @@
           </a:prstGeom>
         </p:spPr>
         <p:txBody>
-          <a:bodyPr anchor="t" rtlCol="false" tIns="0" lIns="0" bIns="0" rIns="0">
+          <a:bodyPr lIns="0" tIns="0" rIns="0" bIns="0" rtlCol="0" anchor="t">
             <a:spAutoFit/>
           </a:bodyPr>
           <a:lstStyle/>
@@ -14778,13 +14898,14 @@
 </file>
 
 <file path=ppt/slides/slide5.xml><?xml version="1.0" encoding="utf-8"?>
-<p:sld xmlns:p="http://schemas.openxmlformats.org/presentationml/2006/main" xmlns:a="http://schemas.openxmlformats.org/drawingml/2006/main" xmlns:r="http://schemas.openxmlformats.org/officeDocument/2006/relationships">
+<p:sld xmlns:a="http://schemas.openxmlformats.org/drawingml/2006/main" xmlns:r="http://schemas.openxmlformats.org/officeDocument/2006/relationships" xmlns:p="http://schemas.openxmlformats.org/presentationml/2006/main">
   <p:cSld>
     <p:bg>
       <p:bgPr>
         <a:solidFill>
           <a:srgbClr val="F4F4F4"/>
         </a:solidFill>
+        <a:effectLst/>
       </p:bgPr>
     </p:bg>
     <p:spTree>
@@ -14803,12 +14924,12 @@
       </p:grpSpPr>
       <p:sp>
         <p:nvSpPr>
-          <p:cNvPr name="Freeform 2" id="2"/>
+          <p:cNvPr id="2" name="Freeform 2"/>
           <p:cNvSpPr/>
           <p:nvPr/>
         </p:nvSpPr>
         <p:spPr>
-          <a:xfrm flipH="false" flipV="false" rot="0">
+          <a:xfrm>
             <a:off x="17259300" y="276167"/>
             <a:ext cx="7574892" cy="3401815"/>
           </a:xfrm>
@@ -14817,9 +14938,9 @@
             <a:gdLst/>
             <a:ahLst/>
             <a:cxnLst/>
-            <a:rect r="r" b="b" t="t" l="l"/>
+            <a:rect l="l" t="t" r="r" b="b"/>
             <a:pathLst>
-              <a:path h="3401815" w="7574892">
+              <a:path w="7574892" h="3401815">
                 <a:moveTo>
                   <a:pt x="0" y="0"/>
                 </a:moveTo>
@@ -14848,19 +14969,19 @@
               </a:extLst>
             </a:blip>
             <a:stretch>
-              <a:fillRect l="0" t="0" r="0" b="0"/>
+              <a:fillRect/>
             </a:stretch>
           </a:blipFill>
         </p:spPr>
       </p:sp>
       <p:grpSp>
         <p:nvGrpSpPr>
-          <p:cNvPr name="Group 3" id="3"/>
+          <p:cNvPr id="3" name="Group 3"/>
           <p:cNvGrpSpPr/>
           <p:nvPr/>
         </p:nvGrpSpPr>
         <p:grpSpPr>
-          <a:xfrm rot="0">
+          <a:xfrm>
             <a:off x="1306896" y="3335505"/>
             <a:ext cx="15674207" cy="5460169"/>
             <a:chOff x="0" y="0"/>
@@ -14869,14 +14990,14 @@
         </p:grpSpPr>
         <p:grpSp>
           <p:nvGrpSpPr>
-            <p:cNvPr name="Group 4" id="4"/>
+            <p:cNvPr id="4" name="Group 4"/>
             <p:cNvGrpSpPr>
-              <a:grpSpLocks noChangeAspect="true"/>
+              <a:grpSpLocks noChangeAspect="1"/>
             </p:cNvGrpSpPr>
             <p:nvPr/>
           </p:nvGrpSpPr>
           <p:grpSpPr>
-            <a:xfrm rot="0">
+            <a:xfrm>
               <a:off x="617142" y="479729"/>
               <a:ext cx="20281801" cy="6800497"/>
               <a:chOff x="0" y="0"/>
@@ -14885,12 +15006,12 @@
           </p:grpSpPr>
           <p:sp>
             <p:nvSpPr>
-              <p:cNvPr name="Freeform 5" id="5"/>
+              <p:cNvPr id="5" name="Freeform 5"/>
               <p:cNvSpPr/>
               <p:nvPr/>
             </p:nvSpPr>
             <p:spPr>
-              <a:xfrm flipH="false" flipV="false" rot="0">
+              <a:xfrm>
                 <a:off x="27940" y="27940"/>
                 <a:ext cx="18882360" cy="918210"/>
               </a:xfrm>
@@ -14899,9 +15020,9 @@
                 <a:gdLst/>
                 <a:ahLst/>
                 <a:cxnLst/>
-                <a:rect r="r" b="b" t="t" l="l"/>
+                <a:rect l="l" t="t" r="r" b="b"/>
                 <a:pathLst>
-                  <a:path h="918210" w="18882360">
+                  <a:path w="18882360" h="918210">
                     <a:moveTo>
                       <a:pt x="18882360" y="918210"/>
                     </a:moveTo>
@@ -14943,12 +15064,12 @@
           </p:sp>
           <p:sp>
             <p:nvSpPr>
-              <p:cNvPr name="Freeform 6" id="6"/>
+              <p:cNvPr id="6" name="Freeform 6"/>
               <p:cNvSpPr/>
               <p:nvPr/>
             </p:nvSpPr>
             <p:spPr>
-              <a:xfrm flipH="false" flipV="false" rot="0">
+              <a:xfrm>
                 <a:off x="27940" y="944880"/>
                 <a:ext cx="18882360" cy="5377180"/>
               </a:xfrm>
@@ -14957,9 +15078,9 @@
                 <a:gdLst/>
                 <a:ahLst/>
                 <a:cxnLst/>
-                <a:rect r="r" b="b" t="t" l="l"/>
+                <a:rect l="l" t="t" r="r" b="b"/>
                 <a:pathLst>
-                  <a:path h="5377180" w="18882360">
+                  <a:path w="18882360" h="5377180">
                     <a:moveTo>
                       <a:pt x="9331960" y="0"/>
                     </a:moveTo>
@@ -15009,12 +15130,12 @@
           </p:sp>
           <p:sp>
             <p:nvSpPr>
-              <p:cNvPr name="Freeform 7" id="7"/>
+              <p:cNvPr id="7" name="Freeform 7"/>
               <p:cNvSpPr/>
               <p:nvPr/>
             </p:nvSpPr>
             <p:spPr>
-              <a:xfrm flipH="false" flipV="false" rot="0">
+              <a:xfrm>
                 <a:off x="499110" y="299720"/>
                 <a:ext cx="1515110" cy="368300"/>
               </a:xfrm>
@@ -15023,9 +15144,9 @@
                 <a:gdLst/>
                 <a:ahLst/>
                 <a:cxnLst/>
-                <a:rect r="r" b="b" t="t" l="l"/>
+                <a:rect l="l" t="t" r="r" b="b"/>
                 <a:pathLst>
-                  <a:path h="368300" w="1515110">
+                  <a:path w="1515110" h="368300">
                     <a:moveTo>
                       <a:pt x="184150" y="0"/>
                     </a:moveTo>
@@ -15108,12 +15229,12 @@
           </p:sp>
           <p:sp>
             <p:nvSpPr>
-              <p:cNvPr name="Freeform 8" id="8"/>
+              <p:cNvPr id="8" name="Freeform 8"/>
               <p:cNvSpPr/>
               <p:nvPr/>
             </p:nvSpPr>
             <p:spPr>
-              <a:xfrm flipH="false" flipV="false" rot="0">
+              <a:xfrm>
                 <a:off x="0" y="0"/>
                 <a:ext cx="18939511" cy="6350000"/>
               </a:xfrm>
@@ -15122,9 +15243,9 @@
                 <a:gdLst/>
                 <a:ahLst/>
                 <a:cxnLst/>
-                <a:rect r="r" b="b" t="t" l="l"/>
+                <a:rect l="l" t="t" r="r" b="b"/>
                 <a:pathLst>
-                  <a:path h="6350000" w="18939511">
+                  <a:path w="18939511" h="6350000">
                     <a:moveTo>
                       <a:pt x="18464530" y="0"/>
                     </a:moveTo>
@@ -15448,14 +15569,14 @@
         </p:grpSp>
         <p:grpSp>
           <p:nvGrpSpPr>
-            <p:cNvPr name="Group 9" id="9"/>
+            <p:cNvPr id="9" name="Group 9"/>
             <p:cNvGrpSpPr>
-              <a:grpSpLocks noChangeAspect="true"/>
+              <a:grpSpLocks noChangeAspect="1"/>
             </p:cNvGrpSpPr>
             <p:nvPr/>
           </p:nvGrpSpPr>
           <p:grpSpPr>
-            <a:xfrm rot="0">
+            <a:xfrm>
               <a:off x="0" y="0"/>
               <a:ext cx="20281801" cy="6800497"/>
               <a:chOff x="0" y="0"/>
@@ -15464,12 +15585,12 @@
           </p:grpSpPr>
           <p:sp>
             <p:nvSpPr>
-              <p:cNvPr name="Freeform 10" id="10"/>
+              <p:cNvPr id="10" name="Freeform 10"/>
               <p:cNvSpPr/>
               <p:nvPr/>
             </p:nvSpPr>
             <p:spPr>
-              <a:xfrm flipH="false" flipV="false" rot="0">
+              <a:xfrm>
                 <a:off x="27940" y="27940"/>
                 <a:ext cx="18882360" cy="918210"/>
               </a:xfrm>
@@ -15478,9 +15599,9 @@
                 <a:gdLst/>
                 <a:ahLst/>
                 <a:cxnLst/>
-                <a:rect r="r" b="b" t="t" l="l"/>
+                <a:rect l="l" t="t" r="r" b="b"/>
                 <a:pathLst>
-                  <a:path h="918210" w="18882360">
+                  <a:path w="18882360" h="918210">
                     <a:moveTo>
                       <a:pt x="18882360" y="918210"/>
                     </a:moveTo>
@@ -15522,12 +15643,12 @@
           </p:sp>
           <p:sp>
             <p:nvSpPr>
-              <p:cNvPr name="Freeform 11" id="11"/>
+              <p:cNvPr id="11" name="Freeform 11"/>
               <p:cNvSpPr/>
               <p:nvPr/>
             </p:nvSpPr>
             <p:spPr>
-              <a:xfrm flipH="false" flipV="false" rot="0">
+              <a:xfrm>
                 <a:off x="27940" y="944880"/>
                 <a:ext cx="18882360" cy="5377180"/>
               </a:xfrm>
@@ -15536,9 +15657,9 @@
                 <a:gdLst/>
                 <a:ahLst/>
                 <a:cxnLst/>
-                <a:rect r="r" b="b" t="t" l="l"/>
+                <a:rect l="l" t="t" r="r" b="b"/>
                 <a:pathLst>
-                  <a:path h="5377180" w="18882360">
+                  <a:path w="18882360" h="5377180">
                     <a:moveTo>
                       <a:pt x="9331960" y="0"/>
                     </a:moveTo>
@@ -15588,12 +15709,12 @@
           </p:sp>
           <p:sp>
             <p:nvSpPr>
-              <p:cNvPr name="Freeform 12" id="12"/>
+              <p:cNvPr id="12" name="Freeform 12"/>
               <p:cNvSpPr/>
               <p:nvPr/>
             </p:nvSpPr>
             <p:spPr>
-              <a:xfrm flipH="false" flipV="false" rot="0">
+              <a:xfrm>
                 <a:off x="499110" y="299720"/>
                 <a:ext cx="1515110" cy="368300"/>
               </a:xfrm>
@@ -15602,9 +15723,9 @@
                 <a:gdLst/>
                 <a:ahLst/>
                 <a:cxnLst/>
-                <a:rect r="r" b="b" t="t" l="l"/>
+                <a:rect l="l" t="t" r="r" b="b"/>
                 <a:pathLst>
-                  <a:path h="368300" w="1515110">
+                  <a:path w="1515110" h="368300">
                     <a:moveTo>
                       <a:pt x="184150" y="0"/>
                     </a:moveTo>
@@ -15687,12 +15808,12 @@
           </p:sp>
           <p:sp>
             <p:nvSpPr>
-              <p:cNvPr name="Freeform 13" id="13"/>
+              <p:cNvPr id="13" name="Freeform 13"/>
               <p:cNvSpPr/>
               <p:nvPr/>
             </p:nvSpPr>
             <p:spPr>
-              <a:xfrm flipH="false" flipV="false" rot="0">
+              <a:xfrm>
                 <a:off x="0" y="0"/>
                 <a:ext cx="18939511" cy="6350000"/>
               </a:xfrm>
@@ -15701,9 +15822,9 @@
                 <a:gdLst/>
                 <a:ahLst/>
                 <a:cxnLst/>
-                <a:rect r="r" b="b" t="t" l="l"/>
+                <a:rect l="l" t="t" r="r" b="b"/>
                 <a:pathLst>
-                  <a:path h="6350000" w="18939511">
+                  <a:path w="18939511" h="6350000">
                     <a:moveTo>
                       <a:pt x="18464530" y="0"/>
                     </a:moveTo>
@@ -16028,12 +16149,12 @@
       </p:grpSp>
       <p:sp>
         <p:nvSpPr>
-          <p:cNvPr name="TextBox 14" id="14"/>
-          <p:cNvSpPr txBox="true"/>
+          <p:cNvPr id="14" name="TextBox 14"/>
+          <p:cNvSpPr txBox="1"/>
           <p:nvPr/>
         </p:nvSpPr>
         <p:spPr>
-          <a:xfrm rot="0">
+          <a:xfrm>
             <a:off x="1886305" y="4482465"/>
             <a:ext cx="10570169" cy="661035"/>
           </a:xfrm>
@@ -16042,7 +16163,7 @@
           </a:prstGeom>
         </p:spPr>
         <p:txBody>
-          <a:bodyPr anchor="t" rtlCol="false" tIns="0" lIns="0" bIns="0" rIns="0">
+          <a:bodyPr lIns="0" tIns="0" rIns="0" bIns="0" rtlCol="0" anchor="t">
             <a:spAutoFit/>
           </a:bodyPr>
           <a:lstStyle/>
@@ -16066,12 +16187,12 @@
       </p:sp>
       <p:grpSp>
         <p:nvGrpSpPr>
-          <p:cNvPr name="Group 15" id="15"/>
+          <p:cNvPr id="15" name="Group 15"/>
           <p:cNvGrpSpPr/>
           <p:nvPr/>
         </p:nvGrpSpPr>
         <p:grpSpPr>
-          <a:xfrm rot="0">
+          <a:xfrm>
             <a:off x="1306896" y="1273702"/>
             <a:ext cx="15559849" cy="1404363"/>
             <a:chOff x="0" y="0"/>
@@ -16080,12 +16201,12 @@
         </p:grpSpPr>
         <p:sp>
           <p:nvSpPr>
-            <p:cNvPr name="Freeform 16" id="16"/>
+            <p:cNvPr id="16" name="Freeform 16"/>
             <p:cNvSpPr/>
             <p:nvPr/>
           </p:nvSpPr>
           <p:spPr>
-            <a:xfrm flipH="false" flipV="false" rot="0">
+            <a:xfrm>
               <a:off x="31750" y="31750"/>
               <a:ext cx="16950810" cy="1472137"/>
             </a:xfrm>
@@ -16094,9 +16215,9 @@
               <a:gdLst/>
               <a:ahLst/>
               <a:cxnLst/>
-              <a:rect r="r" b="b" t="t" l="l"/>
+              <a:rect l="l" t="t" r="r" b="b"/>
               <a:pathLst>
-                <a:path h="1472137" w="16950810">
+                <a:path w="16950810" h="1472137">
                   <a:moveTo>
                     <a:pt x="16858100" y="1472137"/>
                   </a:moveTo>
@@ -16143,12 +16264,12 @@
         </p:sp>
         <p:sp>
           <p:nvSpPr>
-            <p:cNvPr name="Freeform 17" id="17"/>
+            <p:cNvPr id="17" name="Freeform 17"/>
             <p:cNvSpPr/>
             <p:nvPr/>
           </p:nvSpPr>
           <p:spPr>
-            <a:xfrm flipH="false" flipV="false" rot="0">
+            <a:xfrm>
               <a:off x="0" y="0"/>
               <a:ext cx="17014310" cy="1535637"/>
             </a:xfrm>
@@ -16157,9 +16278,9 @@
               <a:gdLst/>
               <a:ahLst/>
               <a:cxnLst/>
-              <a:rect r="r" b="b" t="t" l="l"/>
+              <a:rect l="l" t="t" r="r" b="b"/>
               <a:pathLst>
-                <a:path h="1535637" w="17014310">
+                <a:path w="17014310" h="1535637">
                   <a:moveTo>
                     <a:pt x="16889850" y="59690"/>
                   </a:moveTo>
@@ -16242,12 +16363,12 @@
       </p:grpSp>
       <p:sp>
         <p:nvSpPr>
-          <p:cNvPr name="TextBox 18" id="18"/>
-          <p:cNvSpPr txBox="true"/>
+          <p:cNvPr id="18" name="TextBox 18"/>
+          <p:cNvSpPr txBox="1"/>
           <p:nvPr/>
         </p:nvSpPr>
         <p:spPr>
-          <a:xfrm rot="0">
+          <a:xfrm>
             <a:off x="1886305" y="1438594"/>
             <a:ext cx="9210023" cy="962660"/>
           </a:xfrm>
@@ -16256,7 +16377,7 @@
           </a:prstGeom>
         </p:spPr>
         <p:txBody>
-          <a:bodyPr anchor="t" rtlCol="false" tIns="0" lIns="0" bIns="0" rIns="0">
+          <a:bodyPr lIns="0" tIns="0" rIns="0" bIns="0" rtlCol="0" anchor="t">
             <a:spAutoFit/>
           </a:bodyPr>
           <a:lstStyle/>
@@ -16280,12 +16401,12 @@
       </p:sp>
       <p:sp>
         <p:nvSpPr>
-          <p:cNvPr name="Freeform 19" id="19"/>
+          <p:cNvPr id="19" name="Freeform 19"/>
           <p:cNvSpPr/>
           <p:nvPr/>
         </p:nvSpPr>
         <p:spPr>
-          <a:xfrm flipH="false" flipV="false" rot="0">
+          <a:xfrm>
             <a:off x="15461386" y="1498431"/>
             <a:ext cx="954906" cy="954906"/>
           </a:xfrm>
@@ -16294,9 +16415,9 @@
             <a:gdLst/>
             <a:ahLst/>
             <a:cxnLst/>
-            <a:rect r="r" b="b" t="t" l="l"/>
+            <a:rect l="l" t="t" r="r" b="b"/>
             <a:pathLst>
-              <a:path h="954906" w="954906">
+              <a:path w="954906" h="954906">
                 <a:moveTo>
                   <a:pt x="0" y="0"/>
                 </a:moveTo>
@@ -16325,19 +16446,19 @@
               </a:extLst>
             </a:blip>
             <a:stretch>
-              <a:fillRect l="0" t="0" r="0" b="0"/>
+              <a:fillRect/>
             </a:stretch>
           </a:blipFill>
         </p:spPr>
       </p:sp>
       <p:sp>
         <p:nvSpPr>
-          <p:cNvPr name="TextBox 20" id="20"/>
-          <p:cNvSpPr txBox="true"/>
+          <p:cNvPr id="20" name="TextBox 20"/>
+          <p:cNvSpPr txBox="1"/>
           <p:nvPr/>
         </p:nvSpPr>
         <p:spPr>
-          <a:xfrm rot="0">
+          <a:xfrm>
             <a:off x="1886305" y="6037014"/>
             <a:ext cx="10570169" cy="1346835"/>
           </a:xfrm>
@@ -16346,7 +16467,7 @@
           </a:prstGeom>
         </p:spPr>
         <p:txBody>
-          <a:bodyPr anchor="t" rtlCol="false" tIns="0" lIns="0" bIns="0" rIns="0">
+          <a:bodyPr lIns="0" tIns="0" rIns="0" bIns="0" rtlCol="0" anchor="t">
             <a:spAutoFit/>
           </a:bodyPr>
           <a:lstStyle/>
@@ -16411,13 +16532,14 @@
 </file>
 
 <file path=ppt/slides/slide6.xml><?xml version="1.0" encoding="utf-8"?>
-<p:sld xmlns:p="http://schemas.openxmlformats.org/presentationml/2006/main" xmlns:a="http://schemas.openxmlformats.org/drawingml/2006/main" xmlns:r="http://schemas.openxmlformats.org/officeDocument/2006/relationships">
+<p:sld xmlns:a="http://schemas.openxmlformats.org/drawingml/2006/main" xmlns:r="http://schemas.openxmlformats.org/officeDocument/2006/relationships" xmlns:p="http://schemas.openxmlformats.org/presentationml/2006/main">
   <p:cSld>
     <p:bg>
       <p:bgPr>
         <a:solidFill>
           <a:srgbClr val="F4F4F4"/>
         </a:solidFill>
+        <a:effectLst/>
       </p:bgPr>
     </p:bg>
     <p:spTree>
@@ -16436,12 +16558,12 @@
       </p:grpSpPr>
       <p:sp>
         <p:nvSpPr>
-          <p:cNvPr name="Freeform 2" id="2"/>
+          <p:cNvPr id="2" name="Freeform 2"/>
           <p:cNvSpPr/>
           <p:nvPr/>
         </p:nvSpPr>
         <p:spPr>
-          <a:xfrm flipH="false" flipV="false" rot="0">
+          <a:xfrm>
             <a:off x="17259300" y="276167"/>
             <a:ext cx="7574892" cy="3401815"/>
           </a:xfrm>
@@ -16450,9 +16572,9 @@
             <a:gdLst/>
             <a:ahLst/>
             <a:cxnLst/>
-            <a:rect r="r" b="b" t="t" l="l"/>
+            <a:rect l="l" t="t" r="r" b="b"/>
             <a:pathLst>
-              <a:path h="3401815" w="7574892">
+              <a:path w="7574892" h="3401815">
                 <a:moveTo>
                   <a:pt x="0" y="0"/>
                 </a:moveTo>
@@ -16481,19 +16603,19 @@
               </a:extLst>
             </a:blip>
             <a:stretch>
-              <a:fillRect l="0" t="0" r="0" b="0"/>
+              <a:fillRect/>
             </a:stretch>
           </a:blipFill>
         </p:spPr>
       </p:sp>
       <p:grpSp>
         <p:nvGrpSpPr>
-          <p:cNvPr name="Group 3" id="3"/>
+          <p:cNvPr id="3" name="Group 3"/>
           <p:cNvGrpSpPr/>
           <p:nvPr/>
         </p:nvGrpSpPr>
         <p:grpSpPr>
-          <a:xfrm rot="0">
+          <a:xfrm>
             <a:off x="1306896" y="3335505"/>
             <a:ext cx="15674207" cy="5460169"/>
             <a:chOff x="0" y="0"/>
@@ -16502,14 +16624,14 @@
         </p:grpSpPr>
         <p:grpSp>
           <p:nvGrpSpPr>
-            <p:cNvPr name="Group 4" id="4"/>
+            <p:cNvPr id="4" name="Group 4"/>
             <p:cNvGrpSpPr>
-              <a:grpSpLocks noChangeAspect="true"/>
+              <a:grpSpLocks noChangeAspect="1"/>
             </p:cNvGrpSpPr>
             <p:nvPr/>
           </p:nvGrpSpPr>
           <p:grpSpPr>
-            <a:xfrm rot="0">
+            <a:xfrm>
               <a:off x="617142" y="479729"/>
               <a:ext cx="20281801" cy="6800497"/>
               <a:chOff x="0" y="0"/>
@@ -16518,12 +16640,12 @@
           </p:grpSpPr>
           <p:sp>
             <p:nvSpPr>
-              <p:cNvPr name="Freeform 5" id="5"/>
+              <p:cNvPr id="5" name="Freeform 5"/>
               <p:cNvSpPr/>
               <p:nvPr/>
             </p:nvSpPr>
             <p:spPr>
-              <a:xfrm flipH="false" flipV="false" rot="0">
+              <a:xfrm>
                 <a:off x="27940" y="27940"/>
                 <a:ext cx="18882360" cy="918210"/>
               </a:xfrm>
@@ -16532,9 +16654,9 @@
                 <a:gdLst/>
                 <a:ahLst/>
                 <a:cxnLst/>
-                <a:rect r="r" b="b" t="t" l="l"/>
+                <a:rect l="l" t="t" r="r" b="b"/>
                 <a:pathLst>
-                  <a:path h="918210" w="18882360">
+                  <a:path w="18882360" h="918210">
                     <a:moveTo>
                       <a:pt x="18882360" y="918210"/>
                     </a:moveTo>
@@ -16576,12 +16698,12 @@
           </p:sp>
           <p:sp>
             <p:nvSpPr>
-              <p:cNvPr name="Freeform 6" id="6"/>
+              <p:cNvPr id="6" name="Freeform 6"/>
               <p:cNvSpPr/>
               <p:nvPr/>
             </p:nvSpPr>
             <p:spPr>
-              <a:xfrm flipH="false" flipV="false" rot="0">
+              <a:xfrm>
                 <a:off x="27940" y="944880"/>
                 <a:ext cx="18882360" cy="5377180"/>
               </a:xfrm>
@@ -16590,9 +16712,9 @@
                 <a:gdLst/>
                 <a:ahLst/>
                 <a:cxnLst/>
-                <a:rect r="r" b="b" t="t" l="l"/>
+                <a:rect l="l" t="t" r="r" b="b"/>
                 <a:pathLst>
-                  <a:path h="5377180" w="18882360">
+                  <a:path w="18882360" h="5377180">
                     <a:moveTo>
                       <a:pt x="9331960" y="0"/>
                     </a:moveTo>
@@ -16642,12 +16764,12 @@
           </p:sp>
           <p:sp>
             <p:nvSpPr>
-              <p:cNvPr name="Freeform 7" id="7"/>
+              <p:cNvPr id="7" name="Freeform 7"/>
               <p:cNvSpPr/>
               <p:nvPr/>
             </p:nvSpPr>
             <p:spPr>
-              <a:xfrm flipH="false" flipV="false" rot="0">
+              <a:xfrm>
                 <a:off x="499110" y="299720"/>
                 <a:ext cx="1515110" cy="368300"/>
               </a:xfrm>
@@ -16656,9 +16778,9 @@
                 <a:gdLst/>
                 <a:ahLst/>
                 <a:cxnLst/>
-                <a:rect r="r" b="b" t="t" l="l"/>
+                <a:rect l="l" t="t" r="r" b="b"/>
                 <a:pathLst>
-                  <a:path h="368300" w="1515110">
+                  <a:path w="1515110" h="368300">
                     <a:moveTo>
                       <a:pt x="184150" y="0"/>
                     </a:moveTo>
@@ -16741,12 +16863,12 @@
           </p:sp>
           <p:sp>
             <p:nvSpPr>
-              <p:cNvPr name="Freeform 8" id="8"/>
+              <p:cNvPr id="8" name="Freeform 8"/>
               <p:cNvSpPr/>
               <p:nvPr/>
             </p:nvSpPr>
             <p:spPr>
-              <a:xfrm flipH="false" flipV="false" rot="0">
+              <a:xfrm>
                 <a:off x="0" y="0"/>
                 <a:ext cx="18939511" cy="6350000"/>
               </a:xfrm>
@@ -16755,9 +16877,9 @@
                 <a:gdLst/>
                 <a:ahLst/>
                 <a:cxnLst/>
-                <a:rect r="r" b="b" t="t" l="l"/>
+                <a:rect l="l" t="t" r="r" b="b"/>
                 <a:pathLst>
-                  <a:path h="6350000" w="18939511">
+                  <a:path w="18939511" h="6350000">
                     <a:moveTo>
                       <a:pt x="18464530" y="0"/>
                     </a:moveTo>
@@ -17081,14 +17203,14 @@
         </p:grpSp>
         <p:grpSp>
           <p:nvGrpSpPr>
-            <p:cNvPr name="Group 9" id="9"/>
+            <p:cNvPr id="9" name="Group 9"/>
             <p:cNvGrpSpPr>
-              <a:grpSpLocks noChangeAspect="true"/>
+              <a:grpSpLocks noChangeAspect="1"/>
             </p:cNvGrpSpPr>
             <p:nvPr/>
           </p:nvGrpSpPr>
           <p:grpSpPr>
-            <a:xfrm rot="0">
+            <a:xfrm>
               <a:off x="0" y="0"/>
               <a:ext cx="20281801" cy="6800497"/>
               <a:chOff x="0" y="0"/>
@@ -17097,12 +17219,12 @@
           </p:grpSpPr>
           <p:sp>
             <p:nvSpPr>
-              <p:cNvPr name="Freeform 10" id="10"/>
+              <p:cNvPr id="10" name="Freeform 10"/>
               <p:cNvSpPr/>
               <p:nvPr/>
             </p:nvSpPr>
             <p:spPr>
-              <a:xfrm flipH="false" flipV="false" rot="0">
+              <a:xfrm>
                 <a:off x="27940" y="27940"/>
                 <a:ext cx="18882360" cy="918210"/>
               </a:xfrm>
@@ -17111,9 +17233,9 @@
                 <a:gdLst/>
                 <a:ahLst/>
                 <a:cxnLst/>
-                <a:rect r="r" b="b" t="t" l="l"/>
+                <a:rect l="l" t="t" r="r" b="b"/>
                 <a:pathLst>
-                  <a:path h="918210" w="18882360">
+                  <a:path w="18882360" h="918210">
                     <a:moveTo>
                       <a:pt x="18882360" y="918210"/>
                     </a:moveTo>
@@ -17155,12 +17277,12 @@
           </p:sp>
           <p:sp>
             <p:nvSpPr>
-              <p:cNvPr name="Freeform 11" id="11"/>
+              <p:cNvPr id="11" name="Freeform 11"/>
               <p:cNvSpPr/>
               <p:nvPr/>
             </p:nvSpPr>
             <p:spPr>
-              <a:xfrm flipH="false" flipV="false" rot="0">
+              <a:xfrm>
                 <a:off x="27940" y="944880"/>
                 <a:ext cx="18882360" cy="5377180"/>
               </a:xfrm>
@@ -17169,9 +17291,9 @@
                 <a:gdLst/>
                 <a:ahLst/>
                 <a:cxnLst/>
-                <a:rect r="r" b="b" t="t" l="l"/>
+                <a:rect l="l" t="t" r="r" b="b"/>
                 <a:pathLst>
-                  <a:path h="5377180" w="18882360">
+                  <a:path w="18882360" h="5377180">
                     <a:moveTo>
                       <a:pt x="9331960" y="0"/>
                     </a:moveTo>
@@ -17221,12 +17343,12 @@
           </p:sp>
           <p:sp>
             <p:nvSpPr>
-              <p:cNvPr name="Freeform 12" id="12"/>
+              <p:cNvPr id="12" name="Freeform 12"/>
               <p:cNvSpPr/>
               <p:nvPr/>
             </p:nvSpPr>
             <p:spPr>
-              <a:xfrm flipH="false" flipV="false" rot="0">
+              <a:xfrm>
                 <a:off x="499110" y="299720"/>
                 <a:ext cx="1515110" cy="368300"/>
               </a:xfrm>
@@ -17235,9 +17357,9 @@
                 <a:gdLst/>
                 <a:ahLst/>
                 <a:cxnLst/>
-                <a:rect r="r" b="b" t="t" l="l"/>
+                <a:rect l="l" t="t" r="r" b="b"/>
                 <a:pathLst>
-                  <a:path h="368300" w="1515110">
+                  <a:path w="1515110" h="368300">
                     <a:moveTo>
                       <a:pt x="184150" y="0"/>
                     </a:moveTo>
@@ -17320,12 +17442,12 @@
           </p:sp>
           <p:sp>
             <p:nvSpPr>
-              <p:cNvPr name="Freeform 13" id="13"/>
+              <p:cNvPr id="13" name="Freeform 13"/>
               <p:cNvSpPr/>
               <p:nvPr/>
             </p:nvSpPr>
             <p:spPr>
-              <a:xfrm flipH="false" flipV="false" rot="0">
+              <a:xfrm>
                 <a:off x="0" y="0"/>
                 <a:ext cx="18939511" cy="6350000"/>
               </a:xfrm>
@@ -17334,9 +17456,9 @@
                 <a:gdLst/>
                 <a:ahLst/>
                 <a:cxnLst/>
-                <a:rect r="r" b="b" t="t" l="l"/>
+                <a:rect l="l" t="t" r="r" b="b"/>
                 <a:pathLst>
-                  <a:path h="6350000" w="18939511">
+                  <a:path w="18939511" h="6350000">
                     <a:moveTo>
                       <a:pt x="18464530" y="0"/>
                     </a:moveTo>
@@ -17661,12 +17783,12 @@
       </p:grpSp>
       <p:sp>
         <p:nvSpPr>
-          <p:cNvPr name="TextBox 14" id="14"/>
-          <p:cNvSpPr txBox="true"/>
+          <p:cNvPr id="14" name="TextBox 14"/>
+          <p:cNvSpPr txBox="1"/>
           <p:nvPr/>
         </p:nvSpPr>
         <p:spPr>
-          <a:xfrm rot="0">
+          <a:xfrm>
             <a:off x="2153727" y="4798695"/>
             <a:ext cx="10570169" cy="661035"/>
           </a:xfrm>
@@ -17675,7 +17797,7 @@
           </a:prstGeom>
         </p:spPr>
         <p:txBody>
-          <a:bodyPr anchor="t" rtlCol="false" tIns="0" lIns="0" bIns="0" rIns="0">
+          <a:bodyPr lIns="0" tIns="0" rIns="0" bIns="0" rtlCol="0" anchor="t">
             <a:spAutoFit/>
           </a:bodyPr>
           <a:lstStyle/>
@@ -17699,12 +17821,12 @@
       </p:sp>
       <p:grpSp>
         <p:nvGrpSpPr>
-          <p:cNvPr name="Group 15" id="15"/>
+          <p:cNvPr id="15" name="Group 15"/>
           <p:cNvGrpSpPr/>
           <p:nvPr/>
         </p:nvGrpSpPr>
         <p:grpSpPr>
-          <a:xfrm rot="0">
+          <a:xfrm>
             <a:off x="1306896" y="1273702"/>
             <a:ext cx="15559849" cy="1404363"/>
             <a:chOff x="0" y="0"/>
@@ -17713,12 +17835,12 @@
         </p:grpSpPr>
         <p:sp>
           <p:nvSpPr>
-            <p:cNvPr name="Freeform 16" id="16"/>
+            <p:cNvPr id="16" name="Freeform 16"/>
             <p:cNvSpPr/>
             <p:nvPr/>
           </p:nvSpPr>
           <p:spPr>
-            <a:xfrm flipH="false" flipV="false" rot="0">
+            <a:xfrm>
               <a:off x="31750" y="31750"/>
               <a:ext cx="16950810" cy="1472137"/>
             </a:xfrm>
@@ -17727,9 +17849,9 @@
               <a:gdLst/>
               <a:ahLst/>
               <a:cxnLst/>
-              <a:rect r="r" b="b" t="t" l="l"/>
+              <a:rect l="l" t="t" r="r" b="b"/>
               <a:pathLst>
-                <a:path h="1472137" w="16950810">
+                <a:path w="16950810" h="1472137">
                   <a:moveTo>
                     <a:pt x="16858100" y="1472137"/>
                   </a:moveTo>
@@ -17776,12 +17898,12 @@
         </p:sp>
         <p:sp>
           <p:nvSpPr>
-            <p:cNvPr name="Freeform 17" id="17"/>
+            <p:cNvPr id="17" name="Freeform 17"/>
             <p:cNvSpPr/>
             <p:nvPr/>
           </p:nvSpPr>
           <p:spPr>
-            <a:xfrm flipH="false" flipV="false" rot="0">
+            <a:xfrm>
               <a:off x="0" y="0"/>
               <a:ext cx="17014310" cy="1535637"/>
             </a:xfrm>
@@ -17790,9 +17912,9 @@
               <a:gdLst/>
               <a:ahLst/>
               <a:cxnLst/>
-              <a:rect r="r" b="b" t="t" l="l"/>
+              <a:rect l="l" t="t" r="r" b="b"/>
               <a:pathLst>
-                <a:path h="1535637" w="17014310">
+                <a:path w="17014310" h="1535637">
                   <a:moveTo>
                     <a:pt x="16889850" y="59690"/>
                   </a:moveTo>
@@ -17875,12 +17997,12 @@
       </p:grpSp>
       <p:sp>
         <p:nvSpPr>
-          <p:cNvPr name="TextBox 18" id="18"/>
-          <p:cNvSpPr txBox="true"/>
+          <p:cNvPr id="18" name="TextBox 18"/>
+          <p:cNvSpPr txBox="1"/>
           <p:nvPr/>
         </p:nvSpPr>
         <p:spPr>
-          <a:xfrm rot="0">
+          <a:xfrm>
             <a:off x="1886305" y="1438594"/>
             <a:ext cx="15707129" cy="962660"/>
           </a:xfrm>
@@ -17889,7 +18011,7 @@
           </a:prstGeom>
         </p:spPr>
         <p:txBody>
-          <a:bodyPr anchor="t" rtlCol="false" tIns="0" lIns="0" bIns="0" rIns="0">
+          <a:bodyPr lIns="0" tIns="0" rIns="0" bIns="0" rtlCol="0" anchor="t">
             <a:spAutoFit/>
           </a:bodyPr>
           <a:lstStyle/>
@@ -17913,12 +18035,12 @@
       </p:sp>
       <p:sp>
         <p:nvSpPr>
-          <p:cNvPr name="Freeform 19" id="19"/>
+          <p:cNvPr id="19" name="Freeform 19"/>
           <p:cNvSpPr/>
           <p:nvPr/>
         </p:nvSpPr>
         <p:spPr>
-          <a:xfrm flipH="false" flipV="false" rot="0">
+          <a:xfrm>
             <a:off x="15461386" y="1498431"/>
             <a:ext cx="954906" cy="954906"/>
           </a:xfrm>
@@ -17927,9 +18049,9 @@
             <a:gdLst/>
             <a:ahLst/>
             <a:cxnLst/>
-            <a:rect r="r" b="b" t="t" l="l"/>
+            <a:rect l="l" t="t" r="r" b="b"/>
             <a:pathLst>
-              <a:path h="954906" w="954906">
+              <a:path w="954906" h="954906">
                 <a:moveTo>
                   <a:pt x="0" y="0"/>
                 </a:moveTo>
@@ -17958,19 +18080,19 @@
               </a:extLst>
             </a:blip>
             <a:stretch>
-              <a:fillRect l="0" t="0" r="0" b="0"/>
+              <a:fillRect/>
             </a:stretch>
           </a:blipFill>
         </p:spPr>
       </p:sp>
       <p:sp>
         <p:nvSpPr>
-          <p:cNvPr name="TextBox 20" id="20"/>
-          <p:cNvSpPr txBox="true"/>
+          <p:cNvPr id="20" name="TextBox 20"/>
+          <p:cNvSpPr txBox="1"/>
           <p:nvPr/>
         </p:nvSpPr>
         <p:spPr>
-          <a:xfrm rot="0">
+          <a:xfrm>
             <a:off x="2153727" y="5685088"/>
             <a:ext cx="9706423" cy="2032635"/>
           </a:xfrm>
@@ -17979,7 +18101,7 @@
           </a:prstGeom>
         </p:spPr>
         <p:txBody>
-          <a:bodyPr anchor="t" rtlCol="false" tIns="0" lIns="0" bIns="0" rIns="0">
+          <a:bodyPr lIns="0" tIns="0" rIns="0" bIns="0" rtlCol="0" anchor="t">
             <a:spAutoFit/>
           </a:bodyPr>
           <a:lstStyle/>
@@ -18013,13 +18135,14 @@
 </file>
 
 <file path=ppt/slides/slide7.xml><?xml version="1.0" encoding="utf-8"?>
-<p:sld xmlns:p="http://schemas.openxmlformats.org/presentationml/2006/main" xmlns:a="http://schemas.openxmlformats.org/drawingml/2006/main" xmlns:r="http://schemas.openxmlformats.org/officeDocument/2006/relationships">
+<p:sld xmlns:a="http://schemas.openxmlformats.org/drawingml/2006/main" xmlns:r="http://schemas.openxmlformats.org/officeDocument/2006/relationships" xmlns:p="http://schemas.openxmlformats.org/presentationml/2006/main">
   <p:cSld>
     <p:bg>
       <p:bgPr>
         <a:solidFill>
           <a:srgbClr val="F4F4F4"/>
         </a:solidFill>
+        <a:effectLst/>
       </p:bgPr>
     </p:bg>
     <p:spTree>
@@ -18038,12 +18161,12 @@
       </p:grpSpPr>
       <p:sp>
         <p:nvSpPr>
-          <p:cNvPr name="Freeform 2" id="2"/>
+          <p:cNvPr id="2" name="Freeform 2"/>
           <p:cNvSpPr/>
           <p:nvPr/>
         </p:nvSpPr>
         <p:spPr>
-          <a:xfrm flipH="false" flipV="false" rot="0">
+          <a:xfrm>
             <a:off x="17259300" y="276167"/>
             <a:ext cx="7574892" cy="3401815"/>
           </a:xfrm>
@@ -18052,9 +18175,9 @@
             <a:gdLst/>
             <a:ahLst/>
             <a:cxnLst/>
-            <a:rect r="r" b="b" t="t" l="l"/>
+            <a:rect l="l" t="t" r="r" b="b"/>
             <a:pathLst>
-              <a:path h="3401815" w="7574892">
+              <a:path w="7574892" h="3401815">
                 <a:moveTo>
                   <a:pt x="0" y="0"/>
                 </a:moveTo>
@@ -18083,19 +18206,19 @@
               </a:extLst>
             </a:blip>
             <a:stretch>
-              <a:fillRect l="0" t="0" r="0" b="0"/>
+              <a:fillRect/>
             </a:stretch>
           </a:blipFill>
         </p:spPr>
       </p:sp>
       <p:grpSp>
         <p:nvGrpSpPr>
-          <p:cNvPr name="Group 3" id="3"/>
+          <p:cNvPr id="3" name="Group 3"/>
           <p:cNvGrpSpPr/>
           <p:nvPr/>
         </p:nvGrpSpPr>
         <p:grpSpPr>
-          <a:xfrm rot="0">
+          <a:xfrm>
             <a:off x="1306896" y="3335505"/>
             <a:ext cx="15674207" cy="5460169"/>
             <a:chOff x="0" y="0"/>
@@ -18104,14 +18227,14 @@
         </p:grpSpPr>
         <p:grpSp>
           <p:nvGrpSpPr>
-            <p:cNvPr name="Group 4" id="4"/>
+            <p:cNvPr id="4" name="Group 4"/>
             <p:cNvGrpSpPr>
-              <a:grpSpLocks noChangeAspect="true"/>
+              <a:grpSpLocks noChangeAspect="1"/>
             </p:cNvGrpSpPr>
             <p:nvPr/>
           </p:nvGrpSpPr>
           <p:grpSpPr>
-            <a:xfrm rot="0">
+            <a:xfrm>
               <a:off x="617142" y="479729"/>
               <a:ext cx="20281801" cy="6800497"/>
               <a:chOff x="0" y="0"/>
@@ -18120,12 +18243,12 @@
           </p:grpSpPr>
           <p:sp>
             <p:nvSpPr>
-              <p:cNvPr name="Freeform 5" id="5"/>
+              <p:cNvPr id="5" name="Freeform 5"/>
               <p:cNvSpPr/>
               <p:nvPr/>
             </p:nvSpPr>
             <p:spPr>
-              <a:xfrm flipH="false" flipV="false" rot="0">
+              <a:xfrm>
                 <a:off x="27940" y="27940"/>
                 <a:ext cx="18882360" cy="918210"/>
               </a:xfrm>
@@ -18134,9 +18257,9 @@
                 <a:gdLst/>
                 <a:ahLst/>
                 <a:cxnLst/>
-                <a:rect r="r" b="b" t="t" l="l"/>
+                <a:rect l="l" t="t" r="r" b="b"/>
                 <a:pathLst>
-                  <a:path h="918210" w="18882360">
+                  <a:path w="18882360" h="918210">
                     <a:moveTo>
                       <a:pt x="18882360" y="918210"/>
                     </a:moveTo>
@@ -18178,12 +18301,12 @@
           </p:sp>
           <p:sp>
             <p:nvSpPr>
-              <p:cNvPr name="Freeform 6" id="6"/>
+              <p:cNvPr id="6" name="Freeform 6"/>
               <p:cNvSpPr/>
               <p:nvPr/>
             </p:nvSpPr>
             <p:spPr>
-              <a:xfrm flipH="false" flipV="false" rot="0">
+              <a:xfrm>
                 <a:off x="27940" y="944880"/>
                 <a:ext cx="18882360" cy="5377180"/>
               </a:xfrm>
@@ -18192,9 +18315,9 @@
                 <a:gdLst/>
                 <a:ahLst/>
                 <a:cxnLst/>
-                <a:rect r="r" b="b" t="t" l="l"/>
+                <a:rect l="l" t="t" r="r" b="b"/>
                 <a:pathLst>
-                  <a:path h="5377180" w="18882360">
+                  <a:path w="18882360" h="5377180">
                     <a:moveTo>
                       <a:pt x="9331960" y="0"/>
                     </a:moveTo>
@@ -18244,12 +18367,12 @@
           </p:sp>
           <p:sp>
             <p:nvSpPr>
-              <p:cNvPr name="Freeform 7" id="7"/>
+              <p:cNvPr id="7" name="Freeform 7"/>
               <p:cNvSpPr/>
               <p:nvPr/>
             </p:nvSpPr>
             <p:spPr>
-              <a:xfrm flipH="false" flipV="false" rot="0">
+              <a:xfrm>
                 <a:off x="499110" y="299720"/>
                 <a:ext cx="1515110" cy="368300"/>
               </a:xfrm>
@@ -18258,9 +18381,9 @@
                 <a:gdLst/>
                 <a:ahLst/>
                 <a:cxnLst/>
-                <a:rect r="r" b="b" t="t" l="l"/>
+                <a:rect l="l" t="t" r="r" b="b"/>
                 <a:pathLst>
-                  <a:path h="368300" w="1515110">
+                  <a:path w="1515110" h="368300">
                     <a:moveTo>
                       <a:pt x="184150" y="0"/>
                     </a:moveTo>
@@ -18343,12 +18466,12 @@
           </p:sp>
           <p:sp>
             <p:nvSpPr>
-              <p:cNvPr name="Freeform 8" id="8"/>
+              <p:cNvPr id="8" name="Freeform 8"/>
               <p:cNvSpPr/>
               <p:nvPr/>
             </p:nvSpPr>
             <p:spPr>
-              <a:xfrm flipH="false" flipV="false" rot="0">
+              <a:xfrm>
                 <a:off x="0" y="0"/>
                 <a:ext cx="18939511" cy="6350000"/>
               </a:xfrm>
@@ -18357,9 +18480,9 @@
                 <a:gdLst/>
                 <a:ahLst/>
                 <a:cxnLst/>
-                <a:rect r="r" b="b" t="t" l="l"/>
+                <a:rect l="l" t="t" r="r" b="b"/>
                 <a:pathLst>
-                  <a:path h="6350000" w="18939511">
+                  <a:path w="18939511" h="6350000">
                     <a:moveTo>
                       <a:pt x="18464530" y="0"/>
                     </a:moveTo>
@@ -18683,14 +18806,14 @@
         </p:grpSp>
         <p:grpSp>
           <p:nvGrpSpPr>
-            <p:cNvPr name="Group 9" id="9"/>
+            <p:cNvPr id="9" name="Group 9"/>
             <p:cNvGrpSpPr>
-              <a:grpSpLocks noChangeAspect="true"/>
+              <a:grpSpLocks noChangeAspect="1"/>
             </p:cNvGrpSpPr>
             <p:nvPr/>
           </p:nvGrpSpPr>
           <p:grpSpPr>
-            <a:xfrm rot="0">
+            <a:xfrm>
               <a:off x="0" y="0"/>
               <a:ext cx="20281801" cy="6800497"/>
               <a:chOff x="0" y="0"/>
@@ -18699,12 +18822,12 @@
           </p:grpSpPr>
           <p:sp>
             <p:nvSpPr>
-              <p:cNvPr name="Freeform 10" id="10"/>
+              <p:cNvPr id="10" name="Freeform 10"/>
               <p:cNvSpPr/>
               <p:nvPr/>
             </p:nvSpPr>
             <p:spPr>
-              <a:xfrm flipH="false" flipV="false" rot="0">
+              <a:xfrm>
                 <a:off x="27940" y="27940"/>
                 <a:ext cx="18882360" cy="918210"/>
               </a:xfrm>
@@ -18713,9 +18836,9 @@
                 <a:gdLst/>
                 <a:ahLst/>
                 <a:cxnLst/>
-                <a:rect r="r" b="b" t="t" l="l"/>
+                <a:rect l="l" t="t" r="r" b="b"/>
                 <a:pathLst>
-                  <a:path h="918210" w="18882360">
+                  <a:path w="18882360" h="918210">
                     <a:moveTo>
                       <a:pt x="18882360" y="918210"/>
                     </a:moveTo>
@@ -18757,12 +18880,12 @@
           </p:sp>
           <p:sp>
             <p:nvSpPr>
-              <p:cNvPr name="Freeform 11" id="11"/>
+              <p:cNvPr id="11" name="Freeform 11"/>
               <p:cNvSpPr/>
               <p:nvPr/>
             </p:nvSpPr>
             <p:spPr>
-              <a:xfrm flipH="false" flipV="false" rot="0">
+              <a:xfrm>
                 <a:off x="27940" y="944880"/>
                 <a:ext cx="18882360" cy="5377180"/>
               </a:xfrm>
@@ -18771,9 +18894,9 @@
                 <a:gdLst/>
                 <a:ahLst/>
                 <a:cxnLst/>
-                <a:rect r="r" b="b" t="t" l="l"/>
+                <a:rect l="l" t="t" r="r" b="b"/>
                 <a:pathLst>
-                  <a:path h="5377180" w="18882360">
+                  <a:path w="18882360" h="5377180">
                     <a:moveTo>
                       <a:pt x="9331960" y="0"/>
                     </a:moveTo>
@@ -18823,12 +18946,12 @@
           </p:sp>
           <p:sp>
             <p:nvSpPr>
-              <p:cNvPr name="Freeform 12" id="12"/>
+              <p:cNvPr id="12" name="Freeform 12"/>
               <p:cNvSpPr/>
               <p:nvPr/>
             </p:nvSpPr>
             <p:spPr>
-              <a:xfrm flipH="false" flipV="false" rot="0">
+              <a:xfrm>
                 <a:off x="499110" y="299720"/>
                 <a:ext cx="1515110" cy="368300"/>
               </a:xfrm>
@@ -18837,9 +18960,9 @@
                 <a:gdLst/>
                 <a:ahLst/>
                 <a:cxnLst/>
-                <a:rect r="r" b="b" t="t" l="l"/>
+                <a:rect l="l" t="t" r="r" b="b"/>
                 <a:pathLst>
-                  <a:path h="368300" w="1515110">
+                  <a:path w="1515110" h="368300">
                     <a:moveTo>
                       <a:pt x="184150" y="0"/>
                     </a:moveTo>
@@ -18922,12 +19045,12 @@
           </p:sp>
           <p:sp>
             <p:nvSpPr>
-              <p:cNvPr name="Freeform 13" id="13"/>
+              <p:cNvPr id="13" name="Freeform 13"/>
               <p:cNvSpPr/>
               <p:nvPr/>
             </p:nvSpPr>
             <p:spPr>
-              <a:xfrm flipH="false" flipV="false" rot="0">
+              <a:xfrm>
                 <a:off x="0" y="0"/>
                 <a:ext cx="18939511" cy="6350000"/>
               </a:xfrm>
@@ -18936,9 +19059,9 @@
                 <a:gdLst/>
                 <a:ahLst/>
                 <a:cxnLst/>
-                <a:rect r="r" b="b" t="t" l="l"/>
+                <a:rect l="l" t="t" r="r" b="b"/>
                 <a:pathLst>
-                  <a:path h="6350000" w="18939511">
+                  <a:path w="18939511" h="6350000">
                     <a:moveTo>
                       <a:pt x="18464530" y="0"/>
                     </a:moveTo>
@@ -19263,12 +19386,12 @@
       </p:grpSp>
       <p:sp>
         <p:nvSpPr>
-          <p:cNvPr name="TextBox 14" id="14"/>
-          <p:cNvSpPr txBox="true"/>
+          <p:cNvPr id="14" name="TextBox 14"/>
+          <p:cNvSpPr txBox="1"/>
           <p:nvPr/>
         </p:nvSpPr>
         <p:spPr>
-          <a:xfrm rot="0">
+          <a:xfrm>
             <a:off x="2153727" y="4798695"/>
             <a:ext cx="10570169" cy="661035"/>
           </a:xfrm>
@@ -19277,7 +19400,7 @@
           </a:prstGeom>
         </p:spPr>
         <p:txBody>
-          <a:bodyPr anchor="t" rtlCol="false" tIns="0" lIns="0" bIns="0" rIns="0">
+          <a:bodyPr lIns="0" tIns="0" rIns="0" bIns="0" rtlCol="0" anchor="t">
             <a:spAutoFit/>
           </a:bodyPr>
           <a:lstStyle/>
@@ -19301,12 +19424,12 @@
       </p:sp>
       <p:grpSp>
         <p:nvGrpSpPr>
-          <p:cNvPr name="Group 15" id="15"/>
+          <p:cNvPr id="15" name="Group 15"/>
           <p:cNvGrpSpPr/>
           <p:nvPr/>
         </p:nvGrpSpPr>
         <p:grpSpPr>
-          <a:xfrm rot="0">
+          <a:xfrm>
             <a:off x="1306896" y="1273702"/>
             <a:ext cx="15559849" cy="1404363"/>
             <a:chOff x="0" y="0"/>
@@ -19315,12 +19438,12 @@
         </p:grpSpPr>
         <p:sp>
           <p:nvSpPr>
-            <p:cNvPr name="Freeform 16" id="16"/>
+            <p:cNvPr id="16" name="Freeform 16"/>
             <p:cNvSpPr/>
             <p:nvPr/>
           </p:nvSpPr>
           <p:spPr>
-            <a:xfrm flipH="false" flipV="false" rot="0">
+            <a:xfrm>
               <a:off x="31750" y="31750"/>
               <a:ext cx="16950810" cy="1472137"/>
             </a:xfrm>
@@ -19329,9 +19452,9 @@
               <a:gdLst/>
               <a:ahLst/>
               <a:cxnLst/>
-              <a:rect r="r" b="b" t="t" l="l"/>
+              <a:rect l="l" t="t" r="r" b="b"/>
               <a:pathLst>
-                <a:path h="1472137" w="16950810">
+                <a:path w="16950810" h="1472137">
                   <a:moveTo>
                     <a:pt x="16858100" y="1472137"/>
                   </a:moveTo>
@@ -19378,12 +19501,12 @@
         </p:sp>
         <p:sp>
           <p:nvSpPr>
-            <p:cNvPr name="Freeform 17" id="17"/>
+            <p:cNvPr id="17" name="Freeform 17"/>
             <p:cNvSpPr/>
             <p:nvPr/>
           </p:nvSpPr>
           <p:spPr>
-            <a:xfrm flipH="false" flipV="false" rot="0">
+            <a:xfrm>
               <a:off x="0" y="0"/>
               <a:ext cx="17014310" cy="1535637"/>
             </a:xfrm>
@@ -19392,9 +19515,9 @@
               <a:gdLst/>
               <a:ahLst/>
               <a:cxnLst/>
-              <a:rect r="r" b="b" t="t" l="l"/>
+              <a:rect l="l" t="t" r="r" b="b"/>
               <a:pathLst>
-                <a:path h="1535637" w="17014310">
+                <a:path w="17014310" h="1535637">
                   <a:moveTo>
                     <a:pt x="16889850" y="59690"/>
                   </a:moveTo>
@@ -19477,12 +19600,12 @@
       </p:grpSp>
       <p:sp>
         <p:nvSpPr>
-          <p:cNvPr name="TextBox 18" id="18"/>
-          <p:cNvSpPr txBox="true"/>
+          <p:cNvPr id="18" name="TextBox 18"/>
+          <p:cNvSpPr txBox="1"/>
           <p:nvPr/>
         </p:nvSpPr>
         <p:spPr>
-          <a:xfrm rot="0">
+          <a:xfrm>
             <a:off x="1886305" y="1438594"/>
             <a:ext cx="15707129" cy="962660"/>
           </a:xfrm>
@@ -19491,7 +19614,7 @@
           </a:prstGeom>
         </p:spPr>
         <p:txBody>
-          <a:bodyPr anchor="t" rtlCol="false" tIns="0" lIns="0" bIns="0" rIns="0">
+          <a:bodyPr lIns="0" tIns="0" rIns="0" bIns="0" rtlCol="0" anchor="t">
             <a:spAutoFit/>
           </a:bodyPr>
           <a:lstStyle/>
@@ -19515,12 +19638,12 @@
       </p:sp>
       <p:sp>
         <p:nvSpPr>
-          <p:cNvPr name="Freeform 19" id="19"/>
+          <p:cNvPr id="19" name="Freeform 19"/>
           <p:cNvSpPr/>
           <p:nvPr/>
         </p:nvSpPr>
         <p:spPr>
-          <a:xfrm flipH="false" flipV="false" rot="0">
+          <a:xfrm>
             <a:off x="15461386" y="1498431"/>
             <a:ext cx="954906" cy="954906"/>
           </a:xfrm>
@@ -19529,9 +19652,9 @@
             <a:gdLst/>
             <a:ahLst/>
             <a:cxnLst/>
-            <a:rect r="r" b="b" t="t" l="l"/>
+            <a:rect l="l" t="t" r="r" b="b"/>
             <a:pathLst>
-              <a:path h="954906" w="954906">
+              <a:path w="954906" h="954906">
                 <a:moveTo>
                   <a:pt x="0" y="0"/>
                 </a:moveTo>
@@ -19560,19 +19683,19 @@
               </a:extLst>
             </a:blip>
             <a:stretch>
-              <a:fillRect l="0" t="0" r="0" b="0"/>
+              <a:fillRect/>
             </a:stretch>
           </a:blipFill>
         </p:spPr>
       </p:sp>
       <p:sp>
         <p:nvSpPr>
-          <p:cNvPr name="TextBox 20" id="20"/>
-          <p:cNvSpPr txBox="true"/>
+          <p:cNvPr id="20" name="TextBox 20"/>
+          <p:cNvSpPr txBox="1"/>
           <p:nvPr/>
         </p:nvSpPr>
         <p:spPr>
-          <a:xfrm rot="0">
+          <a:xfrm>
             <a:off x="2153727" y="5704323"/>
             <a:ext cx="14536322" cy="2032635"/>
           </a:xfrm>
@@ -19581,7 +19704,7 @@
           </a:prstGeom>
         </p:spPr>
         <p:txBody>
-          <a:bodyPr anchor="t" rtlCol="false" tIns="0" lIns="0" bIns="0" rIns="0">
+          <a:bodyPr lIns="0" tIns="0" rIns="0" bIns="0" rtlCol="0" anchor="t">
             <a:spAutoFit/>
           </a:bodyPr>
           <a:lstStyle/>
@@ -19615,13 +19738,14 @@
 </file>
 
 <file path=ppt/slides/slide8.xml><?xml version="1.0" encoding="utf-8"?>
-<p:sld xmlns:p="http://schemas.openxmlformats.org/presentationml/2006/main" xmlns:a="http://schemas.openxmlformats.org/drawingml/2006/main" xmlns:r="http://schemas.openxmlformats.org/officeDocument/2006/relationships">
+<p:sld xmlns:a="http://schemas.openxmlformats.org/drawingml/2006/main" xmlns:r="http://schemas.openxmlformats.org/officeDocument/2006/relationships" xmlns:p="http://schemas.openxmlformats.org/presentationml/2006/main">
   <p:cSld>
     <p:bg>
       <p:bgPr>
         <a:solidFill>
           <a:srgbClr val="F4F4F4"/>
         </a:solidFill>
+        <a:effectLst/>
       </p:bgPr>
     </p:bg>
     <p:spTree>
@@ -19640,12 +19764,12 @@
       </p:grpSpPr>
       <p:sp>
         <p:nvSpPr>
-          <p:cNvPr name="Freeform 2" id="2"/>
+          <p:cNvPr id="2" name="Freeform 2"/>
           <p:cNvSpPr/>
           <p:nvPr/>
         </p:nvSpPr>
         <p:spPr>
-          <a:xfrm flipH="false" flipV="false" rot="0">
+          <a:xfrm>
             <a:off x="17259300" y="276167"/>
             <a:ext cx="7574892" cy="3401815"/>
           </a:xfrm>
@@ -19654,9 +19778,9 @@
             <a:gdLst/>
             <a:ahLst/>
             <a:cxnLst/>
-            <a:rect r="r" b="b" t="t" l="l"/>
+            <a:rect l="l" t="t" r="r" b="b"/>
             <a:pathLst>
-              <a:path h="3401815" w="7574892">
+              <a:path w="7574892" h="3401815">
                 <a:moveTo>
                   <a:pt x="0" y="0"/>
                 </a:moveTo>
@@ -19685,19 +19809,19 @@
               </a:extLst>
             </a:blip>
             <a:stretch>
-              <a:fillRect l="0" t="0" r="0" b="0"/>
+              <a:fillRect/>
             </a:stretch>
           </a:blipFill>
         </p:spPr>
       </p:sp>
       <p:grpSp>
         <p:nvGrpSpPr>
-          <p:cNvPr name="Group 3" id="3"/>
+          <p:cNvPr id="3" name="Group 3"/>
           <p:cNvGrpSpPr/>
           <p:nvPr/>
         </p:nvGrpSpPr>
         <p:grpSpPr>
-          <a:xfrm rot="0">
+          <a:xfrm>
             <a:off x="1306896" y="3335505"/>
             <a:ext cx="15674207" cy="5460169"/>
             <a:chOff x="0" y="0"/>
@@ -19706,14 +19830,14 @@
         </p:grpSpPr>
         <p:grpSp>
           <p:nvGrpSpPr>
-            <p:cNvPr name="Group 4" id="4"/>
+            <p:cNvPr id="4" name="Group 4"/>
             <p:cNvGrpSpPr>
-              <a:grpSpLocks noChangeAspect="true"/>
+              <a:grpSpLocks noChangeAspect="1"/>
             </p:cNvGrpSpPr>
             <p:nvPr/>
           </p:nvGrpSpPr>
           <p:grpSpPr>
-            <a:xfrm rot="0">
+            <a:xfrm>
               <a:off x="617142" y="479729"/>
               <a:ext cx="20281801" cy="6800497"/>
               <a:chOff x="0" y="0"/>
@@ -19722,12 +19846,12 @@
           </p:grpSpPr>
           <p:sp>
             <p:nvSpPr>
-              <p:cNvPr name="Freeform 5" id="5"/>
+              <p:cNvPr id="5" name="Freeform 5"/>
               <p:cNvSpPr/>
               <p:nvPr/>
             </p:nvSpPr>
             <p:spPr>
-              <a:xfrm flipH="false" flipV="false" rot="0">
+              <a:xfrm>
                 <a:off x="27940" y="27940"/>
                 <a:ext cx="18882360" cy="918210"/>
               </a:xfrm>
@@ -19736,9 +19860,9 @@
                 <a:gdLst/>
                 <a:ahLst/>
                 <a:cxnLst/>
-                <a:rect r="r" b="b" t="t" l="l"/>
+                <a:rect l="l" t="t" r="r" b="b"/>
                 <a:pathLst>
-                  <a:path h="918210" w="18882360">
+                  <a:path w="18882360" h="918210">
                     <a:moveTo>
                       <a:pt x="18882360" y="918210"/>
                     </a:moveTo>
@@ -19780,12 +19904,12 @@
           </p:sp>
           <p:sp>
             <p:nvSpPr>
-              <p:cNvPr name="Freeform 6" id="6"/>
+              <p:cNvPr id="6" name="Freeform 6"/>
               <p:cNvSpPr/>
               <p:nvPr/>
             </p:nvSpPr>
             <p:spPr>
-              <a:xfrm flipH="false" flipV="false" rot="0">
+              <a:xfrm>
                 <a:off x="27940" y="944880"/>
                 <a:ext cx="18882360" cy="5377180"/>
               </a:xfrm>
@@ -19794,9 +19918,9 @@
                 <a:gdLst/>
                 <a:ahLst/>
                 <a:cxnLst/>
-                <a:rect r="r" b="b" t="t" l="l"/>
+                <a:rect l="l" t="t" r="r" b="b"/>
                 <a:pathLst>
-                  <a:path h="5377180" w="18882360">
+                  <a:path w="18882360" h="5377180">
                     <a:moveTo>
                       <a:pt x="9331960" y="0"/>
                     </a:moveTo>
@@ -19846,12 +19970,12 @@
           </p:sp>
           <p:sp>
             <p:nvSpPr>
-              <p:cNvPr name="Freeform 7" id="7"/>
+              <p:cNvPr id="7" name="Freeform 7"/>
               <p:cNvSpPr/>
               <p:nvPr/>
             </p:nvSpPr>
             <p:spPr>
-              <a:xfrm flipH="false" flipV="false" rot="0">
+              <a:xfrm>
                 <a:off x="499110" y="299720"/>
                 <a:ext cx="1515110" cy="368300"/>
               </a:xfrm>
@@ -19860,9 +19984,9 @@
                 <a:gdLst/>
                 <a:ahLst/>
                 <a:cxnLst/>
-                <a:rect r="r" b="b" t="t" l="l"/>
+                <a:rect l="l" t="t" r="r" b="b"/>
                 <a:pathLst>
-                  <a:path h="368300" w="1515110">
+                  <a:path w="1515110" h="368300">
                     <a:moveTo>
                       <a:pt x="184150" y="0"/>
                     </a:moveTo>
@@ -19945,12 +20069,12 @@
           </p:sp>
           <p:sp>
             <p:nvSpPr>
-              <p:cNvPr name="Freeform 8" id="8"/>
+              <p:cNvPr id="8" name="Freeform 8"/>
               <p:cNvSpPr/>
               <p:nvPr/>
             </p:nvSpPr>
             <p:spPr>
-              <a:xfrm flipH="false" flipV="false" rot="0">
+              <a:xfrm>
                 <a:off x="0" y="0"/>
                 <a:ext cx="18939511" cy="6350000"/>
               </a:xfrm>
@@ -19959,9 +20083,9 @@
                 <a:gdLst/>
                 <a:ahLst/>
                 <a:cxnLst/>
-                <a:rect r="r" b="b" t="t" l="l"/>
+                <a:rect l="l" t="t" r="r" b="b"/>
                 <a:pathLst>
-                  <a:path h="6350000" w="18939511">
+                  <a:path w="18939511" h="6350000">
                     <a:moveTo>
                       <a:pt x="18464530" y="0"/>
                     </a:moveTo>
@@ -20285,14 +20409,14 @@
         </p:grpSp>
         <p:grpSp>
           <p:nvGrpSpPr>
-            <p:cNvPr name="Group 9" id="9"/>
+            <p:cNvPr id="9" name="Group 9"/>
             <p:cNvGrpSpPr>
-              <a:grpSpLocks noChangeAspect="true"/>
+              <a:grpSpLocks noChangeAspect="1"/>
             </p:cNvGrpSpPr>
             <p:nvPr/>
           </p:nvGrpSpPr>
           <p:grpSpPr>
-            <a:xfrm rot="0">
+            <a:xfrm>
               <a:off x="0" y="0"/>
               <a:ext cx="20281801" cy="6800497"/>
               <a:chOff x="0" y="0"/>
@@ -20301,12 +20425,12 @@
           </p:grpSpPr>
           <p:sp>
             <p:nvSpPr>
-              <p:cNvPr name="Freeform 10" id="10"/>
+              <p:cNvPr id="10" name="Freeform 10"/>
               <p:cNvSpPr/>
               <p:nvPr/>
             </p:nvSpPr>
             <p:spPr>
-              <a:xfrm flipH="false" flipV="false" rot="0">
+              <a:xfrm>
                 <a:off x="27940" y="27940"/>
                 <a:ext cx="18882360" cy="918210"/>
               </a:xfrm>
@@ -20315,9 +20439,9 @@
                 <a:gdLst/>
                 <a:ahLst/>
                 <a:cxnLst/>
-                <a:rect r="r" b="b" t="t" l="l"/>
+                <a:rect l="l" t="t" r="r" b="b"/>
                 <a:pathLst>
-                  <a:path h="918210" w="18882360">
+                  <a:path w="18882360" h="918210">
                     <a:moveTo>
                       <a:pt x="18882360" y="918210"/>
                     </a:moveTo>
@@ -20359,12 +20483,12 @@
           </p:sp>
           <p:sp>
             <p:nvSpPr>
-              <p:cNvPr name="Freeform 11" id="11"/>
+              <p:cNvPr id="11" name="Freeform 11"/>
               <p:cNvSpPr/>
               <p:nvPr/>
             </p:nvSpPr>
             <p:spPr>
-              <a:xfrm flipH="false" flipV="false" rot="0">
+              <a:xfrm>
                 <a:off x="27940" y="944880"/>
                 <a:ext cx="18882360" cy="5377180"/>
               </a:xfrm>
@@ -20373,9 +20497,9 @@
                 <a:gdLst/>
                 <a:ahLst/>
                 <a:cxnLst/>
-                <a:rect r="r" b="b" t="t" l="l"/>
+                <a:rect l="l" t="t" r="r" b="b"/>
                 <a:pathLst>
-                  <a:path h="5377180" w="18882360">
+                  <a:path w="18882360" h="5377180">
                     <a:moveTo>
                       <a:pt x="9331960" y="0"/>
                     </a:moveTo>
@@ -20425,12 +20549,12 @@
           </p:sp>
           <p:sp>
             <p:nvSpPr>
-              <p:cNvPr name="Freeform 12" id="12"/>
+              <p:cNvPr id="12" name="Freeform 12"/>
               <p:cNvSpPr/>
               <p:nvPr/>
             </p:nvSpPr>
             <p:spPr>
-              <a:xfrm flipH="false" flipV="false" rot="0">
+              <a:xfrm>
                 <a:off x="499110" y="299720"/>
                 <a:ext cx="1515110" cy="368300"/>
               </a:xfrm>
@@ -20439,9 +20563,9 @@
                 <a:gdLst/>
                 <a:ahLst/>
                 <a:cxnLst/>
-                <a:rect r="r" b="b" t="t" l="l"/>
+                <a:rect l="l" t="t" r="r" b="b"/>
                 <a:pathLst>
-                  <a:path h="368300" w="1515110">
+                  <a:path w="1515110" h="368300">
                     <a:moveTo>
                       <a:pt x="184150" y="0"/>
                     </a:moveTo>
@@ -20524,12 +20648,12 @@
           </p:sp>
           <p:sp>
             <p:nvSpPr>
-              <p:cNvPr name="Freeform 13" id="13"/>
+              <p:cNvPr id="13" name="Freeform 13"/>
               <p:cNvSpPr/>
               <p:nvPr/>
             </p:nvSpPr>
             <p:spPr>
-              <a:xfrm flipH="false" flipV="false" rot="0">
+              <a:xfrm>
                 <a:off x="0" y="0"/>
                 <a:ext cx="18939511" cy="6350000"/>
               </a:xfrm>
@@ -20538,9 +20662,9 @@
                 <a:gdLst/>
                 <a:ahLst/>
                 <a:cxnLst/>
-                <a:rect r="r" b="b" t="t" l="l"/>
+                <a:rect l="l" t="t" r="r" b="b"/>
                 <a:pathLst>
-                  <a:path h="6350000" w="18939511">
+                  <a:path w="18939511" h="6350000">
                     <a:moveTo>
                       <a:pt x="18464530" y="0"/>
                     </a:moveTo>
@@ -20865,12 +20989,12 @@
       </p:grpSp>
       <p:sp>
         <p:nvSpPr>
-          <p:cNvPr name="TextBox 14" id="14"/>
-          <p:cNvSpPr txBox="true"/>
+          <p:cNvPr id="14" name="TextBox 14"/>
+          <p:cNvSpPr txBox="1"/>
           <p:nvPr/>
         </p:nvSpPr>
         <p:spPr>
-          <a:xfrm rot="0">
+          <a:xfrm>
             <a:off x="2153727" y="4798695"/>
             <a:ext cx="10570169" cy="661035"/>
           </a:xfrm>
@@ -20879,7 +21003,7 @@
           </a:prstGeom>
         </p:spPr>
         <p:txBody>
-          <a:bodyPr anchor="t" rtlCol="false" tIns="0" lIns="0" bIns="0" rIns="0">
+          <a:bodyPr lIns="0" tIns="0" rIns="0" bIns="0" rtlCol="0" anchor="t">
             <a:spAutoFit/>
           </a:bodyPr>
           <a:lstStyle/>
@@ -20903,12 +21027,12 @@
       </p:sp>
       <p:grpSp>
         <p:nvGrpSpPr>
-          <p:cNvPr name="Group 15" id="15"/>
+          <p:cNvPr id="15" name="Group 15"/>
           <p:cNvGrpSpPr/>
           <p:nvPr/>
         </p:nvGrpSpPr>
         <p:grpSpPr>
-          <a:xfrm rot="0">
+          <a:xfrm>
             <a:off x="1306896" y="1273702"/>
             <a:ext cx="15559849" cy="1404363"/>
             <a:chOff x="0" y="0"/>
@@ -20917,12 +21041,12 @@
         </p:grpSpPr>
         <p:sp>
           <p:nvSpPr>
-            <p:cNvPr name="Freeform 16" id="16"/>
+            <p:cNvPr id="16" name="Freeform 16"/>
             <p:cNvSpPr/>
             <p:nvPr/>
           </p:nvSpPr>
           <p:spPr>
-            <a:xfrm flipH="false" flipV="false" rot="0">
+            <a:xfrm>
               <a:off x="31750" y="31750"/>
               <a:ext cx="16950810" cy="1472137"/>
             </a:xfrm>
@@ -20931,9 +21055,9 @@
               <a:gdLst/>
               <a:ahLst/>
               <a:cxnLst/>
-              <a:rect r="r" b="b" t="t" l="l"/>
+              <a:rect l="l" t="t" r="r" b="b"/>
               <a:pathLst>
-                <a:path h="1472137" w="16950810">
+                <a:path w="16950810" h="1472137">
                   <a:moveTo>
                     <a:pt x="16858100" y="1472137"/>
                   </a:moveTo>
@@ -20980,12 +21104,12 @@
         </p:sp>
         <p:sp>
           <p:nvSpPr>
-            <p:cNvPr name="Freeform 17" id="17"/>
+            <p:cNvPr id="17" name="Freeform 17"/>
             <p:cNvSpPr/>
             <p:nvPr/>
           </p:nvSpPr>
           <p:spPr>
-            <a:xfrm flipH="false" flipV="false" rot="0">
+            <a:xfrm>
               <a:off x="0" y="0"/>
               <a:ext cx="17014310" cy="1535637"/>
             </a:xfrm>
@@ -20994,9 +21118,9 @@
               <a:gdLst/>
               <a:ahLst/>
               <a:cxnLst/>
-              <a:rect r="r" b="b" t="t" l="l"/>
+              <a:rect l="l" t="t" r="r" b="b"/>
               <a:pathLst>
-                <a:path h="1535637" w="17014310">
+                <a:path w="17014310" h="1535637">
                   <a:moveTo>
                     <a:pt x="16889850" y="59690"/>
                   </a:moveTo>
@@ -21079,12 +21203,12 @@
       </p:grpSp>
       <p:sp>
         <p:nvSpPr>
-          <p:cNvPr name="TextBox 18" id="18"/>
-          <p:cNvSpPr txBox="true"/>
+          <p:cNvPr id="18" name="TextBox 18"/>
+          <p:cNvSpPr txBox="1"/>
           <p:nvPr/>
         </p:nvSpPr>
         <p:spPr>
-          <a:xfrm rot="0">
+          <a:xfrm>
             <a:off x="1886305" y="1438594"/>
             <a:ext cx="15707129" cy="962660"/>
           </a:xfrm>
@@ -21093,7 +21217,7 @@
           </a:prstGeom>
         </p:spPr>
         <p:txBody>
-          <a:bodyPr anchor="t" rtlCol="false" tIns="0" lIns="0" bIns="0" rIns="0">
+          <a:bodyPr lIns="0" tIns="0" rIns="0" bIns="0" rtlCol="0" anchor="t">
             <a:spAutoFit/>
           </a:bodyPr>
           <a:lstStyle/>
@@ -21117,12 +21241,12 @@
       </p:sp>
       <p:sp>
         <p:nvSpPr>
-          <p:cNvPr name="Freeform 19" id="19"/>
+          <p:cNvPr id="19" name="Freeform 19"/>
           <p:cNvSpPr/>
           <p:nvPr/>
         </p:nvSpPr>
         <p:spPr>
-          <a:xfrm flipH="false" flipV="false" rot="0">
+          <a:xfrm>
             <a:off x="15461386" y="1498431"/>
             <a:ext cx="954906" cy="954906"/>
           </a:xfrm>
@@ -21131,9 +21255,9 @@
             <a:gdLst/>
             <a:ahLst/>
             <a:cxnLst/>
-            <a:rect r="r" b="b" t="t" l="l"/>
+            <a:rect l="l" t="t" r="r" b="b"/>
             <a:pathLst>
-              <a:path h="954906" w="954906">
+              <a:path w="954906" h="954906">
                 <a:moveTo>
                   <a:pt x="0" y="0"/>
                 </a:moveTo>
@@ -21162,19 +21286,19 @@
               </a:extLst>
             </a:blip>
             <a:stretch>
-              <a:fillRect l="0" t="0" r="0" b="0"/>
+              <a:fillRect/>
             </a:stretch>
           </a:blipFill>
         </p:spPr>
       </p:sp>
       <p:sp>
         <p:nvSpPr>
-          <p:cNvPr name="TextBox 20" id="20"/>
-          <p:cNvSpPr txBox="true"/>
+          <p:cNvPr id="20" name="TextBox 20"/>
+          <p:cNvSpPr txBox="1"/>
           <p:nvPr/>
         </p:nvSpPr>
         <p:spPr>
-          <a:xfrm rot="0">
+          <a:xfrm>
             <a:off x="2153727" y="5712159"/>
             <a:ext cx="14713018" cy="2032635"/>
           </a:xfrm>
@@ -21183,7 +21307,7 @@
           </a:prstGeom>
         </p:spPr>
         <p:txBody>
-          <a:bodyPr anchor="t" rtlCol="false" tIns="0" lIns="0" bIns="0" rIns="0">
+          <a:bodyPr lIns="0" tIns="0" rIns="0" bIns="0" rtlCol="0" anchor="t">
             <a:spAutoFit/>
           </a:bodyPr>
           <a:lstStyle/>
@@ -21228,6 +21352,12 @@
                 <a:spcPct val="0"/>
               </a:spcBef>
             </a:pPr>
+            <a:endParaRPr lang="en-US" sz="4200">
+              <a:solidFill>
+                <a:srgbClr val="000000"/>
+              </a:solidFill>
+              <a:latin typeface="Be Vietnam"/>
+            </a:endParaRPr>
           </a:p>
         </p:txBody>
       </p:sp>
@@ -21240,13 +21370,14 @@
 </file>
 
 <file path=ppt/slides/slide9.xml><?xml version="1.0" encoding="utf-8"?>
-<p:sld xmlns:p="http://schemas.openxmlformats.org/presentationml/2006/main" xmlns:a="http://schemas.openxmlformats.org/drawingml/2006/main" xmlns:r="http://schemas.openxmlformats.org/officeDocument/2006/relationships">
+<p:sld xmlns:a="http://schemas.openxmlformats.org/drawingml/2006/main" xmlns:r="http://schemas.openxmlformats.org/officeDocument/2006/relationships" xmlns:p="http://schemas.openxmlformats.org/presentationml/2006/main">
   <p:cSld>
     <p:bg>
       <p:bgPr>
         <a:solidFill>
           <a:srgbClr val="F4F4F4"/>
         </a:solidFill>
+        <a:effectLst/>
       </p:bgPr>
     </p:bg>
     <p:spTree>
@@ -21265,12 +21396,12 @@
       </p:grpSpPr>
       <p:sp>
         <p:nvSpPr>
-          <p:cNvPr name="Freeform 2" id="2"/>
+          <p:cNvPr id="2" name="Freeform 2"/>
           <p:cNvSpPr/>
           <p:nvPr/>
         </p:nvSpPr>
         <p:spPr>
-          <a:xfrm flipH="false" flipV="false" rot="0">
+          <a:xfrm>
             <a:off x="17259300" y="276167"/>
             <a:ext cx="7574892" cy="3401815"/>
           </a:xfrm>
@@ -21279,9 +21410,9 @@
             <a:gdLst/>
             <a:ahLst/>
             <a:cxnLst/>
-            <a:rect r="r" b="b" t="t" l="l"/>
+            <a:rect l="l" t="t" r="r" b="b"/>
             <a:pathLst>
-              <a:path h="3401815" w="7574892">
+              <a:path w="7574892" h="3401815">
                 <a:moveTo>
                   <a:pt x="0" y="0"/>
                 </a:moveTo>
@@ -21310,19 +21441,19 @@
               </a:extLst>
             </a:blip>
             <a:stretch>
-              <a:fillRect l="0" t="0" r="0" b="0"/>
+              <a:fillRect/>
             </a:stretch>
           </a:blipFill>
         </p:spPr>
       </p:sp>
       <p:grpSp>
         <p:nvGrpSpPr>
-          <p:cNvPr name="Group 3" id="3"/>
+          <p:cNvPr id="3" name="Group 3"/>
           <p:cNvGrpSpPr/>
           <p:nvPr/>
         </p:nvGrpSpPr>
         <p:grpSpPr>
-          <a:xfrm rot="0">
+          <a:xfrm>
             <a:off x="1306896" y="3335505"/>
             <a:ext cx="15674207" cy="5460169"/>
             <a:chOff x="0" y="0"/>
@@ -21331,14 +21462,14 @@
         </p:grpSpPr>
         <p:grpSp>
           <p:nvGrpSpPr>
-            <p:cNvPr name="Group 4" id="4"/>
+            <p:cNvPr id="4" name="Group 4"/>
             <p:cNvGrpSpPr>
-              <a:grpSpLocks noChangeAspect="true"/>
+              <a:grpSpLocks noChangeAspect="1"/>
             </p:cNvGrpSpPr>
             <p:nvPr/>
           </p:nvGrpSpPr>
           <p:grpSpPr>
-            <a:xfrm rot="0">
+            <a:xfrm>
               <a:off x="617142" y="479729"/>
               <a:ext cx="20281801" cy="6800497"/>
               <a:chOff x="0" y="0"/>
@@ -21347,12 +21478,12 @@
           </p:grpSpPr>
           <p:sp>
             <p:nvSpPr>
-              <p:cNvPr name="Freeform 5" id="5"/>
+              <p:cNvPr id="5" name="Freeform 5"/>
               <p:cNvSpPr/>
               <p:nvPr/>
             </p:nvSpPr>
             <p:spPr>
-              <a:xfrm flipH="false" flipV="false" rot="0">
+              <a:xfrm>
                 <a:off x="27940" y="27940"/>
                 <a:ext cx="18882360" cy="918210"/>
               </a:xfrm>
@@ -21361,9 +21492,9 @@
                 <a:gdLst/>
                 <a:ahLst/>
                 <a:cxnLst/>
-                <a:rect r="r" b="b" t="t" l="l"/>
+                <a:rect l="l" t="t" r="r" b="b"/>
                 <a:pathLst>
-                  <a:path h="918210" w="18882360">
+                  <a:path w="18882360" h="918210">
                     <a:moveTo>
                       <a:pt x="18882360" y="918210"/>
                     </a:moveTo>
@@ -21405,12 +21536,12 @@
           </p:sp>
           <p:sp>
             <p:nvSpPr>
-              <p:cNvPr name="Freeform 6" id="6"/>
+              <p:cNvPr id="6" name="Freeform 6"/>
               <p:cNvSpPr/>
               <p:nvPr/>
             </p:nvSpPr>
             <p:spPr>
-              <a:xfrm flipH="false" flipV="false" rot="0">
+              <a:xfrm>
                 <a:off x="27940" y="944880"/>
                 <a:ext cx="18882360" cy="5377180"/>
               </a:xfrm>
@@ -21419,9 +21550,9 @@
                 <a:gdLst/>
                 <a:ahLst/>
                 <a:cxnLst/>
-                <a:rect r="r" b="b" t="t" l="l"/>
+                <a:rect l="l" t="t" r="r" b="b"/>
                 <a:pathLst>
-                  <a:path h="5377180" w="18882360">
+                  <a:path w="18882360" h="5377180">
                     <a:moveTo>
                       <a:pt x="9331960" y="0"/>
                     </a:moveTo>
@@ -21471,12 +21602,12 @@
           </p:sp>
           <p:sp>
             <p:nvSpPr>
-              <p:cNvPr name="Freeform 7" id="7"/>
+              <p:cNvPr id="7" name="Freeform 7"/>
               <p:cNvSpPr/>
               <p:nvPr/>
             </p:nvSpPr>
             <p:spPr>
-              <a:xfrm flipH="false" flipV="false" rot="0">
+              <a:xfrm>
                 <a:off x="499110" y="299720"/>
                 <a:ext cx="1515110" cy="368300"/>
               </a:xfrm>
@@ -21485,9 +21616,9 @@
                 <a:gdLst/>
                 <a:ahLst/>
                 <a:cxnLst/>
-                <a:rect r="r" b="b" t="t" l="l"/>
+                <a:rect l="l" t="t" r="r" b="b"/>
                 <a:pathLst>
-                  <a:path h="368300" w="1515110">
+                  <a:path w="1515110" h="368300">
                     <a:moveTo>
                       <a:pt x="184150" y="0"/>
                     </a:moveTo>
@@ -21570,12 +21701,12 @@
           </p:sp>
           <p:sp>
             <p:nvSpPr>
-              <p:cNvPr name="Freeform 8" id="8"/>
+              <p:cNvPr id="8" name="Freeform 8"/>
               <p:cNvSpPr/>
               <p:nvPr/>
             </p:nvSpPr>
             <p:spPr>
-              <a:xfrm flipH="false" flipV="false" rot="0">
+              <a:xfrm>
                 <a:off x="0" y="0"/>
                 <a:ext cx="18939511" cy="6350000"/>
               </a:xfrm>
@@ -21584,9 +21715,9 @@
                 <a:gdLst/>
                 <a:ahLst/>
                 <a:cxnLst/>
-                <a:rect r="r" b="b" t="t" l="l"/>
+                <a:rect l="l" t="t" r="r" b="b"/>
                 <a:pathLst>
-                  <a:path h="6350000" w="18939511">
+                  <a:path w="18939511" h="6350000">
                     <a:moveTo>
                       <a:pt x="18464530" y="0"/>
                     </a:moveTo>
@@ -21910,14 +22041,14 @@
         </p:grpSp>
         <p:grpSp>
           <p:nvGrpSpPr>
-            <p:cNvPr name="Group 9" id="9"/>
+            <p:cNvPr id="9" name="Group 9"/>
             <p:cNvGrpSpPr>
-              <a:grpSpLocks noChangeAspect="true"/>
+              <a:grpSpLocks noChangeAspect="1"/>
             </p:cNvGrpSpPr>
             <p:nvPr/>
           </p:nvGrpSpPr>
           <p:grpSpPr>
-            <a:xfrm rot="0">
+            <a:xfrm>
               <a:off x="0" y="0"/>
               <a:ext cx="20281801" cy="6800497"/>
               <a:chOff x="0" y="0"/>
@@ -21926,12 +22057,12 @@
           </p:grpSpPr>
           <p:sp>
             <p:nvSpPr>
-              <p:cNvPr name="Freeform 10" id="10"/>
+              <p:cNvPr id="10" name="Freeform 10"/>
               <p:cNvSpPr/>
               <p:nvPr/>
             </p:nvSpPr>
             <p:spPr>
-              <a:xfrm flipH="false" flipV="false" rot="0">
+              <a:xfrm>
                 <a:off x="27940" y="27940"/>
                 <a:ext cx="18882360" cy="918210"/>
               </a:xfrm>
@@ -21940,9 +22071,9 @@
                 <a:gdLst/>
                 <a:ahLst/>
                 <a:cxnLst/>
-                <a:rect r="r" b="b" t="t" l="l"/>
+                <a:rect l="l" t="t" r="r" b="b"/>
                 <a:pathLst>
-                  <a:path h="918210" w="18882360">
+                  <a:path w="18882360" h="918210">
                     <a:moveTo>
                       <a:pt x="18882360" y="918210"/>
                     </a:moveTo>
@@ -21984,12 +22115,12 @@
           </p:sp>
           <p:sp>
             <p:nvSpPr>
-              <p:cNvPr name="Freeform 11" id="11"/>
+              <p:cNvPr id="11" name="Freeform 11"/>
               <p:cNvSpPr/>
               <p:nvPr/>
             </p:nvSpPr>
             <p:spPr>
-              <a:xfrm flipH="false" flipV="false" rot="0">
+              <a:xfrm>
                 <a:off x="27940" y="944880"/>
                 <a:ext cx="18882360" cy="5377180"/>
               </a:xfrm>
@@ -21998,9 +22129,9 @@
                 <a:gdLst/>
                 <a:ahLst/>
                 <a:cxnLst/>
-                <a:rect r="r" b="b" t="t" l="l"/>
+                <a:rect l="l" t="t" r="r" b="b"/>
                 <a:pathLst>
-                  <a:path h="5377180" w="18882360">
+                  <a:path w="18882360" h="5377180">
                     <a:moveTo>
                       <a:pt x="9331960" y="0"/>
                     </a:moveTo>
@@ -22050,12 +22181,12 @@
           </p:sp>
           <p:sp>
             <p:nvSpPr>
-              <p:cNvPr name="Freeform 12" id="12"/>
+              <p:cNvPr id="12" name="Freeform 12"/>
               <p:cNvSpPr/>
               <p:nvPr/>
             </p:nvSpPr>
             <p:spPr>
-              <a:xfrm flipH="false" flipV="false" rot="0">
+              <a:xfrm>
                 <a:off x="499110" y="299720"/>
                 <a:ext cx="1515110" cy="368300"/>
               </a:xfrm>
@@ -22064,9 +22195,9 @@
                 <a:gdLst/>
                 <a:ahLst/>
                 <a:cxnLst/>
-                <a:rect r="r" b="b" t="t" l="l"/>
+                <a:rect l="l" t="t" r="r" b="b"/>
                 <a:pathLst>
-                  <a:path h="368300" w="1515110">
+                  <a:path w="1515110" h="368300">
                     <a:moveTo>
                       <a:pt x="184150" y="0"/>
                     </a:moveTo>
@@ -22149,12 +22280,12 @@
           </p:sp>
           <p:sp>
             <p:nvSpPr>
-              <p:cNvPr name="Freeform 13" id="13"/>
+              <p:cNvPr id="13" name="Freeform 13"/>
               <p:cNvSpPr/>
               <p:nvPr/>
             </p:nvSpPr>
             <p:spPr>
-              <a:xfrm flipH="false" flipV="false" rot="0">
+              <a:xfrm>
                 <a:off x="0" y="0"/>
                 <a:ext cx="18939511" cy="6350000"/>
               </a:xfrm>
@@ -22163,9 +22294,9 @@
                 <a:gdLst/>
                 <a:ahLst/>
                 <a:cxnLst/>
-                <a:rect r="r" b="b" t="t" l="l"/>
+                <a:rect l="l" t="t" r="r" b="b"/>
                 <a:pathLst>
-                  <a:path h="6350000" w="18939511">
+                  <a:path w="18939511" h="6350000">
                     <a:moveTo>
                       <a:pt x="18464530" y="0"/>
                     </a:moveTo>
@@ -22490,12 +22621,12 @@
       </p:grpSp>
       <p:sp>
         <p:nvSpPr>
-          <p:cNvPr name="TextBox 14" id="14"/>
-          <p:cNvSpPr txBox="true"/>
+          <p:cNvPr id="14" name="TextBox 14"/>
+          <p:cNvSpPr txBox="1"/>
           <p:nvPr/>
         </p:nvSpPr>
         <p:spPr>
-          <a:xfrm rot="0">
+          <a:xfrm>
             <a:off x="1886305" y="4798695"/>
             <a:ext cx="3809271" cy="661035"/>
           </a:xfrm>
@@ -22504,7 +22635,7 @@
           </a:prstGeom>
         </p:spPr>
         <p:txBody>
-          <a:bodyPr anchor="t" rtlCol="false" tIns="0" lIns="0" bIns="0" rIns="0">
+          <a:bodyPr lIns="0" tIns="0" rIns="0" bIns="0" rtlCol="0" anchor="t">
             <a:spAutoFit/>
           </a:bodyPr>
           <a:lstStyle/>
@@ -22528,12 +22659,12 @@
       </p:sp>
       <p:grpSp>
         <p:nvGrpSpPr>
-          <p:cNvPr name="Group 15" id="15"/>
+          <p:cNvPr id="15" name="Group 15"/>
           <p:cNvGrpSpPr/>
           <p:nvPr/>
         </p:nvGrpSpPr>
         <p:grpSpPr>
-          <a:xfrm rot="0">
+          <a:xfrm>
             <a:off x="1306896" y="1273702"/>
             <a:ext cx="15559849" cy="1404363"/>
             <a:chOff x="0" y="0"/>
@@ -22542,12 +22673,12 @@
         </p:grpSpPr>
         <p:sp>
           <p:nvSpPr>
-            <p:cNvPr name="Freeform 16" id="16"/>
+            <p:cNvPr id="16" name="Freeform 16"/>
             <p:cNvSpPr/>
             <p:nvPr/>
           </p:nvSpPr>
           <p:spPr>
-            <a:xfrm flipH="false" flipV="false" rot="0">
+            <a:xfrm>
               <a:off x="31750" y="31750"/>
               <a:ext cx="16950810" cy="1472137"/>
             </a:xfrm>
@@ -22556,9 +22687,9 @@
               <a:gdLst/>
               <a:ahLst/>
               <a:cxnLst/>
-              <a:rect r="r" b="b" t="t" l="l"/>
+              <a:rect l="l" t="t" r="r" b="b"/>
               <a:pathLst>
-                <a:path h="1472137" w="16950810">
+                <a:path w="16950810" h="1472137">
                   <a:moveTo>
                     <a:pt x="16858100" y="1472137"/>
                   </a:moveTo>
@@ -22605,12 +22736,12 @@
         </p:sp>
         <p:sp>
           <p:nvSpPr>
-            <p:cNvPr name="Freeform 17" id="17"/>
+            <p:cNvPr id="17" name="Freeform 17"/>
             <p:cNvSpPr/>
             <p:nvPr/>
           </p:nvSpPr>
           <p:spPr>
-            <a:xfrm flipH="false" flipV="false" rot="0">
+            <a:xfrm>
               <a:off x="0" y="0"/>
               <a:ext cx="17014310" cy="1535637"/>
             </a:xfrm>
@@ -22619,9 +22750,9 @@
               <a:gdLst/>
               <a:ahLst/>
               <a:cxnLst/>
-              <a:rect r="r" b="b" t="t" l="l"/>
+              <a:rect l="l" t="t" r="r" b="b"/>
               <a:pathLst>
-                <a:path h="1535637" w="17014310">
+                <a:path w="17014310" h="1535637">
                   <a:moveTo>
                     <a:pt x="16889850" y="59690"/>
                   </a:moveTo>
@@ -22704,12 +22835,12 @@
       </p:grpSp>
       <p:sp>
         <p:nvSpPr>
-          <p:cNvPr name="TextBox 18" id="18"/>
-          <p:cNvSpPr txBox="true"/>
+          <p:cNvPr id="18" name="TextBox 18"/>
+          <p:cNvSpPr txBox="1"/>
           <p:nvPr/>
         </p:nvSpPr>
         <p:spPr>
-          <a:xfrm rot="0">
+          <a:xfrm>
             <a:off x="1886305" y="1438594"/>
             <a:ext cx="15707129" cy="962660"/>
           </a:xfrm>
@@ -22718,7 +22849,7 @@
           </a:prstGeom>
         </p:spPr>
         <p:txBody>
-          <a:bodyPr anchor="t" rtlCol="false" tIns="0" lIns="0" bIns="0" rIns="0">
+          <a:bodyPr lIns="0" tIns="0" rIns="0" bIns="0" rtlCol="0" anchor="t">
             <a:spAutoFit/>
           </a:bodyPr>
           <a:lstStyle/>
@@ -22742,12 +22873,12 @@
       </p:sp>
       <p:sp>
         <p:nvSpPr>
-          <p:cNvPr name="Freeform 19" id="19"/>
+          <p:cNvPr id="19" name="Freeform 19"/>
           <p:cNvSpPr/>
           <p:nvPr/>
         </p:nvSpPr>
         <p:spPr>
-          <a:xfrm flipH="false" flipV="false" rot="0">
+          <a:xfrm>
             <a:off x="15461386" y="1498431"/>
             <a:ext cx="954906" cy="954906"/>
           </a:xfrm>
@@ -22756,9 +22887,9 @@
             <a:gdLst/>
             <a:ahLst/>
             <a:cxnLst/>
-            <a:rect r="r" b="b" t="t" l="l"/>
+            <a:rect l="l" t="t" r="r" b="b"/>
             <a:pathLst>
-              <a:path h="954906" w="954906">
+              <a:path w="954906" h="954906">
                 <a:moveTo>
                   <a:pt x="0" y="0"/>
                 </a:moveTo>
@@ -22787,19 +22918,19 @@
               </a:extLst>
             </a:blip>
             <a:stretch>
-              <a:fillRect l="0" t="0" r="0" b="0"/>
+              <a:fillRect/>
             </a:stretch>
           </a:blipFill>
         </p:spPr>
       </p:sp>
       <p:sp>
         <p:nvSpPr>
-          <p:cNvPr name="TextBox 20" id="20"/>
-          <p:cNvSpPr txBox="true"/>
+          <p:cNvPr id="20" name="TextBox 20"/>
+          <p:cNvSpPr txBox="1"/>
           <p:nvPr/>
         </p:nvSpPr>
         <p:spPr>
-          <a:xfrm rot="0">
+          <a:xfrm>
             <a:off x="1886305" y="5776453"/>
             <a:ext cx="12499840" cy="1346835"/>
           </a:xfrm>
@@ -22808,7 +22939,7 @@
           </a:prstGeom>
         </p:spPr>
         <p:txBody>
-          <a:bodyPr anchor="t" rtlCol="false" tIns="0" lIns="0" bIns="0" rIns="0">
+          <a:bodyPr lIns="0" tIns="0" rIns="0" bIns="0" rtlCol="0" anchor="t">
             <a:spAutoFit/>
           </a:bodyPr>
           <a:lstStyle/>
